--- a/게임인터페이스설계.pptx
+++ b/게임인터페이스설계.pptx
@@ -109,7 +109,2610 @@
       </a:defRPr>
     </a:lvl9pPr>
   </p:defaultTextStyle>
+  <p:extLst>
+    <p:ext uri="{EFAFB233-063F-42B5-8137-9DF3F51BA10A}">
+      <p15:sldGuideLst xmlns:p15="http://schemas.microsoft.com/office/powerpoint/2012/main"/>
+    </p:ext>
+  </p:extLst>
 </p:presentation>
+</file>
+
+<file path=ppt/diagrams/colors1.xml><?xml version="1.0" encoding="utf-8"?>
+<dgm:colorsDef xmlns:dgm="http://schemas.openxmlformats.org/drawingml/2006/diagram" xmlns:a="http://schemas.openxmlformats.org/drawingml/2006/main" uniqueId="urn:microsoft.com/office/officeart/2005/8/colors/colorful2">
+  <dgm:title val=""/>
+  <dgm:desc val=""/>
+  <dgm:catLst>
+    <dgm:cat type="colorful" pri="10200"/>
+  </dgm:catLst>
+  <dgm:styleLbl name="node0">
+    <dgm:fillClrLst meth="repeat">
+      <a:schemeClr val="accent1"/>
+    </dgm:fillClrLst>
+    <dgm:linClrLst meth="repeat">
+      <a:schemeClr val="lt1"/>
+    </dgm:linClrLst>
+    <dgm:effectClrLst/>
+    <dgm:txLinClrLst/>
+    <dgm:txFillClrLst/>
+    <dgm:txEffectClrLst/>
+  </dgm:styleLbl>
+  <dgm:styleLbl name="node1">
+    <dgm:fillClrLst>
+      <a:schemeClr val="accent2"/>
+      <a:schemeClr val="accent3"/>
+    </dgm:fillClrLst>
+    <dgm:linClrLst meth="repeat">
+      <a:schemeClr val="lt1"/>
+    </dgm:linClrLst>
+    <dgm:effectClrLst/>
+    <dgm:txLinClrLst/>
+    <dgm:txFillClrLst/>
+    <dgm:txEffectClrLst/>
+  </dgm:styleLbl>
+  <dgm:styleLbl name="alignNode1">
+    <dgm:fillClrLst>
+      <a:schemeClr val="accent2"/>
+      <a:schemeClr val="accent3"/>
+    </dgm:fillClrLst>
+    <dgm:linClrLst>
+      <a:schemeClr val="accent2"/>
+      <a:schemeClr val="accent3"/>
+    </dgm:linClrLst>
+    <dgm:effectClrLst/>
+    <dgm:txLinClrLst/>
+    <dgm:txFillClrLst/>
+    <dgm:txEffectClrLst/>
+  </dgm:styleLbl>
+  <dgm:styleLbl name="lnNode1">
+    <dgm:fillClrLst>
+      <a:schemeClr val="accent2"/>
+      <a:schemeClr val="accent3"/>
+    </dgm:fillClrLst>
+    <dgm:linClrLst meth="repeat">
+      <a:schemeClr val="lt1"/>
+    </dgm:linClrLst>
+    <dgm:effectClrLst/>
+    <dgm:txLinClrLst/>
+    <dgm:txFillClrLst/>
+    <dgm:txEffectClrLst/>
+  </dgm:styleLbl>
+  <dgm:styleLbl name="vennNode1">
+    <dgm:fillClrLst>
+      <a:schemeClr val="accent2">
+        <a:alpha val="50000"/>
+      </a:schemeClr>
+      <a:schemeClr val="accent3">
+        <a:alpha val="50000"/>
+      </a:schemeClr>
+    </dgm:fillClrLst>
+    <dgm:linClrLst meth="repeat">
+      <a:schemeClr val="lt1"/>
+    </dgm:linClrLst>
+    <dgm:effectClrLst/>
+    <dgm:txLinClrLst/>
+    <dgm:txFillClrLst/>
+    <dgm:txEffectClrLst/>
+  </dgm:styleLbl>
+  <dgm:styleLbl name="node2">
+    <dgm:fillClrLst>
+      <a:schemeClr val="accent3"/>
+    </dgm:fillClrLst>
+    <dgm:linClrLst meth="repeat">
+      <a:schemeClr val="lt1"/>
+    </dgm:linClrLst>
+    <dgm:effectClrLst/>
+    <dgm:txLinClrLst/>
+    <dgm:txFillClrLst/>
+    <dgm:txEffectClrLst/>
+  </dgm:styleLbl>
+  <dgm:styleLbl name="node3">
+    <dgm:fillClrLst>
+      <a:schemeClr val="accent4"/>
+    </dgm:fillClrLst>
+    <dgm:linClrLst meth="repeat">
+      <a:schemeClr val="lt1"/>
+    </dgm:linClrLst>
+    <dgm:effectClrLst/>
+    <dgm:txLinClrLst/>
+    <dgm:txFillClrLst/>
+    <dgm:txEffectClrLst/>
+  </dgm:styleLbl>
+  <dgm:styleLbl name="node4">
+    <dgm:fillClrLst>
+      <a:schemeClr val="accent5"/>
+    </dgm:fillClrLst>
+    <dgm:linClrLst meth="repeat">
+      <a:schemeClr val="lt1"/>
+    </dgm:linClrLst>
+    <dgm:effectClrLst/>
+    <dgm:txLinClrLst/>
+    <dgm:txFillClrLst/>
+    <dgm:txEffectClrLst/>
+  </dgm:styleLbl>
+  <dgm:styleLbl name="fgImgPlace1">
+    <dgm:fillClrLst>
+      <a:schemeClr val="accent2">
+        <a:tint val="50000"/>
+      </a:schemeClr>
+      <a:schemeClr val="accent3">
+        <a:tint val="50000"/>
+      </a:schemeClr>
+    </dgm:fillClrLst>
+    <dgm:linClrLst meth="repeat">
+      <a:schemeClr val="lt1"/>
+    </dgm:linClrLst>
+    <dgm:effectClrLst/>
+    <dgm:txLinClrLst/>
+    <dgm:txFillClrLst meth="repeat">
+      <a:schemeClr val="lt1"/>
+    </dgm:txFillClrLst>
+    <dgm:txEffectClrLst/>
+  </dgm:styleLbl>
+  <dgm:styleLbl name="alignImgPlace1">
+    <dgm:fillClrLst>
+      <a:schemeClr val="accent2">
+        <a:tint val="50000"/>
+      </a:schemeClr>
+      <a:schemeClr val="accent3">
+        <a:tint val="20000"/>
+      </a:schemeClr>
+    </dgm:fillClrLst>
+    <dgm:linClrLst meth="repeat">
+      <a:schemeClr val="lt1"/>
+    </dgm:linClrLst>
+    <dgm:effectClrLst/>
+    <dgm:txLinClrLst/>
+    <dgm:txFillClrLst meth="repeat">
+      <a:schemeClr val="lt1"/>
+    </dgm:txFillClrLst>
+    <dgm:txEffectClrLst/>
+  </dgm:styleLbl>
+  <dgm:styleLbl name="bgImgPlace1">
+    <dgm:fillClrLst>
+      <a:schemeClr val="accent2">
+        <a:tint val="50000"/>
+      </a:schemeClr>
+      <a:schemeClr val="accent3">
+        <a:tint val="20000"/>
+      </a:schemeClr>
+    </dgm:fillClrLst>
+    <dgm:linClrLst meth="repeat">
+      <a:schemeClr val="lt1"/>
+    </dgm:linClrLst>
+    <dgm:effectClrLst/>
+    <dgm:txLinClrLst/>
+    <dgm:txFillClrLst meth="repeat">
+      <a:schemeClr val="lt1"/>
+    </dgm:txFillClrLst>
+    <dgm:txEffectClrLst/>
+  </dgm:styleLbl>
+  <dgm:styleLbl name="sibTrans2D1">
+    <dgm:fillClrLst>
+      <a:schemeClr val="accent2"/>
+      <a:schemeClr val="accent3"/>
+    </dgm:fillClrLst>
+    <dgm:linClrLst meth="repeat">
+      <a:schemeClr val="lt1"/>
+    </dgm:linClrLst>
+    <dgm:effectClrLst/>
+    <dgm:txLinClrLst/>
+    <dgm:txFillClrLst/>
+    <dgm:txEffectClrLst/>
+  </dgm:styleLbl>
+  <dgm:styleLbl name="fgSibTrans2D1">
+    <dgm:fillClrLst>
+      <a:schemeClr val="accent2"/>
+      <a:schemeClr val="accent3"/>
+    </dgm:fillClrLst>
+    <dgm:linClrLst meth="repeat">
+      <a:schemeClr val="lt1"/>
+    </dgm:linClrLst>
+    <dgm:effectClrLst/>
+    <dgm:txLinClrLst/>
+    <dgm:txFillClrLst meth="repeat">
+      <a:schemeClr val="lt1"/>
+    </dgm:txFillClrLst>
+    <dgm:txEffectClrLst/>
+  </dgm:styleLbl>
+  <dgm:styleLbl name="bgSibTrans2D1">
+    <dgm:fillClrLst>
+      <a:schemeClr val="accent2"/>
+      <a:schemeClr val="accent3"/>
+    </dgm:fillClrLst>
+    <dgm:linClrLst meth="repeat">
+      <a:schemeClr val="lt1"/>
+    </dgm:linClrLst>
+    <dgm:effectClrLst/>
+    <dgm:txLinClrLst/>
+    <dgm:txFillClrLst meth="repeat">
+      <a:schemeClr val="lt1"/>
+    </dgm:txFillClrLst>
+    <dgm:txEffectClrLst/>
+  </dgm:styleLbl>
+  <dgm:styleLbl name="sibTrans1D1">
+    <dgm:fillClrLst/>
+    <dgm:linClrLst>
+      <a:schemeClr val="accent2"/>
+      <a:schemeClr val="accent3"/>
+    </dgm:linClrLst>
+    <dgm:effectClrLst/>
+    <dgm:txLinClrLst/>
+    <dgm:txFillClrLst meth="repeat">
+      <a:schemeClr val="tx1"/>
+    </dgm:txFillClrLst>
+    <dgm:txEffectClrLst/>
+  </dgm:styleLbl>
+  <dgm:styleLbl name="callout">
+    <dgm:fillClrLst meth="repeat">
+      <a:schemeClr val="accent2"/>
+    </dgm:fillClrLst>
+    <dgm:linClrLst meth="repeat">
+      <a:schemeClr val="accent2">
+        <a:tint val="50000"/>
+      </a:schemeClr>
+    </dgm:linClrLst>
+    <dgm:effectClrLst/>
+    <dgm:txLinClrLst/>
+    <dgm:txFillClrLst meth="repeat">
+      <a:schemeClr val="tx1"/>
+    </dgm:txFillClrLst>
+    <dgm:txEffectClrLst/>
+  </dgm:styleLbl>
+  <dgm:styleLbl name="asst0">
+    <dgm:fillClrLst meth="repeat">
+      <a:schemeClr val="accent2"/>
+    </dgm:fillClrLst>
+    <dgm:linClrLst meth="repeat">
+      <a:schemeClr val="lt1">
+        <a:shade val="80000"/>
+      </a:schemeClr>
+    </dgm:linClrLst>
+    <dgm:effectClrLst/>
+    <dgm:txLinClrLst/>
+    <dgm:txFillClrLst/>
+    <dgm:txEffectClrLst/>
+  </dgm:styleLbl>
+  <dgm:styleLbl name="asst1">
+    <dgm:fillClrLst meth="repeat">
+      <a:schemeClr val="accent3"/>
+    </dgm:fillClrLst>
+    <dgm:linClrLst meth="repeat">
+      <a:schemeClr val="lt1">
+        <a:shade val="80000"/>
+      </a:schemeClr>
+    </dgm:linClrLst>
+    <dgm:effectClrLst/>
+    <dgm:txLinClrLst/>
+    <dgm:txFillClrLst/>
+    <dgm:txEffectClrLst/>
+  </dgm:styleLbl>
+  <dgm:styleLbl name="asst2">
+    <dgm:fillClrLst>
+      <a:schemeClr val="accent4"/>
+    </dgm:fillClrLst>
+    <dgm:linClrLst meth="repeat">
+      <a:schemeClr val="lt1"/>
+    </dgm:linClrLst>
+    <dgm:effectClrLst/>
+    <dgm:txLinClrLst/>
+    <dgm:txFillClrLst/>
+    <dgm:txEffectClrLst/>
+  </dgm:styleLbl>
+  <dgm:styleLbl name="asst3">
+    <dgm:fillClrLst>
+      <a:schemeClr val="accent5"/>
+    </dgm:fillClrLst>
+    <dgm:linClrLst meth="repeat">
+      <a:schemeClr val="lt1"/>
+    </dgm:linClrLst>
+    <dgm:effectClrLst/>
+    <dgm:txLinClrLst/>
+    <dgm:txFillClrLst/>
+    <dgm:txEffectClrLst/>
+  </dgm:styleLbl>
+  <dgm:styleLbl name="asst4">
+    <dgm:fillClrLst>
+      <a:schemeClr val="accent6"/>
+    </dgm:fillClrLst>
+    <dgm:linClrLst meth="repeat">
+      <a:schemeClr val="lt1"/>
+    </dgm:linClrLst>
+    <dgm:effectClrLst/>
+    <dgm:txLinClrLst/>
+    <dgm:txFillClrLst/>
+    <dgm:txEffectClrLst/>
+  </dgm:styleLbl>
+  <dgm:styleLbl name="parChTrans2D1">
+    <dgm:fillClrLst meth="repeat">
+      <a:schemeClr val="accent2"/>
+    </dgm:fillClrLst>
+    <dgm:linClrLst meth="repeat">
+      <a:schemeClr val="lt1"/>
+    </dgm:linClrLst>
+    <dgm:effectClrLst/>
+    <dgm:txLinClrLst/>
+    <dgm:txFillClrLst meth="repeat">
+      <a:schemeClr val="lt1"/>
+    </dgm:txFillClrLst>
+    <dgm:txEffectClrLst/>
+  </dgm:styleLbl>
+  <dgm:styleLbl name="parChTrans2D2">
+    <dgm:fillClrLst meth="repeat">
+      <a:schemeClr val="accent3"/>
+    </dgm:fillClrLst>
+    <dgm:linClrLst meth="repeat">
+      <a:schemeClr val="lt1"/>
+    </dgm:linClrLst>
+    <dgm:effectClrLst/>
+    <dgm:txLinClrLst/>
+    <dgm:txFillClrLst/>
+    <dgm:txEffectClrLst/>
+  </dgm:styleLbl>
+  <dgm:styleLbl name="parChTrans2D3">
+    <dgm:fillClrLst meth="repeat">
+      <a:schemeClr val="accent4"/>
+    </dgm:fillClrLst>
+    <dgm:linClrLst meth="repeat">
+      <a:schemeClr val="lt1"/>
+    </dgm:linClrLst>
+    <dgm:effectClrLst/>
+    <dgm:txLinClrLst/>
+    <dgm:txFillClrLst/>
+    <dgm:txEffectClrLst/>
+  </dgm:styleLbl>
+  <dgm:styleLbl name="parChTrans2D4">
+    <dgm:fillClrLst meth="repeat">
+      <a:schemeClr val="accent5"/>
+    </dgm:fillClrLst>
+    <dgm:linClrLst meth="repeat">
+      <a:schemeClr val="lt1"/>
+    </dgm:linClrLst>
+    <dgm:effectClrLst/>
+    <dgm:txLinClrLst/>
+    <dgm:txFillClrLst meth="repeat">
+      <a:schemeClr val="lt1"/>
+    </dgm:txFillClrLst>
+    <dgm:txEffectClrLst/>
+  </dgm:styleLbl>
+  <dgm:styleLbl name="parChTrans1D1">
+    <dgm:fillClrLst meth="repeat">
+      <a:schemeClr val="accent2"/>
+    </dgm:fillClrLst>
+    <dgm:linClrLst meth="repeat">
+      <a:schemeClr val="accent2"/>
+    </dgm:linClrLst>
+    <dgm:effectClrLst/>
+    <dgm:txLinClrLst/>
+    <dgm:txFillClrLst meth="repeat">
+      <a:schemeClr val="tx1"/>
+    </dgm:txFillClrLst>
+    <dgm:txEffectClrLst/>
+  </dgm:styleLbl>
+  <dgm:styleLbl name="parChTrans1D2">
+    <dgm:fillClrLst meth="repeat">
+      <a:schemeClr val="accent2">
+        <a:tint val="90000"/>
+      </a:schemeClr>
+    </dgm:fillClrLst>
+    <dgm:linClrLst meth="repeat">
+      <a:schemeClr val="accent3"/>
+    </dgm:linClrLst>
+    <dgm:effectClrLst/>
+    <dgm:txLinClrLst/>
+    <dgm:txFillClrLst meth="repeat">
+      <a:schemeClr val="tx1"/>
+    </dgm:txFillClrLst>
+    <dgm:txEffectClrLst/>
+  </dgm:styleLbl>
+  <dgm:styleLbl name="parChTrans1D3">
+    <dgm:fillClrLst meth="repeat">
+      <a:schemeClr val="accent2">
+        <a:tint val="70000"/>
+      </a:schemeClr>
+    </dgm:fillClrLst>
+    <dgm:linClrLst meth="repeat">
+      <a:schemeClr val="accent4"/>
+    </dgm:linClrLst>
+    <dgm:effectClrLst/>
+    <dgm:txLinClrLst/>
+    <dgm:txFillClrLst meth="repeat">
+      <a:schemeClr val="tx1"/>
+    </dgm:txFillClrLst>
+    <dgm:txEffectClrLst/>
+  </dgm:styleLbl>
+  <dgm:styleLbl name="parChTrans1D4">
+    <dgm:fillClrLst meth="repeat">
+      <a:schemeClr val="accent2">
+        <a:tint val="50000"/>
+      </a:schemeClr>
+    </dgm:fillClrLst>
+    <dgm:linClrLst meth="repeat">
+      <a:schemeClr val="accent5"/>
+    </dgm:linClrLst>
+    <dgm:effectClrLst/>
+    <dgm:txLinClrLst/>
+    <dgm:txFillClrLst meth="repeat">
+      <a:schemeClr val="tx1"/>
+    </dgm:txFillClrLst>
+    <dgm:txEffectClrLst/>
+  </dgm:styleLbl>
+  <dgm:styleLbl name="fgAcc1">
+    <dgm:fillClrLst meth="repeat">
+      <a:schemeClr val="lt1">
+        <a:alpha val="90000"/>
+      </a:schemeClr>
+    </dgm:fillClrLst>
+    <dgm:linClrLst>
+      <a:schemeClr val="accent2"/>
+      <a:schemeClr val="accent3"/>
+    </dgm:linClrLst>
+    <dgm:effectClrLst/>
+    <dgm:txLinClrLst/>
+    <dgm:txFillClrLst meth="repeat">
+      <a:schemeClr val="dk1"/>
+    </dgm:txFillClrLst>
+    <dgm:txEffectClrLst/>
+  </dgm:styleLbl>
+  <dgm:styleLbl name="conFgAcc1">
+    <dgm:fillClrLst meth="repeat">
+      <a:schemeClr val="lt1">
+        <a:alpha val="90000"/>
+      </a:schemeClr>
+    </dgm:fillClrLst>
+    <dgm:linClrLst>
+      <a:schemeClr val="accent2"/>
+      <a:schemeClr val="accent3"/>
+    </dgm:linClrLst>
+    <dgm:effectClrLst/>
+    <dgm:txLinClrLst/>
+    <dgm:txFillClrLst meth="repeat">
+      <a:schemeClr val="dk1"/>
+    </dgm:txFillClrLst>
+    <dgm:txEffectClrLst/>
+  </dgm:styleLbl>
+  <dgm:styleLbl name="alignAcc1">
+    <dgm:fillClrLst meth="repeat">
+      <a:schemeClr val="lt1">
+        <a:alpha val="90000"/>
+      </a:schemeClr>
+    </dgm:fillClrLst>
+    <dgm:linClrLst>
+      <a:schemeClr val="accent2"/>
+      <a:schemeClr val="accent3"/>
+    </dgm:linClrLst>
+    <dgm:effectClrLst/>
+    <dgm:txLinClrLst/>
+    <dgm:txFillClrLst meth="repeat">
+      <a:schemeClr val="dk1"/>
+    </dgm:txFillClrLst>
+    <dgm:txEffectClrLst/>
+  </dgm:styleLbl>
+  <dgm:styleLbl name="trAlignAcc1">
+    <dgm:fillClrLst meth="repeat">
+      <a:schemeClr val="lt1">
+        <a:alpha val="40000"/>
+      </a:schemeClr>
+    </dgm:fillClrLst>
+    <dgm:linClrLst meth="repeat">
+      <a:schemeClr val="accent2"/>
+    </dgm:linClrLst>
+    <dgm:effectClrLst/>
+    <dgm:txLinClrLst/>
+    <dgm:txFillClrLst meth="repeat">
+      <a:schemeClr val="dk1"/>
+    </dgm:txFillClrLst>
+    <dgm:txEffectClrLst/>
+  </dgm:styleLbl>
+  <dgm:styleLbl name="bgAcc1">
+    <dgm:fillClrLst meth="repeat">
+      <a:schemeClr val="lt1">
+        <a:alpha val="90000"/>
+      </a:schemeClr>
+    </dgm:fillClrLst>
+    <dgm:linClrLst>
+      <a:schemeClr val="accent2"/>
+      <a:schemeClr val="accent3"/>
+    </dgm:linClrLst>
+    <dgm:effectClrLst/>
+    <dgm:txLinClrLst/>
+    <dgm:txFillClrLst meth="repeat">
+      <a:schemeClr val="dk1"/>
+    </dgm:txFillClrLst>
+    <dgm:txEffectClrLst/>
+  </dgm:styleLbl>
+  <dgm:styleLbl name="solidFgAcc1">
+    <dgm:fillClrLst meth="repeat">
+      <a:schemeClr val="lt1"/>
+    </dgm:fillClrLst>
+    <dgm:linClrLst>
+      <a:schemeClr val="accent2"/>
+      <a:schemeClr val="accent3"/>
+    </dgm:linClrLst>
+    <dgm:effectClrLst/>
+    <dgm:txLinClrLst/>
+    <dgm:txFillClrLst meth="repeat">
+      <a:schemeClr val="dk1"/>
+    </dgm:txFillClrLst>
+    <dgm:txEffectClrLst/>
+  </dgm:styleLbl>
+  <dgm:styleLbl name="solidAlignAcc1">
+    <dgm:fillClrLst meth="repeat">
+      <a:schemeClr val="lt1"/>
+    </dgm:fillClrLst>
+    <dgm:linClrLst>
+      <a:schemeClr val="accent2"/>
+      <a:schemeClr val="accent3"/>
+    </dgm:linClrLst>
+    <dgm:effectClrLst/>
+    <dgm:txLinClrLst/>
+    <dgm:txFillClrLst meth="repeat">
+      <a:schemeClr val="dk1"/>
+    </dgm:txFillClrLst>
+    <dgm:txEffectClrLst/>
+  </dgm:styleLbl>
+  <dgm:styleLbl name="solidBgAcc1">
+    <dgm:fillClrLst meth="repeat">
+      <a:schemeClr val="lt1"/>
+    </dgm:fillClrLst>
+    <dgm:linClrLst>
+      <a:schemeClr val="accent2"/>
+      <a:schemeClr val="accent3"/>
+    </dgm:linClrLst>
+    <dgm:effectClrLst/>
+    <dgm:txLinClrLst/>
+    <dgm:txFillClrLst meth="repeat">
+      <a:schemeClr val="dk1"/>
+    </dgm:txFillClrLst>
+    <dgm:txEffectClrLst/>
+  </dgm:styleLbl>
+  <dgm:styleLbl name="fgAccFollowNode1">
+    <dgm:fillClrLst>
+      <a:schemeClr val="accent2">
+        <a:tint val="40000"/>
+        <a:alpha val="90000"/>
+      </a:schemeClr>
+      <a:schemeClr val="accent3">
+        <a:tint val="40000"/>
+        <a:alpha val="90000"/>
+      </a:schemeClr>
+    </dgm:fillClrLst>
+    <dgm:linClrLst>
+      <a:schemeClr val="accent2">
+        <a:tint val="40000"/>
+        <a:alpha val="90000"/>
+      </a:schemeClr>
+      <a:schemeClr val="accent3">
+        <a:tint val="40000"/>
+        <a:alpha val="90000"/>
+      </a:schemeClr>
+    </dgm:linClrLst>
+    <dgm:effectClrLst/>
+    <dgm:txLinClrLst/>
+    <dgm:txFillClrLst meth="repeat">
+      <a:schemeClr val="dk1"/>
+    </dgm:txFillClrLst>
+    <dgm:txEffectClrLst/>
+  </dgm:styleLbl>
+  <dgm:styleLbl name="alignAccFollowNode1">
+    <dgm:fillClrLst>
+      <a:schemeClr val="accent2">
+        <a:tint val="40000"/>
+        <a:alpha val="90000"/>
+      </a:schemeClr>
+      <a:schemeClr val="accent3">
+        <a:tint val="40000"/>
+        <a:alpha val="90000"/>
+      </a:schemeClr>
+    </dgm:fillClrLst>
+    <dgm:linClrLst>
+      <a:schemeClr val="accent2">
+        <a:tint val="40000"/>
+        <a:alpha val="90000"/>
+      </a:schemeClr>
+      <a:schemeClr val="accent3">
+        <a:tint val="40000"/>
+        <a:alpha val="90000"/>
+      </a:schemeClr>
+    </dgm:linClrLst>
+    <dgm:effectClrLst/>
+    <dgm:txLinClrLst/>
+    <dgm:txFillClrLst meth="repeat">
+      <a:schemeClr val="dk1"/>
+    </dgm:txFillClrLst>
+    <dgm:txEffectClrLst/>
+  </dgm:styleLbl>
+  <dgm:styleLbl name="bgAccFollowNode1">
+    <dgm:fillClrLst>
+      <a:schemeClr val="accent2">
+        <a:tint val="40000"/>
+        <a:alpha val="90000"/>
+      </a:schemeClr>
+      <a:schemeClr val="accent3">
+        <a:tint val="40000"/>
+        <a:alpha val="90000"/>
+      </a:schemeClr>
+    </dgm:fillClrLst>
+    <dgm:linClrLst>
+      <a:schemeClr val="accent2">
+        <a:tint val="40000"/>
+        <a:alpha val="90000"/>
+      </a:schemeClr>
+      <a:schemeClr val="accent3">
+        <a:tint val="40000"/>
+        <a:alpha val="90000"/>
+      </a:schemeClr>
+    </dgm:linClrLst>
+    <dgm:effectClrLst/>
+    <dgm:txLinClrLst/>
+    <dgm:txFillClrLst meth="repeat">
+      <a:schemeClr val="dk1"/>
+    </dgm:txFillClrLst>
+    <dgm:txEffectClrLst/>
+  </dgm:styleLbl>
+  <dgm:styleLbl name="fgAcc0">
+    <dgm:fillClrLst meth="repeat">
+      <a:schemeClr val="lt1">
+        <a:alpha val="90000"/>
+      </a:schemeClr>
+    </dgm:fillClrLst>
+    <dgm:linClrLst>
+      <a:schemeClr val="accent1"/>
+    </dgm:linClrLst>
+    <dgm:effectClrLst/>
+    <dgm:txLinClrLst/>
+    <dgm:txFillClrLst meth="repeat">
+      <a:schemeClr val="dk1"/>
+    </dgm:txFillClrLst>
+    <dgm:txEffectClrLst/>
+  </dgm:styleLbl>
+  <dgm:styleLbl name="fgAcc2">
+    <dgm:fillClrLst meth="repeat">
+      <a:schemeClr val="lt1">
+        <a:alpha val="90000"/>
+      </a:schemeClr>
+    </dgm:fillClrLst>
+    <dgm:linClrLst>
+      <a:schemeClr val="accent3"/>
+    </dgm:linClrLst>
+    <dgm:effectClrLst/>
+    <dgm:txLinClrLst/>
+    <dgm:txFillClrLst meth="repeat">
+      <a:schemeClr val="dk1"/>
+    </dgm:txFillClrLst>
+    <dgm:txEffectClrLst/>
+  </dgm:styleLbl>
+  <dgm:styleLbl name="fgAcc3">
+    <dgm:fillClrLst meth="repeat">
+      <a:schemeClr val="lt1">
+        <a:alpha val="90000"/>
+      </a:schemeClr>
+    </dgm:fillClrLst>
+    <dgm:linClrLst>
+      <a:schemeClr val="accent4"/>
+    </dgm:linClrLst>
+    <dgm:effectClrLst/>
+    <dgm:txLinClrLst/>
+    <dgm:txFillClrLst meth="repeat">
+      <a:schemeClr val="dk1"/>
+    </dgm:txFillClrLst>
+    <dgm:txEffectClrLst/>
+  </dgm:styleLbl>
+  <dgm:styleLbl name="fgAcc4">
+    <dgm:fillClrLst meth="repeat">
+      <a:schemeClr val="lt1">
+        <a:alpha val="90000"/>
+      </a:schemeClr>
+    </dgm:fillClrLst>
+    <dgm:linClrLst>
+      <a:schemeClr val="accent5"/>
+    </dgm:linClrLst>
+    <dgm:effectClrLst/>
+    <dgm:txLinClrLst/>
+    <dgm:txFillClrLst meth="repeat">
+      <a:schemeClr val="dk1"/>
+    </dgm:txFillClrLst>
+    <dgm:txEffectClrLst/>
+  </dgm:styleLbl>
+  <dgm:styleLbl name="bgShp">
+    <dgm:fillClrLst meth="repeat">
+      <a:schemeClr val="accent2">
+        <a:tint val="40000"/>
+      </a:schemeClr>
+    </dgm:fillClrLst>
+    <dgm:linClrLst meth="repeat">
+      <a:schemeClr val="dk1"/>
+    </dgm:linClrLst>
+    <dgm:effectClrLst/>
+    <dgm:txLinClrLst/>
+    <dgm:txFillClrLst meth="repeat">
+      <a:schemeClr val="dk1"/>
+    </dgm:txFillClrLst>
+    <dgm:txEffectClrLst/>
+  </dgm:styleLbl>
+  <dgm:styleLbl name="dkBgShp">
+    <dgm:fillClrLst meth="repeat">
+      <a:schemeClr val="accent2">
+        <a:shade val="90000"/>
+      </a:schemeClr>
+    </dgm:fillClrLst>
+    <dgm:linClrLst meth="repeat">
+      <a:schemeClr val="dk1"/>
+    </dgm:linClrLst>
+    <dgm:effectClrLst/>
+    <dgm:txLinClrLst/>
+    <dgm:txFillClrLst meth="repeat">
+      <a:schemeClr val="lt1"/>
+    </dgm:txFillClrLst>
+    <dgm:txEffectClrLst/>
+  </dgm:styleLbl>
+  <dgm:styleLbl name="trBgShp">
+    <dgm:fillClrLst meth="repeat">
+      <a:schemeClr val="accent2">
+        <a:tint val="50000"/>
+        <a:alpha val="40000"/>
+      </a:schemeClr>
+    </dgm:fillClrLst>
+    <dgm:linClrLst meth="repeat">
+      <a:schemeClr val="accent2"/>
+    </dgm:linClrLst>
+    <dgm:effectClrLst/>
+    <dgm:txLinClrLst/>
+    <dgm:txFillClrLst meth="repeat">
+      <a:schemeClr val="lt1"/>
+    </dgm:txFillClrLst>
+    <dgm:txEffectClrLst/>
+  </dgm:styleLbl>
+  <dgm:styleLbl name="fgShp">
+    <dgm:fillClrLst meth="repeat">
+      <a:schemeClr val="accent2">
+        <a:tint val="40000"/>
+      </a:schemeClr>
+    </dgm:fillClrLst>
+    <dgm:linClrLst meth="repeat">
+      <a:schemeClr val="lt1"/>
+    </dgm:linClrLst>
+    <dgm:effectClrLst/>
+    <dgm:txLinClrLst/>
+    <dgm:txFillClrLst meth="repeat">
+      <a:schemeClr val="dk1"/>
+    </dgm:txFillClrLst>
+    <dgm:txEffectClrLst/>
+  </dgm:styleLbl>
+  <dgm:styleLbl name="revTx">
+    <dgm:fillClrLst meth="repeat">
+      <a:schemeClr val="lt1">
+        <a:alpha val="0"/>
+      </a:schemeClr>
+    </dgm:fillClrLst>
+    <dgm:linClrLst meth="repeat">
+      <a:schemeClr val="dk1">
+        <a:alpha val="0"/>
+      </a:schemeClr>
+    </dgm:linClrLst>
+    <dgm:effectClrLst/>
+    <dgm:txLinClrLst/>
+    <dgm:txFillClrLst meth="repeat">
+      <a:schemeClr val="tx1"/>
+    </dgm:txFillClrLst>
+    <dgm:txEffectClrLst/>
+  </dgm:styleLbl>
+</dgm:colorsDef>
+</file>
+
+<file path=ppt/diagrams/data1.xml><?xml version="1.0" encoding="utf-8"?>
+<dgm:dataModel xmlns:dgm="http://schemas.openxmlformats.org/drawingml/2006/diagram" xmlns:a="http://schemas.openxmlformats.org/drawingml/2006/main">
+  <dgm:ptLst>
+    <dgm:pt modelId="{4AA44D15-3D5A-4CD9-AA1C-92FEB6CFC5AD}" type="doc">
+      <dgm:prSet loTypeId="urn:microsoft.com/office/officeart/2005/8/layout/vList2" loCatId="list" qsTypeId="urn:microsoft.com/office/officeart/2005/8/quickstyle/simple1" qsCatId="simple" csTypeId="urn:microsoft.com/office/officeart/2005/8/colors/colorful2" csCatId="colorful" phldr="1"/>
+      <dgm:spPr/>
+      <dgm:t>
+        <a:bodyPr/>
+        <a:lstStyle/>
+        <a:p>
+          <a:endParaRPr lang="en-US"/>
+        </a:p>
+      </dgm:t>
+    </dgm:pt>
+    <dgm:pt modelId="{7070813B-C1FF-4CC9-B2A3-D8FDBEE1D312}">
+      <dgm:prSet/>
+      <dgm:spPr/>
+      <dgm:t>
+        <a:bodyPr/>
+        <a:lstStyle/>
+        <a:p>
+          <a:r>
+            <a:rPr lang="ko-KR" dirty="0"/>
+            <a:t>재사용 대기시간을 자주 확인해야 하는</a:t>
+          </a:r>
+          <a:r>
+            <a:rPr lang="en-US" dirty="0"/>
+            <a:t> </a:t>
+          </a:r>
+          <a:r>
+            <a:rPr lang="ko-KR" dirty="0"/>
+            <a:t>스킬들은 눈에 잘 띄도록 스킬 아이콘의 </a:t>
+          </a:r>
+          <a:r>
+            <a:rPr lang="ko-KR" b="1" dirty="0">
+              <a:solidFill>
+                <a:srgbClr val="FF0000"/>
+              </a:solidFill>
+            </a:rPr>
+            <a:t>위치를 변경</a:t>
+          </a:r>
+          <a:r>
+            <a:rPr lang="ko-KR" dirty="0"/>
+            <a:t>한다</a:t>
+          </a:r>
+          <a:r>
+            <a:rPr lang="en-US" dirty="0"/>
+            <a:t>.</a:t>
+          </a:r>
+        </a:p>
+      </dgm:t>
+    </dgm:pt>
+    <dgm:pt modelId="{C5BBFAB8-C5A6-4C85-96C9-2EC81BAB4DE6}" type="parTrans" cxnId="{B15E0A8F-CB0D-44AF-AB17-004BC17FDA85}">
+      <dgm:prSet/>
+      <dgm:spPr/>
+      <dgm:t>
+        <a:bodyPr/>
+        <a:lstStyle/>
+        <a:p>
+          <a:endParaRPr lang="en-US"/>
+        </a:p>
+      </dgm:t>
+    </dgm:pt>
+    <dgm:pt modelId="{21F74173-F9E4-48FD-AB0E-128EC0A3F5BF}" type="sibTrans" cxnId="{B15E0A8F-CB0D-44AF-AB17-004BC17FDA85}">
+      <dgm:prSet/>
+      <dgm:spPr/>
+      <dgm:t>
+        <a:bodyPr/>
+        <a:lstStyle/>
+        <a:p>
+          <a:endParaRPr lang="en-US"/>
+        </a:p>
+      </dgm:t>
+    </dgm:pt>
+    <dgm:pt modelId="{B4481411-50EA-4788-825C-02C0572ADC27}">
+      <dgm:prSet/>
+      <dgm:spPr/>
+      <dgm:t>
+        <a:bodyPr/>
+        <a:lstStyle/>
+        <a:p>
+          <a:r>
+            <a:rPr lang="ko-KR" dirty="0"/>
+            <a:t>상대적으로 긴 재사용 대기시간을 가진 스킬은 </a:t>
+          </a:r>
+          <a:r>
+            <a:rPr lang="ko-KR" b="1" dirty="0">
+              <a:solidFill>
+                <a:srgbClr val="FF0000"/>
+              </a:solidFill>
+            </a:rPr>
+            <a:t>페이드인</a:t>
+          </a:r>
+          <a:r>
+            <a:rPr lang="en-US" b="1" dirty="0">
+              <a:solidFill>
+                <a:srgbClr val="FF0000"/>
+              </a:solidFill>
+            </a:rPr>
+            <a:t>/</a:t>
+          </a:r>
+          <a:r>
+            <a:rPr lang="ko-KR" b="1" dirty="0">
+              <a:solidFill>
+                <a:srgbClr val="FF0000"/>
+              </a:solidFill>
+            </a:rPr>
+            <a:t>아웃 효과</a:t>
+          </a:r>
+          <a:r>
+            <a:rPr lang="ko-KR" dirty="0"/>
+            <a:t>를 이용해 유저가 알아차릴 수 있도록 한다</a:t>
+          </a:r>
+          <a:r>
+            <a:rPr lang="en-US" dirty="0"/>
+            <a:t>.</a:t>
+          </a:r>
+        </a:p>
+      </dgm:t>
+    </dgm:pt>
+    <dgm:pt modelId="{B841799A-3C7D-475F-8D1D-2189E45704A0}" type="parTrans" cxnId="{50008830-CF2C-4168-B423-FC3FE2BBD52E}">
+      <dgm:prSet/>
+      <dgm:spPr/>
+      <dgm:t>
+        <a:bodyPr/>
+        <a:lstStyle/>
+        <a:p>
+          <a:endParaRPr lang="en-US"/>
+        </a:p>
+      </dgm:t>
+    </dgm:pt>
+    <dgm:pt modelId="{4AE2A939-9A6E-4E3F-9D4A-CE0A41CCA21E}" type="sibTrans" cxnId="{50008830-CF2C-4168-B423-FC3FE2BBD52E}">
+      <dgm:prSet/>
+      <dgm:spPr/>
+      <dgm:t>
+        <a:bodyPr/>
+        <a:lstStyle/>
+        <a:p>
+          <a:endParaRPr lang="en-US"/>
+        </a:p>
+      </dgm:t>
+    </dgm:pt>
+    <dgm:pt modelId="{C82F6325-2293-4BAA-911F-B7BAE3CDA3BD}">
+      <dgm:prSet/>
+      <dgm:spPr/>
+      <dgm:t>
+        <a:bodyPr/>
+        <a:lstStyle/>
+        <a:p>
+          <a:r>
+            <a:rPr lang="ko-KR" altLang="en-US" b="1" dirty="0">
+              <a:solidFill>
+                <a:srgbClr val="FF0000"/>
+              </a:solidFill>
+            </a:rPr>
+            <a:t>이펙트나 사운드</a:t>
+          </a:r>
+          <a:r>
+            <a:rPr lang="ko-KR" altLang="en-US" dirty="0"/>
+            <a:t>를 이용해 </a:t>
+          </a:r>
+          <a:r>
+            <a:rPr lang="ko-KR" dirty="0"/>
+            <a:t>시스템 상 중요한 버프</a:t>
+          </a:r>
+          <a:r>
+            <a:rPr lang="en-US" dirty="0"/>
+            <a:t>/</a:t>
+          </a:r>
+          <a:r>
+            <a:rPr lang="ko-KR" dirty="0" err="1"/>
+            <a:t>디버프</a:t>
+          </a:r>
+          <a:r>
+            <a:rPr lang="ko-KR" altLang="en-US" dirty="0" err="1"/>
+            <a:t>를</a:t>
+          </a:r>
+          <a:r>
+            <a:rPr lang="ko-KR" altLang="en-US" dirty="0"/>
+            <a:t> 표시한다</a:t>
+          </a:r>
+          <a:r>
+            <a:rPr lang="en-US" altLang="ko-KR" dirty="0"/>
+            <a:t>.</a:t>
+          </a:r>
+          <a:endParaRPr lang="en-US" dirty="0"/>
+        </a:p>
+      </dgm:t>
+    </dgm:pt>
+    <dgm:pt modelId="{626A06FA-242E-4A44-BC23-D4439C786BE2}" type="parTrans" cxnId="{26AA5E01-31C1-46B1-81C2-8795C8CC7C87}">
+      <dgm:prSet/>
+      <dgm:spPr/>
+      <dgm:t>
+        <a:bodyPr/>
+        <a:lstStyle/>
+        <a:p>
+          <a:endParaRPr lang="en-US"/>
+        </a:p>
+      </dgm:t>
+    </dgm:pt>
+    <dgm:pt modelId="{A01686B1-CEFB-4FCC-B979-D090F72C5757}" type="sibTrans" cxnId="{26AA5E01-31C1-46B1-81C2-8795C8CC7C87}">
+      <dgm:prSet/>
+      <dgm:spPr/>
+      <dgm:t>
+        <a:bodyPr/>
+        <a:lstStyle/>
+        <a:p>
+          <a:endParaRPr lang="en-US"/>
+        </a:p>
+      </dgm:t>
+    </dgm:pt>
+    <dgm:pt modelId="{046ECD81-B96B-41BB-A2AE-880D7453F57A}" type="pres">
+      <dgm:prSet presAssocID="{4AA44D15-3D5A-4CD9-AA1C-92FEB6CFC5AD}" presName="linear" presStyleCnt="0">
+        <dgm:presLayoutVars>
+          <dgm:animLvl val="lvl"/>
+          <dgm:resizeHandles val="exact"/>
+        </dgm:presLayoutVars>
+      </dgm:prSet>
+      <dgm:spPr/>
+    </dgm:pt>
+    <dgm:pt modelId="{75B03401-55EE-4CB2-8DAA-F67032E0A512}" type="pres">
+      <dgm:prSet presAssocID="{7070813B-C1FF-4CC9-B2A3-D8FDBEE1D312}" presName="parentText" presStyleLbl="node1" presStyleIdx="0" presStyleCnt="3">
+        <dgm:presLayoutVars>
+          <dgm:chMax val="0"/>
+          <dgm:bulletEnabled val="1"/>
+        </dgm:presLayoutVars>
+      </dgm:prSet>
+      <dgm:spPr/>
+    </dgm:pt>
+    <dgm:pt modelId="{5A954E3A-6787-4EF9-A413-CBC63AEC2EEE}" type="pres">
+      <dgm:prSet presAssocID="{21F74173-F9E4-48FD-AB0E-128EC0A3F5BF}" presName="spacer" presStyleCnt="0"/>
+      <dgm:spPr/>
+    </dgm:pt>
+    <dgm:pt modelId="{4F45A894-4C40-4A8B-A5DB-6FA5F3C315B9}" type="pres">
+      <dgm:prSet presAssocID="{B4481411-50EA-4788-825C-02C0572ADC27}" presName="parentText" presStyleLbl="node1" presStyleIdx="1" presStyleCnt="3">
+        <dgm:presLayoutVars>
+          <dgm:chMax val="0"/>
+          <dgm:bulletEnabled val="1"/>
+        </dgm:presLayoutVars>
+      </dgm:prSet>
+      <dgm:spPr/>
+    </dgm:pt>
+    <dgm:pt modelId="{DCA97019-21F6-4ABA-99C9-7CEDE5DC138A}" type="pres">
+      <dgm:prSet presAssocID="{4AE2A939-9A6E-4E3F-9D4A-CE0A41CCA21E}" presName="spacer" presStyleCnt="0"/>
+      <dgm:spPr/>
+    </dgm:pt>
+    <dgm:pt modelId="{2B952FD0-ECEF-4ED3-9668-C4C10EB1845F}" type="pres">
+      <dgm:prSet presAssocID="{C82F6325-2293-4BAA-911F-B7BAE3CDA3BD}" presName="parentText" presStyleLbl="node1" presStyleIdx="2" presStyleCnt="3">
+        <dgm:presLayoutVars>
+          <dgm:chMax val="0"/>
+          <dgm:bulletEnabled val="1"/>
+        </dgm:presLayoutVars>
+      </dgm:prSet>
+      <dgm:spPr/>
+    </dgm:pt>
+  </dgm:ptLst>
+  <dgm:cxnLst>
+    <dgm:cxn modelId="{26AA5E01-31C1-46B1-81C2-8795C8CC7C87}" srcId="{4AA44D15-3D5A-4CD9-AA1C-92FEB6CFC5AD}" destId="{C82F6325-2293-4BAA-911F-B7BAE3CDA3BD}" srcOrd="2" destOrd="0" parTransId="{626A06FA-242E-4A44-BC23-D4439C786BE2}" sibTransId="{A01686B1-CEFB-4FCC-B979-D090F72C5757}"/>
+    <dgm:cxn modelId="{DC16071D-786F-40C8-BD6E-D58101E51806}" type="presOf" srcId="{4AA44D15-3D5A-4CD9-AA1C-92FEB6CFC5AD}" destId="{046ECD81-B96B-41BB-A2AE-880D7453F57A}" srcOrd="0" destOrd="0" presId="urn:microsoft.com/office/officeart/2005/8/layout/vList2"/>
+    <dgm:cxn modelId="{B3D4781D-6B35-470F-AAE0-D4D7820980A9}" type="presOf" srcId="{C82F6325-2293-4BAA-911F-B7BAE3CDA3BD}" destId="{2B952FD0-ECEF-4ED3-9668-C4C10EB1845F}" srcOrd="0" destOrd="0" presId="urn:microsoft.com/office/officeart/2005/8/layout/vList2"/>
+    <dgm:cxn modelId="{50008830-CF2C-4168-B423-FC3FE2BBD52E}" srcId="{4AA44D15-3D5A-4CD9-AA1C-92FEB6CFC5AD}" destId="{B4481411-50EA-4788-825C-02C0572ADC27}" srcOrd="1" destOrd="0" parTransId="{B841799A-3C7D-475F-8D1D-2189E45704A0}" sibTransId="{4AE2A939-9A6E-4E3F-9D4A-CE0A41CCA21E}"/>
+    <dgm:cxn modelId="{59DE486D-DC21-42AE-944C-219FB0181B39}" type="presOf" srcId="{7070813B-C1FF-4CC9-B2A3-D8FDBEE1D312}" destId="{75B03401-55EE-4CB2-8DAA-F67032E0A512}" srcOrd="0" destOrd="0" presId="urn:microsoft.com/office/officeart/2005/8/layout/vList2"/>
+    <dgm:cxn modelId="{B15E0A8F-CB0D-44AF-AB17-004BC17FDA85}" srcId="{4AA44D15-3D5A-4CD9-AA1C-92FEB6CFC5AD}" destId="{7070813B-C1FF-4CC9-B2A3-D8FDBEE1D312}" srcOrd="0" destOrd="0" parTransId="{C5BBFAB8-C5A6-4C85-96C9-2EC81BAB4DE6}" sibTransId="{21F74173-F9E4-48FD-AB0E-128EC0A3F5BF}"/>
+    <dgm:cxn modelId="{9A8A72BC-9B86-47B4-957F-A0EB25B17E4C}" type="presOf" srcId="{B4481411-50EA-4788-825C-02C0572ADC27}" destId="{4F45A894-4C40-4A8B-A5DB-6FA5F3C315B9}" srcOrd="0" destOrd="0" presId="urn:microsoft.com/office/officeart/2005/8/layout/vList2"/>
+    <dgm:cxn modelId="{2FEA5037-59FA-49B9-820A-AA60A5B5796D}" type="presParOf" srcId="{046ECD81-B96B-41BB-A2AE-880D7453F57A}" destId="{75B03401-55EE-4CB2-8DAA-F67032E0A512}" srcOrd="0" destOrd="0" presId="urn:microsoft.com/office/officeart/2005/8/layout/vList2"/>
+    <dgm:cxn modelId="{607DA6C8-0036-4F6F-8FEA-E131EFD784A5}" type="presParOf" srcId="{046ECD81-B96B-41BB-A2AE-880D7453F57A}" destId="{5A954E3A-6787-4EF9-A413-CBC63AEC2EEE}" srcOrd="1" destOrd="0" presId="urn:microsoft.com/office/officeart/2005/8/layout/vList2"/>
+    <dgm:cxn modelId="{3E8AD894-4886-4EF3-A2B1-D9DC05D00959}" type="presParOf" srcId="{046ECD81-B96B-41BB-A2AE-880D7453F57A}" destId="{4F45A894-4C40-4A8B-A5DB-6FA5F3C315B9}" srcOrd="2" destOrd="0" presId="urn:microsoft.com/office/officeart/2005/8/layout/vList2"/>
+    <dgm:cxn modelId="{B4F307F3-F9A1-4C74-8F38-141A843311F7}" type="presParOf" srcId="{046ECD81-B96B-41BB-A2AE-880D7453F57A}" destId="{DCA97019-21F6-4ABA-99C9-7CEDE5DC138A}" srcOrd="3" destOrd="0" presId="urn:microsoft.com/office/officeart/2005/8/layout/vList2"/>
+    <dgm:cxn modelId="{CF63EA7C-8CE4-4F64-AF4D-3728CB2FE4FB}" type="presParOf" srcId="{046ECD81-B96B-41BB-A2AE-880D7453F57A}" destId="{2B952FD0-ECEF-4ED3-9668-C4C10EB1845F}" srcOrd="4" destOrd="0" presId="urn:microsoft.com/office/officeart/2005/8/layout/vList2"/>
+  </dgm:cxnLst>
+  <dgm:bg/>
+  <dgm:whole/>
+  <dgm:extLst>
+    <a:ext uri="http://schemas.microsoft.com/office/drawing/2008/diagram">
+      <dsp:dataModelExt xmlns:dsp="http://schemas.microsoft.com/office/drawing/2008/diagram" relId="rId6" minVer="http://schemas.openxmlformats.org/drawingml/2006/diagram"/>
+    </a:ext>
+  </dgm:extLst>
+</dgm:dataModel>
+</file>
+
+<file path=ppt/diagrams/drawing1.xml><?xml version="1.0" encoding="utf-8"?>
+<dsp:drawing xmlns:dgm="http://schemas.openxmlformats.org/drawingml/2006/diagram" xmlns:dsp="http://schemas.microsoft.com/office/drawing/2008/diagram" xmlns:a="http://schemas.openxmlformats.org/drawingml/2006/main">
+  <dsp:spTree>
+    <dsp:nvGrpSpPr>
+      <dsp:cNvPr id="0" name=""/>
+      <dsp:cNvGrpSpPr/>
+    </dsp:nvGrpSpPr>
+    <dsp:grpSpPr/>
+    <dsp:sp modelId="{75B03401-55EE-4CB2-8DAA-F67032E0A512}">
+      <dsp:nvSpPr>
+        <dsp:cNvPr id="0" name=""/>
+        <dsp:cNvSpPr/>
+      </dsp:nvSpPr>
+      <dsp:spPr>
+        <a:xfrm>
+          <a:off x="0" y="62713"/>
+          <a:ext cx="6513603" cy="1872000"/>
+        </a:xfrm>
+        <a:prstGeom prst="roundRect">
+          <a:avLst/>
+        </a:prstGeom>
+        <a:solidFill>
+          <a:schemeClr val="accent2">
+            <a:hueOff val="0"/>
+            <a:satOff val="0"/>
+            <a:lumOff val="0"/>
+            <a:alphaOff val="0"/>
+          </a:schemeClr>
+        </a:solidFill>
+        <a:ln w="12700" cap="flat" cmpd="sng" algn="ctr">
+          <a:solidFill>
+            <a:schemeClr val="lt1">
+              <a:hueOff val="0"/>
+              <a:satOff val="0"/>
+              <a:lumOff val="0"/>
+              <a:alphaOff val="0"/>
+            </a:schemeClr>
+          </a:solidFill>
+          <a:prstDash val="solid"/>
+          <a:miter lim="800000"/>
+        </a:ln>
+        <a:effectLst/>
+      </dsp:spPr>
+      <dsp:style>
+        <a:lnRef idx="2">
+          <a:scrgbClr r="0" g="0" b="0"/>
+        </a:lnRef>
+        <a:fillRef idx="1">
+          <a:scrgbClr r="0" g="0" b="0"/>
+        </a:fillRef>
+        <a:effectRef idx="0">
+          <a:scrgbClr r="0" g="0" b="0"/>
+        </a:effectRef>
+        <a:fontRef idx="minor">
+          <a:schemeClr val="lt1"/>
+        </a:fontRef>
+      </dsp:style>
+      <dsp:txBody>
+        <a:bodyPr spcFirstLastPara="0" vert="horz" wrap="square" lIns="95250" tIns="95250" rIns="95250" bIns="95250" numCol="1" spcCol="1270" anchor="ctr" anchorCtr="0">
+          <a:noAutofit/>
+        </a:bodyPr>
+        <a:lstStyle/>
+        <a:p>
+          <a:pPr marL="0" lvl="0" indent="0" algn="l" defTabSz="1111250">
+            <a:lnSpc>
+              <a:spcPct val="90000"/>
+            </a:lnSpc>
+            <a:spcBef>
+              <a:spcPct val="0"/>
+            </a:spcBef>
+            <a:spcAft>
+              <a:spcPct val="35000"/>
+            </a:spcAft>
+            <a:buNone/>
+          </a:pPr>
+          <a:r>
+            <a:rPr lang="ko-KR" sz="2500" kern="1200" dirty="0"/>
+            <a:t>재사용 대기시간을 자주 확인해야 하는</a:t>
+          </a:r>
+          <a:r>
+            <a:rPr lang="en-US" sz="2500" kern="1200" dirty="0"/>
+            <a:t> </a:t>
+          </a:r>
+          <a:r>
+            <a:rPr lang="ko-KR" sz="2500" kern="1200" dirty="0"/>
+            <a:t>스킬들은 눈에 잘 띄도록 스킬 아이콘의 </a:t>
+          </a:r>
+          <a:r>
+            <a:rPr lang="ko-KR" sz="2500" b="1" kern="1200" dirty="0">
+              <a:solidFill>
+                <a:srgbClr val="FF0000"/>
+              </a:solidFill>
+            </a:rPr>
+            <a:t>위치를 변경</a:t>
+          </a:r>
+          <a:r>
+            <a:rPr lang="ko-KR" sz="2500" kern="1200" dirty="0"/>
+            <a:t>한다</a:t>
+          </a:r>
+          <a:r>
+            <a:rPr lang="en-US" sz="2500" kern="1200" dirty="0"/>
+            <a:t>.</a:t>
+          </a:r>
+        </a:p>
+      </dsp:txBody>
+      <dsp:txXfrm>
+        <a:off x="91384" y="154097"/>
+        <a:ext cx="6330835" cy="1689232"/>
+      </dsp:txXfrm>
+    </dsp:sp>
+    <dsp:sp modelId="{4F45A894-4C40-4A8B-A5DB-6FA5F3C315B9}">
+      <dsp:nvSpPr>
+        <dsp:cNvPr id="0" name=""/>
+        <dsp:cNvSpPr/>
+      </dsp:nvSpPr>
+      <dsp:spPr>
+        <a:xfrm>
+          <a:off x="0" y="2006713"/>
+          <a:ext cx="6513603" cy="1872000"/>
+        </a:xfrm>
+        <a:prstGeom prst="roundRect">
+          <a:avLst/>
+        </a:prstGeom>
+        <a:solidFill>
+          <a:schemeClr val="accent2">
+            <a:hueOff val="-727682"/>
+            <a:satOff val="-41964"/>
+            <a:lumOff val="4314"/>
+            <a:alphaOff val="0"/>
+          </a:schemeClr>
+        </a:solidFill>
+        <a:ln w="12700" cap="flat" cmpd="sng" algn="ctr">
+          <a:solidFill>
+            <a:schemeClr val="lt1">
+              <a:hueOff val="0"/>
+              <a:satOff val="0"/>
+              <a:lumOff val="0"/>
+              <a:alphaOff val="0"/>
+            </a:schemeClr>
+          </a:solidFill>
+          <a:prstDash val="solid"/>
+          <a:miter lim="800000"/>
+        </a:ln>
+        <a:effectLst/>
+      </dsp:spPr>
+      <dsp:style>
+        <a:lnRef idx="2">
+          <a:scrgbClr r="0" g="0" b="0"/>
+        </a:lnRef>
+        <a:fillRef idx="1">
+          <a:scrgbClr r="0" g="0" b="0"/>
+        </a:fillRef>
+        <a:effectRef idx="0">
+          <a:scrgbClr r="0" g="0" b="0"/>
+        </a:effectRef>
+        <a:fontRef idx="minor">
+          <a:schemeClr val="lt1"/>
+        </a:fontRef>
+      </dsp:style>
+      <dsp:txBody>
+        <a:bodyPr spcFirstLastPara="0" vert="horz" wrap="square" lIns="95250" tIns="95250" rIns="95250" bIns="95250" numCol="1" spcCol="1270" anchor="ctr" anchorCtr="0">
+          <a:noAutofit/>
+        </a:bodyPr>
+        <a:lstStyle/>
+        <a:p>
+          <a:pPr marL="0" lvl="0" indent="0" algn="l" defTabSz="1111250">
+            <a:lnSpc>
+              <a:spcPct val="90000"/>
+            </a:lnSpc>
+            <a:spcBef>
+              <a:spcPct val="0"/>
+            </a:spcBef>
+            <a:spcAft>
+              <a:spcPct val="35000"/>
+            </a:spcAft>
+            <a:buNone/>
+          </a:pPr>
+          <a:r>
+            <a:rPr lang="ko-KR" sz="2500" kern="1200" dirty="0"/>
+            <a:t>상대적으로 긴 재사용 대기시간을 가진 스킬은 </a:t>
+          </a:r>
+          <a:r>
+            <a:rPr lang="ko-KR" sz="2500" b="1" kern="1200" dirty="0">
+              <a:solidFill>
+                <a:srgbClr val="FF0000"/>
+              </a:solidFill>
+            </a:rPr>
+            <a:t>페이드인</a:t>
+          </a:r>
+          <a:r>
+            <a:rPr lang="en-US" sz="2500" b="1" kern="1200" dirty="0">
+              <a:solidFill>
+                <a:srgbClr val="FF0000"/>
+              </a:solidFill>
+            </a:rPr>
+            <a:t>/</a:t>
+          </a:r>
+          <a:r>
+            <a:rPr lang="ko-KR" sz="2500" b="1" kern="1200" dirty="0">
+              <a:solidFill>
+                <a:srgbClr val="FF0000"/>
+              </a:solidFill>
+            </a:rPr>
+            <a:t>아웃 효과</a:t>
+          </a:r>
+          <a:r>
+            <a:rPr lang="ko-KR" sz="2500" kern="1200" dirty="0"/>
+            <a:t>를 이용해 유저가 알아차릴 수 있도록 한다</a:t>
+          </a:r>
+          <a:r>
+            <a:rPr lang="en-US" sz="2500" kern="1200" dirty="0"/>
+            <a:t>.</a:t>
+          </a:r>
+        </a:p>
+      </dsp:txBody>
+      <dsp:txXfrm>
+        <a:off x="91384" y="2098097"/>
+        <a:ext cx="6330835" cy="1689232"/>
+      </dsp:txXfrm>
+    </dsp:sp>
+    <dsp:sp modelId="{2B952FD0-ECEF-4ED3-9668-C4C10EB1845F}">
+      <dsp:nvSpPr>
+        <dsp:cNvPr id="0" name=""/>
+        <dsp:cNvSpPr/>
+      </dsp:nvSpPr>
+      <dsp:spPr>
+        <a:xfrm>
+          <a:off x="0" y="3950713"/>
+          <a:ext cx="6513603" cy="1872000"/>
+        </a:xfrm>
+        <a:prstGeom prst="roundRect">
+          <a:avLst/>
+        </a:prstGeom>
+        <a:solidFill>
+          <a:schemeClr val="accent2">
+            <a:hueOff val="-1455363"/>
+            <a:satOff val="-83928"/>
+            <a:lumOff val="8628"/>
+            <a:alphaOff val="0"/>
+          </a:schemeClr>
+        </a:solidFill>
+        <a:ln w="12700" cap="flat" cmpd="sng" algn="ctr">
+          <a:solidFill>
+            <a:schemeClr val="lt1">
+              <a:hueOff val="0"/>
+              <a:satOff val="0"/>
+              <a:lumOff val="0"/>
+              <a:alphaOff val="0"/>
+            </a:schemeClr>
+          </a:solidFill>
+          <a:prstDash val="solid"/>
+          <a:miter lim="800000"/>
+        </a:ln>
+        <a:effectLst/>
+      </dsp:spPr>
+      <dsp:style>
+        <a:lnRef idx="2">
+          <a:scrgbClr r="0" g="0" b="0"/>
+        </a:lnRef>
+        <a:fillRef idx="1">
+          <a:scrgbClr r="0" g="0" b="0"/>
+        </a:fillRef>
+        <a:effectRef idx="0">
+          <a:scrgbClr r="0" g="0" b="0"/>
+        </a:effectRef>
+        <a:fontRef idx="minor">
+          <a:schemeClr val="lt1"/>
+        </a:fontRef>
+      </dsp:style>
+      <dsp:txBody>
+        <a:bodyPr spcFirstLastPara="0" vert="horz" wrap="square" lIns="95250" tIns="95250" rIns="95250" bIns="95250" numCol="1" spcCol="1270" anchor="ctr" anchorCtr="0">
+          <a:noAutofit/>
+        </a:bodyPr>
+        <a:lstStyle/>
+        <a:p>
+          <a:pPr marL="0" lvl="0" indent="0" algn="l" defTabSz="1111250">
+            <a:lnSpc>
+              <a:spcPct val="90000"/>
+            </a:lnSpc>
+            <a:spcBef>
+              <a:spcPct val="0"/>
+            </a:spcBef>
+            <a:spcAft>
+              <a:spcPct val="35000"/>
+            </a:spcAft>
+            <a:buNone/>
+          </a:pPr>
+          <a:r>
+            <a:rPr lang="ko-KR" altLang="en-US" sz="2500" b="1" kern="1200" dirty="0">
+              <a:solidFill>
+                <a:srgbClr val="FF0000"/>
+              </a:solidFill>
+            </a:rPr>
+            <a:t>이펙트나 사운드</a:t>
+          </a:r>
+          <a:r>
+            <a:rPr lang="ko-KR" altLang="en-US" sz="2500" kern="1200" dirty="0"/>
+            <a:t>를 이용해 </a:t>
+          </a:r>
+          <a:r>
+            <a:rPr lang="ko-KR" sz="2500" kern="1200" dirty="0"/>
+            <a:t>시스템 상 중요한 버프</a:t>
+          </a:r>
+          <a:r>
+            <a:rPr lang="en-US" sz="2500" kern="1200" dirty="0"/>
+            <a:t>/</a:t>
+          </a:r>
+          <a:r>
+            <a:rPr lang="ko-KR" sz="2500" kern="1200" dirty="0" err="1"/>
+            <a:t>디버프</a:t>
+          </a:r>
+          <a:r>
+            <a:rPr lang="ko-KR" altLang="en-US" sz="2500" kern="1200" dirty="0" err="1"/>
+            <a:t>를</a:t>
+          </a:r>
+          <a:r>
+            <a:rPr lang="ko-KR" altLang="en-US" sz="2500" kern="1200" dirty="0"/>
+            <a:t> 표시한다</a:t>
+          </a:r>
+          <a:r>
+            <a:rPr lang="en-US" altLang="ko-KR" sz="2500" kern="1200" dirty="0"/>
+            <a:t>.</a:t>
+          </a:r>
+          <a:endParaRPr lang="en-US" sz="2500" kern="1200" dirty="0"/>
+        </a:p>
+      </dsp:txBody>
+      <dsp:txXfrm>
+        <a:off x="91384" y="4042097"/>
+        <a:ext cx="6330835" cy="1689232"/>
+      </dsp:txXfrm>
+    </dsp:sp>
+  </dsp:spTree>
+</dsp:drawing>
+</file>
+
+<file path=ppt/diagrams/layout1.xml><?xml version="1.0" encoding="utf-8"?>
+<dgm:layoutDef xmlns:dgm="http://schemas.openxmlformats.org/drawingml/2006/diagram" xmlns:a="http://schemas.openxmlformats.org/drawingml/2006/main" uniqueId="urn:microsoft.com/office/officeart/2005/8/layout/vList2">
+  <dgm:title val=""/>
+  <dgm:desc val=""/>
+  <dgm:catLst>
+    <dgm:cat type="list" pri="3000"/>
+    <dgm:cat type="convert" pri="1000"/>
+  </dgm:catLst>
+  <dgm:sampData>
+    <dgm:dataModel>
+      <dgm:ptLst>
+        <dgm:pt modelId="0" type="doc"/>
+        <dgm:pt modelId="1">
+          <dgm:prSet phldr="1"/>
+        </dgm:pt>
+        <dgm:pt modelId="11">
+          <dgm:prSet phldr="1"/>
+        </dgm:pt>
+        <dgm:pt modelId="2">
+          <dgm:prSet phldr="1"/>
+        </dgm:pt>
+        <dgm:pt modelId="21">
+          <dgm:prSet phldr="1"/>
+        </dgm:pt>
+      </dgm:ptLst>
+      <dgm:cxnLst>
+        <dgm:cxn modelId="4" srcId="0" destId="1" srcOrd="0" destOrd="0"/>
+        <dgm:cxn modelId="5" srcId="0" destId="2" srcOrd="1" destOrd="0"/>
+        <dgm:cxn modelId="12" srcId="1" destId="11" srcOrd="0" destOrd="0"/>
+        <dgm:cxn modelId="23" srcId="2" destId="21" srcOrd="0" destOrd="0"/>
+      </dgm:cxnLst>
+      <dgm:bg/>
+      <dgm:whole/>
+    </dgm:dataModel>
+  </dgm:sampData>
+  <dgm:styleData>
+    <dgm:dataModel>
+      <dgm:ptLst>
+        <dgm:pt modelId="0" type="doc"/>
+        <dgm:pt modelId="1"/>
+        <dgm:pt modelId="2"/>
+      </dgm:ptLst>
+      <dgm:cxnLst>
+        <dgm:cxn modelId="3" srcId="0" destId="1" srcOrd="0" destOrd="0"/>
+        <dgm:cxn modelId="4" srcId="0" destId="2" srcOrd="1" destOrd="0"/>
+      </dgm:cxnLst>
+      <dgm:bg/>
+      <dgm:whole/>
+    </dgm:dataModel>
+  </dgm:styleData>
+  <dgm:clrData>
+    <dgm:dataModel>
+      <dgm:ptLst>
+        <dgm:pt modelId="0" type="doc"/>
+        <dgm:pt modelId="1"/>
+        <dgm:pt modelId="2"/>
+        <dgm:pt modelId="3"/>
+        <dgm:pt modelId="4"/>
+      </dgm:ptLst>
+      <dgm:cxnLst>
+        <dgm:cxn modelId="5" srcId="0" destId="1" srcOrd="0" destOrd="0"/>
+        <dgm:cxn modelId="6" srcId="0" destId="2" srcOrd="1" destOrd="0"/>
+        <dgm:cxn modelId="7" srcId="0" destId="3" srcOrd="2" destOrd="0"/>
+        <dgm:cxn modelId="8" srcId="0" destId="4" srcOrd="3" destOrd="0"/>
+      </dgm:cxnLst>
+      <dgm:bg/>
+      <dgm:whole/>
+    </dgm:dataModel>
+  </dgm:clrData>
+  <dgm:layoutNode name="linear">
+    <dgm:varLst>
+      <dgm:animLvl val="lvl"/>
+      <dgm:resizeHandles val="exact"/>
+    </dgm:varLst>
+    <dgm:alg type="lin">
+      <dgm:param type="linDir" val="fromT"/>
+      <dgm:param type="vertAlign" val="mid"/>
+    </dgm:alg>
+    <dgm:shape xmlns:r="http://schemas.openxmlformats.org/officeDocument/2006/relationships" r:blip="">
+      <dgm:adjLst/>
+    </dgm:shape>
+    <dgm:presOf/>
+    <dgm:constrLst>
+      <dgm:constr type="w" for="ch" forName="parentText" refType="w"/>
+      <dgm:constr type="h" for="ch" forName="parentText" refType="primFontSz" refFor="ch" refForName="parentText" fact="0.52"/>
+      <dgm:constr type="w" for="ch" forName="childText" refType="w"/>
+      <dgm:constr type="h" for="ch" forName="childText" refType="primFontSz" refFor="ch" refForName="parentText" fact="0.46"/>
+      <dgm:constr type="h" for="ch" forName="parentText" op="equ"/>
+      <dgm:constr type="primFontSz" for="ch" forName="parentText" op="equ" val="65"/>
+      <dgm:constr type="primFontSz" for="ch" forName="childText" refType="primFontSz" refFor="ch" refForName="parentText" op="equ"/>
+      <dgm:constr type="h" for="ch" forName="spacer" refType="primFontSz" refFor="ch" refForName="parentText" fact="0.08"/>
+    </dgm:constrLst>
+    <dgm:ruleLst>
+      <dgm:rule type="primFontSz" for="ch" forName="parentText" val="5" fact="NaN" max="NaN"/>
+    </dgm:ruleLst>
+    <dgm:forEach name="Name0" axis="ch" ptType="node">
+      <dgm:layoutNode name="parentText" styleLbl="node1">
+        <dgm:varLst>
+          <dgm:chMax val="0"/>
+          <dgm:bulletEnabled val="1"/>
+        </dgm:varLst>
+        <dgm:alg type="tx">
+          <dgm:param type="parTxLTRAlign" val="l"/>
+          <dgm:param type="parTxRTLAlign" val="r"/>
+        </dgm:alg>
+        <dgm:shape xmlns:r="http://schemas.openxmlformats.org/officeDocument/2006/relationships" type="roundRect" r:blip="">
+          <dgm:adjLst/>
+        </dgm:shape>
+        <dgm:presOf axis="self"/>
+        <dgm:constrLst>
+          <dgm:constr type="tMarg" refType="primFontSz" fact="0.3"/>
+          <dgm:constr type="bMarg" refType="primFontSz" fact="0.3"/>
+          <dgm:constr type="lMarg" refType="primFontSz" fact="0.3"/>
+          <dgm:constr type="rMarg" refType="primFontSz" fact="0.3"/>
+        </dgm:constrLst>
+        <dgm:ruleLst>
+          <dgm:rule type="h" val="INF" fact="NaN" max="NaN"/>
+        </dgm:ruleLst>
+      </dgm:layoutNode>
+      <dgm:choose name="Name1">
+        <dgm:if name="Name2" axis="ch" ptType="node" func="cnt" op="gte" val="1">
+          <dgm:layoutNode name="childText" styleLbl="revTx">
+            <dgm:varLst>
+              <dgm:bulletEnabled val="1"/>
+            </dgm:varLst>
+            <dgm:alg type="tx">
+              <dgm:param type="stBulletLvl" val="1"/>
+              <dgm:param type="lnSpAfChP" val="20"/>
+            </dgm:alg>
+            <dgm:shape xmlns:r="http://schemas.openxmlformats.org/officeDocument/2006/relationships" type="rect" r:blip="">
+              <dgm:adjLst/>
+            </dgm:shape>
+            <dgm:presOf axis="des" ptType="node"/>
+            <dgm:constrLst>
+              <dgm:constr type="tMarg" refType="primFontSz" fact="0.1"/>
+              <dgm:constr type="bMarg" refType="primFontSz" fact="0.1"/>
+              <dgm:constr type="lMarg" refType="w" fact="0.09"/>
+            </dgm:constrLst>
+            <dgm:ruleLst>
+              <dgm:rule type="h" val="INF" fact="NaN" max="NaN"/>
+            </dgm:ruleLst>
+          </dgm:layoutNode>
+        </dgm:if>
+        <dgm:else name="Name3">
+          <dgm:choose name="Name4">
+            <dgm:if name="Name5" axis="par ch" ptType="doc node" func="cnt" op="gte" val="2">
+              <dgm:forEach name="Name6" axis="followSib" ptType="sibTrans" cnt="1">
+                <dgm:layoutNode name="spacer">
+                  <dgm:alg type="sp"/>
+                  <dgm:shape xmlns:r="http://schemas.openxmlformats.org/officeDocument/2006/relationships" r:blip="">
+                    <dgm:adjLst/>
+                  </dgm:shape>
+                  <dgm:presOf/>
+                  <dgm:constrLst/>
+                  <dgm:ruleLst/>
+                </dgm:layoutNode>
+              </dgm:forEach>
+            </dgm:if>
+            <dgm:else name="Name7"/>
+          </dgm:choose>
+        </dgm:else>
+      </dgm:choose>
+    </dgm:forEach>
+  </dgm:layoutNode>
+</dgm:layoutDef>
+</file>
+
+<file path=ppt/diagrams/quickStyle1.xml><?xml version="1.0" encoding="utf-8"?>
+<dgm:styleDef xmlns:dgm="http://schemas.openxmlformats.org/drawingml/2006/diagram" xmlns:a="http://schemas.openxmlformats.org/drawingml/2006/main" uniqueId="urn:microsoft.com/office/officeart/2005/8/quickstyle/simple1">
+  <dgm:title val=""/>
+  <dgm:desc val=""/>
+  <dgm:catLst>
+    <dgm:cat type="simple" pri="10100"/>
+  </dgm:catLst>
+  <dgm:scene3d>
+    <a:camera prst="orthographicFront"/>
+    <a:lightRig rig="threePt" dir="t"/>
+  </dgm:scene3d>
+  <dgm:styleLbl name="node0">
+    <dgm:scene3d>
+      <a:camera prst="orthographicFront"/>
+      <a:lightRig rig="threePt" dir="t"/>
+    </dgm:scene3d>
+    <dgm:sp3d/>
+    <dgm:txPr/>
+    <dgm:style>
+      <a:lnRef idx="2">
+        <a:scrgbClr r="0" g="0" b="0"/>
+      </a:lnRef>
+      <a:fillRef idx="1">
+        <a:scrgbClr r="0" g="0" b="0"/>
+      </a:fillRef>
+      <a:effectRef idx="0">
+        <a:scrgbClr r="0" g="0" b="0"/>
+      </a:effectRef>
+      <a:fontRef idx="minor">
+        <a:schemeClr val="lt1"/>
+      </a:fontRef>
+    </dgm:style>
+  </dgm:styleLbl>
+  <dgm:styleLbl name="lnNode1">
+    <dgm:scene3d>
+      <a:camera prst="orthographicFront"/>
+      <a:lightRig rig="threePt" dir="t"/>
+    </dgm:scene3d>
+    <dgm:sp3d/>
+    <dgm:txPr/>
+    <dgm:style>
+      <a:lnRef idx="2">
+        <a:scrgbClr r="0" g="0" b="0"/>
+      </a:lnRef>
+      <a:fillRef idx="1">
+        <a:scrgbClr r="0" g="0" b="0"/>
+      </a:fillRef>
+      <a:effectRef idx="0">
+        <a:scrgbClr r="0" g="0" b="0"/>
+      </a:effectRef>
+      <a:fontRef idx="minor">
+        <a:schemeClr val="lt1"/>
+      </a:fontRef>
+    </dgm:style>
+  </dgm:styleLbl>
+  <dgm:styleLbl name="vennNode1">
+    <dgm:scene3d>
+      <a:camera prst="orthographicFront"/>
+      <a:lightRig rig="threePt" dir="t"/>
+    </dgm:scene3d>
+    <dgm:sp3d/>
+    <dgm:txPr/>
+    <dgm:style>
+      <a:lnRef idx="2">
+        <a:scrgbClr r="0" g="0" b="0"/>
+      </a:lnRef>
+      <a:fillRef idx="1">
+        <a:scrgbClr r="0" g="0" b="0"/>
+      </a:fillRef>
+      <a:effectRef idx="0">
+        <a:scrgbClr r="0" g="0" b="0"/>
+      </a:effectRef>
+      <a:fontRef idx="minor">
+        <a:schemeClr val="tx1"/>
+      </a:fontRef>
+    </dgm:style>
+  </dgm:styleLbl>
+  <dgm:styleLbl name="alignNode1">
+    <dgm:scene3d>
+      <a:camera prst="orthographicFront"/>
+      <a:lightRig rig="threePt" dir="t"/>
+    </dgm:scene3d>
+    <dgm:sp3d/>
+    <dgm:txPr/>
+    <dgm:style>
+      <a:lnRef idx="2">
+        <a:scrgbClr r="0" g="0" b="0"/>
+      </a:lnRef>
+      <a:fillRef idx="1">
+        <a:scrgbClr r="0" g="0" b="0"/>
+      </a:fillRef>
+      <a:effectRef idx="0">
+        <a:scrgbClr r="0" g="0" b="0"/>
+      </a:effectRef>
+      <a:fontRef idx="minor">
+        <a:schemeClr val="lt1"/>
+      </a:fontRef>
+    </dgm:style>
+  </dgm:styleLbl>
+  <dgm:styleLbl name="node1">
+    <dgm:scene3d>
+      <a:camera prst="orthographicFront"/>
+      <a:lightRig rig="threePt" dir="t"/>
+    </dgm:scene3d>
+    <dgm:sp3d/>
+    <dgm:txPr/>
+    <dgm:style>
+      <a:lnRef idx="2">
+        <a:scrgbClr r="0" g="0" b="0"/>
+      </a:lnRef>
+      <a:fillRef idx="1">
+        <a:scrgbClr r="0" g="0" b="0"/>
+      </a:fillRef>
+      <a:effectRef idx="0">
+        <a:scrgbClr r="0" g="0" b="0"/>
+      </a:effectRef>
+      <a:fontRef idx="minor">
+        <a:schemeClr val="lt1"/>
+      </a:fontRef>
+    </dgm:style>
+  </dgm:styleLbl>
+  <dgm:styleLbl name="node2">
+    <dgm:scene3d>
+      <a:camera prst="orthographicFront"/>
+      <a:lightRig rig="threePt" dir="t"/>
+    </dgm:scene3d>
+    <dgm:sp3d/>
+    <dgm:txPr/>
+    <dgm:style>
+      <a:lnRef idx="2">
+        <a:scrgbClr r="0" g="0" b="0"/>
+      </a:lnRef>
+      <a:fillRef idx="1">
+        <a:scrgbClr r="0" g="0" b="0"/>
+      </a:fillRef>
+      <a:effectRef idx="0">
+        <a:scrgbClr r="0" g="0" b="0"/>
+      </a:effectRef>
+      <a:fontRef idx="minor">
+        <a:schemeClr val="lt1"/>
+      </a:fontRef>
+    </dgm:style>
+  </dgm:styleLbl>
+  <dgm:styleLbl name="node3">
+    <dgm:scene3d>
+      <a:camera prst="orthographicFront"/>
+      <a:lightRig rig="threePt" dir="t"/>
+    </dgm:scene3d>
+    <dgm:sp3d/>
+    <dgm:txPr/>
+    <dgm:style>
+      <a:lnRef idx="2">
+        <a:scrgbClr r="0" g="0" b="0"/>
+      </a:lnRef>
+      <a:fillRef idx="1">
+        <a:scrgbClr r="0" g="0" b="0"/>
+      </a:fillRef>
+      <a:effectRef idx="0">
+        <a:scrgbClr r="0" g="0" b="0"/>
+      </a:effectRef>
+      <a:fontRef idx="minor">
+        <a:schemeClr val="lt1"/>
+      </a:fontRef>
+    </dgm:style>
+  </dgm:styleLbl>
+  <dgm:styleLbl name="node4">
+    <dgm:scene3d>
+      <a:camera prst="orthographicFront"/>
+      <a:lightRig rig="threePt" dir="t"/>
+    </dgm:scene3d>
+    <dgm:sp3d/>
+    <dgm:txPr/>
+    <dgm:style>
+      <a:lnRef idx="2">
+        <a:scrgbClr r="0" g="0" b="0"/>
+      </a:lnRef>
+      <a:fillRef idx="1">
+        <a:scrgbClr r="0" g="0" b="0"/>
+      </a:fillRef>
+      <a:effectRef idx="0">
+        <a:scrgbClr r="0" g="0" b="0"/>
+      </a:effectRef>
+      <a:fontRef idx="minor">
+        <a:schemeClr val="lt1"/>
+      </a:fontRef>
+    </dgm:style>
+  </dgm:styleLbl>
+  <dgm:styleLbl name="fgImgPlace1">
+    <dgm:scene3d>
+      <a:camera prst="orthographicFront"/>
+      <a:lightRig rig="threePt" dir="t"/>
+    </dgm:scene3d>
+    <dgm:sp3d/>
+    <dgm:txPr/>
+    <dgm:style>
+      <a:lnRef idx="2">
+        <a:scrgbClr r="0" g="0" b="0"/>
+      </a:lnRef>
+      <a:fillRef idx="1">
+        <a:scrgbClr r="0" g="0" b="0"/>
+      </a:fillRef>
+      <a:effectRef idx="0">
+        <a:scrgbClr r="0" g="0" b="0"/>
+      </a:effectRef>
+      <a:fontRef idx="minor"/>
+    </dgm:style>
+  </dgm:styleLbl>
+  <dgm:styleLbl name="alignImgPlace1">
+    <dgm:scene3d>
+      <a:camera prst="orthographicFront"/>
+      <a:lightRig rig="threePt" dir="t"/>
+    </dgm:scene3d>
+    <dgm:sp3d/>
+    <dgm:txPr/>
+    <dgm:style>
+      <a:lnRef idx="2">
+        <a:scrgbClr r="0" g="0" b="0"/>
+      </a:lnRef>
+      <a:fillRef idx="1">
+        <a:scrgbClr r="0" g="0" b="0"/>
+      </a:fillRef>
+      <a:effectRef idx="0">
+        <a:scrgbClr r="0" g="0" b="0"/>
+      </a:effectRef>
+      <a:fontRef idx="minor"/>
+    </dgm:style>
+  </dgm:styleLbl>
+  <dgm:styleLbl name="bgImgPlace1">
+    <dgm:scene3d>
+      <a:camera prst="orthographicFront"/>
+      <a:lightRig rig="threePt" dir="t"/>
+    </dgm:scene3d>
+    <dgm:sp3d/>
+    <dgm:txPr/>
+    <dgm:style>
+      <a:lnRef idx="2">
+        <a:scrgbClr r="0" g="0" b="0"/>
+      </a:lnRef>
+      <a:fillRef idx="1">
+        <a:scrgbClr r="0" g="0" b="0"/>
+      </a:fillRef>
+      <a:effectRef idx="0">
+        <a:scrgbClr r="0" g="0" b="0"/>
+      </a:effectRef>
+      <a:fontRef idx="minor"/>
+    </dgm:style>
+  </dgm:styleLbl>
+  <dgm:styleLbl name="sibTrans2D1">
+    <dgm:scene3d>
+      <a:camera prst="orthographicFront"/>
+      <a:lightRig rig="threePt" dir="t"/>
+    </dgm:scene3d>
+    <dgm:sp3d/>
+    <dgm:txPr/>
+    <dgm:style>
+      <a:lnRef idx="0">
+        <a:scrgbClr r="0" g="0" b="0"/>
+      </a:lnRef>
+      <a:fillRef idx="1">
+        <a:scrgbClr r="0" g="0" b="0"/>
+      </a:fillRef>
+      <a:effectRef idx="0">
+        <a:scrgbClr r="0" g="0" b="0"/>
+      </a:effectRef>
+      <a:fontRef idx="minor">
+        <a:schemeClr val="lt1"/>
+      </a:fontRef>
+    </dgm:style>
+  </dgm:styleLbl>
+  <dgm:styleLbl name="fgSibTrans2D1">
+    <dgm:scene3d>
+      <a:camera prst="orthographicFront"/>
+      <a:lightRig rig="threePt" dir="t"/>
+    </dgm:scene3d>
+    <dgm:sp3d/>
+    <dgm:txPr/>
+    <dgm:style>
+      <a:lnRef idx="0">
+        <a:scrgbClr r="0" g="0" b="0"/>
+      </a:lnRef>
+      <a:fillRef idx="1">
+        <a:scrgbClr r="0" g="0" b="0"/>
+      </a:fillRef>
+      <a:effectRef idx="0">
+        <a:scrgbClr r="0" g="0" b="0"/>
+      </a:effectRef>
+      <a:fontRef idx="minor">
+        <a:schemeClr val="lt1"/>
+      </a:fontRef>
+    </dgm:style>
+  </dgm:styleLbl>
+  <dgm:styleLbl name="bgSibTrans2D1">
+    <dgm:scene3d>
+      <a:camera prst="orthographicFront"/>
+      <a:lightRig rig="threePt" dir="t"/>
+    </dgm:scene3d>
+    <dgm:sp3d/>
+    <dgm:txPr/>
+    <dgm:style>
+      <a:lnRef idx="0">
+        <a:scrgbClr r="0" g="0" b="0"/>
+      </a:lnRef>
+      <a:fillRef idx="1">
+        <a:scrgbClr r="0" g="0" b="0"/>
+      </a:fillRef>
+      <a:effectRef idx="0">
+        <a:scrgbClr r="0" g="0" b="0"/>
+      </a:effectRef>
+      <a:fontRef idx="minor">
+        <a:schemeClr val="lt1"/>
+      </a:fontRef>
+    </dgm:style>
+  </dgm:styleLbl>
+  <dgm:styleLbl name="sibTrans1D1">
+    <dgm:scene3d>
+      <a:camera prst="orthographicFront"/>
+      <a:lightRig rig="threePt" dir="t"/>
+    </dgm:scene3d>
+    <dgm:sp3d/>
+    <dgm:txPr/>
+    <dgm:style>
+      <a:lnRef idx="1">
+        <a:scrgbClr r="0" g="0" b="0"/>
+      </a:lnRef>
+      <a:fillRef idx="0">
+        <a:scrgbClr r="0" g="0" b="0"/>
+      </a:fillRef>
+      <a:effectRef idx="0">
+        <a:scrgbClr r="0" g="0" b="0"/>
+      </a:effectRef>
+      <a:fontRef idx="minor"/>
+    </dgm:style>
+  </dgm:styleLbl>
+  <dgm:styleLbl name="callout">
+    <dgm:scene3d>
+      <a:camera prst="orthographicFront"/>
+      <a:lightRig rig="threePt" dir="t"/>
+    </dgm:scene3d>
+    <dgm:sp3d/>
+    <dgm:txPr/>
+    <dgm:style>
+      <a:lnRef idx="2">
+        <a:scrgbClr r="0" g="0" b="0"/>
+      </a:lnRef>
+      <a:fillRef idx="1">
+        <a:scrgbClr r="0" g="0" b="0"/>
+      </a:fillRef>
+      <a:effectRef idx="0">
+        <a:scrgbClr r="0" g="0" b="0"/>
+      </a:effectRef>
+      <a:fontRef idx="minor"/>
+    </dgm:style>
+  </dgm:styleLbl>
+  <dgm:styleLbl name="asst0">
+    <dgm:scene3d>
+      <a:camera prst="orthographicFront"/>
+      <a:lightRig rig="threePt" dir="t"/>
+    </dgm:scene3d>
+    <dgm:sp3d/>
+    <dgm:txPr/>
+    <dgm:style>
+      <a:lnRef idx="2">
+        <a:scrgbClr r="0" g="0" b="0"/>
+      </a:lnRef>
+      <a:fillRef idx="1">
+        <a:scrgbClr r="0" g="0" b="0"/>
+      </a:fillRef>
+      <a:effectRef idx="0">
+        <a:scrgbClr r="0" g="0" b="0"/>
+      </a:effectRef>
+      <a:fontRef idx="minor">
+        <a:schemeClr val="lt1"/>
+      </a:fontRef>
+    </dgm:style>
+  </dgm:styleLbl>
+  <dgm:styleLbl name="asst1">
+    <dgm:scene3d>
+      <a:camera prst="orthographicFront"/>
+      <a:lightRig rig="threePt" dir="t"/>
+    </dgm:scene3d>
+    <dgm:sp3d/>
+    <dgm:txPr/>
+    <dgm:style>
+      <a:lnRef idx="2">
+        <a:scrgbClr r="0" g="0" b="0"/>
+      </a:lnRef>
+      <a:fillRef idx="1">
+        <a:scrgbClr r="0" g="0" b="0"/>
+      </a:fillRef>
+      <a:effectRef idx="0">
+        <a:scrgbClr r="0" g="0" b="0"/>
+      </a:effectRef>
+      <a:fontRef idx="minor">
+        <a:schemeClr val="lt1"/>
+      </a:fontRef>
+    </dgm:style>
+  </dgm:styleLbl>
+  <dgm:styleLbl name="asst2">
+    <dgm:scene3d>
+      <a:camera prst="orthographicFront"/>
+      <a:lightRig rig="threePt" dir="t"/>
+    </dgm:scene3d>
+    <dgm:sp3d/>
+    <dgm:txPr/>
+    <dgm:style>
+      <a:lnRef idx="2">
+        <a:scrgbClr r="0" g="0" b="0"/>
+      </a:lnRef>
+      <a:fillRef idx="1">
+        <a:scrgbClr r="0" g="0" b="0"/>
+      </a:fillRef>
+      <a:effectRef idx="0">
+        <a:scrgbClr r="0" g="0" b="0"/>
+      </a:effectRef>
+      <a:fontRef idx="minor">
+        <a:schemeClr val="lt1"/>
+      </a:fontRef>
+    </dgm:style>
+  </dgm:styleLbl>
+  <dgm:styleLbl name="asst3">
+    <dgm:scene3d>
+      <a:camera prst="orthographicFront"/>
+      <a:lightRig rig="threePt" dir="t"/>
+    </dgm:scene3d>
+    <dgm:sp3d/>
+    <dgm:txPr/>
+    <dgm:style>
+      <a:lnRef idx="2">
+        <a:scrgbClr r="0" g="0" b="0"/>
+      </a:lnRef>
+      <a:fillRef idx="1">
+        <a:scrgbClr r="0" g="0" b="0"/>
+      </a:fillRef>
+      <a:effectRef idx="0">
+        <a:scrgbClr r="0" g="0" b="0"/>
+      </a:effectRef>
+      <a:fontRef idx="minor">
+        <a:schemeClr val="lt1"/>
+      </a:fontRef>
+    </dgm:style>
+  </dgm:styleLbl>
+  <dgm:styleLbl name="asst4">
+    <dgm:scene3d>
+      <a:camera prst="orthographicFront"/>
+      <a:lightRig rig="threePt" dir="t"/>
+    </dgm:scene3d>
+    <dgm:sp3d/>
+    <dgm:txPr/>
+    <dgm:style>
+      <a:lnRef idx="2">
+        <a:scrgbClr r="0" g="0" b="0"/>
+      </a:lnRef>
+      <a:fillRef idx="1">
+        <a:scrgbClr r="0" g="0" b="0"/>
+      </a:fillRef>
+      <a:effectRef idx="0">
+        <a:scrgbClr r="0" g="0" b="0"/>
+      </a:effectRef>
+      <a:fontRef idx="minor">
+        <a:schemeClr val="lt1"/>
+      </a:fontRef>
+    </dgm:style>
+  </dgm:styleLbl>
+  <dgm:styleLbl name="parChTrans2D1">
+    <dgm:scene3d>
+      <a:camera prst="orthographicFront"/>
+      <a:lightRig rig="threePt" dir="t"/>
+    </dgm:scene3d>
+    <dgm:sp3d/>
+    <dgm:txPr/>
+    <dgm:style>
+      <a:lnRef idx="2">
+        <a:scrgbClr r="0" g="0" b="0"/>
+      </a:lnRef>
+      <a:fillRef idx="1">
+        <a:scrgbClr r="0" g="0" b="0"/>
+      </a:fillRef>
+      <a:effectRef idx="0">
+        <a:scrgbClr r="0" g="0" b="0"/>
+      </a:effectRef>
+      <a:fontRef idx="minor">
+        <a:schemeClr val="lt1"/>
+      </a:fontRef>
+    </dgm:style>
+  </dgm:styleLbl>
+  <dgm:styleLbl name="parChTrans2D2">
+    <dgm:scene3d>
+      <a:camera prst="orthographicFront"/>
+      <a:lightRig rig="threePt" dir="t"/>
+    </dgm:scene3d>
+    <dgm:sp3d/>
+    <dgm:txPr/>
+    <dgm:style>
+      <a:lnRef idx="2">
+        <a:scrgbClr r="0" g="0" b="0"/>
+      </a:lnRef>
+      <a:fillRef idx="1">
+        <a:scrgbClr r="0" g="0" b="0"/>
+      </a:fillRef>
+      <a:effectRef idx="0">
+        <a:scrgbClr r="0" g="0" b="0"/>
+      </a:effectRef>
+      <a:fontRef idx="minor">
+        <a:schemeClr val="lt1"/>
+      </a:fontRef>
+    </dgm:style>
+  </dgm:styleLbl>
+  <dgm:styleLbl name="parChTrans2D3">
+    <dgm:scene3d>
+      <a:camera prst="orthographicFront"/>
+      <a:lightRig rig="threePt" dir="t"/>
+    </dgm:scene3d>
+    <dgm:sp3d/>
+    <dgm:txPr/>
+    <dgm:style>
+      <a:lnRef idx="2">
+        <a:scrgbClr r="0" g="0" b="0"/>
+      </a:lnRef>
+      <a:fillRef idx="1">
+        <a:scrgbClr r="0" g="0" b="0"/>
+      </a:fillRef>
+      <a:effectRef idx="0">
+        <a:scrgbClr r="0" g="0" b="0"/>
+      </a:effectRef>
+      <a:fontRef idx="minor">
+        <a:schemeClr val="lt1"/>
+      </a:fontRef>
+    </dgm:style>
+  </dgm:styleLbl>
+  <dgm:styleLbl name="parChTrans2D4">
+    <dgm:scene3d>
+      <a:camera prst="orthographicFront"/>
+      <a:lightRig rig="threePt" dir="t"/>
+    </dgm:scene3d>
+    <dgm:sp3d/>
+    <dgm:txPr/>
+    <dgm:style>
+      <a:lnRef idx="2">
+        <a:scrgbClr r="0" g="0" b="0"/>
+      </a:lnRef>
+      <a:fillRef idx="1">
+        <a:scrgbClr r="0" g="0" b="0"/>
+      </a:fillRef>
+      <a:effectRef idx="0">
+        <a:scrgbClr r="0" g="0" b="0"/>
+      </a:effectRef>
+      <a:fontRef idx="minor">
+        <a:schemeClr val="lt1"/>
+      </a:fontRef>
+    </dgm:style>
+  </dgm:styleLbl>
+  <dgm:styleLbl name="parChTrans1D1">
+    <dgm:scene3d>
+      <a:camera prst="orthographicFront"/>
+      <a:lightRig rig="threePt" dir="t"/>
+    </dgm:scene3d>
+    <dgm:sp3d/>
+    <dgm:txPr/>
+    <dgm:style>
+      <a:lnRef idx="2">
+        <a:scrgbClr r="0" g="0" b="0"/>
+      </a:lnRef>
+      <a:fillRef idx="0">
+        <a:scrgbClr r="0" g="0" b="0"/>
+      </a:fillRef>
+      <a:effectRef idx="0">
+        <a:scrgbClr r="0" g="0" b="0"/>
+      </a:effectRef>
+      <a:fontRef idx="minor"/>
+    </dgm:style>
+  </dgm:styleLbl>
+  <dgm:styleLbl name="parChTrans1D2">
+    <dgm:scene3d>
+      <a:camera prst="orthographicFront"/>
+      <a:lightRig rig="threePt" dir="t"/>
+    </dgm:scene3d>
+    <dgm:sp3d/>
+    <dgm:txPr/>
+    <dgm:style>
+      <a:lnRef idx="2">
+        <a:scrgbClr r="0" g="0" b="0"/>
+      </a:lnRef>
+      <a:fillRef idx="0">
+        <a:scrgbClr r="0" g="0" b="0"/>
+      </a:fillRef>
+      <a:effectRef idx="0">
+        <a:scrgbClr r="0" g="0" b="0"/>
+      </a:effectRef>
+      <a:fontRef idx="minor"/>
+    </dgm:style>
+  </dgm:styleLbl>
+  <dgm:styleLbl name="parChTrans1D3">
+    <dgm:scene3d>
+      <a:camera prst="orthographicFront"/>
+      <a:lightRig rig="threePt" dir="t"/>
+    </dgm:scene3d>
+    <dgm:sp3d/>
+    <dgm:txPr/>
+    <dgm:style>
+      <a:lnRef idx="2">
+        <a:scrgbClr r="0" g="0" b="0"/>
+      </a:lnRef>
+      <a:fillRef idx="0">
+        <a:scrgbClr r="0" g="0" b="0"/>
+      </a:fillRef>
+      <a:effectRef idx="0">
+        <a:scrgbClr r="0" g="0" b="0"/>
+      </a:effectRef>
+      <a:fontRef idx="minor"/>
+    </dgm:style>
+  </dgm:styleLbl>
+  <dgm:styleLbl name="parChTrans1D4">
+    <dgm:scene3d>
+      <a:camera prst="orthographicFront"/>
+      <a:lightRig rig="threePt" dir="t"/>
+    </dgm:scene3d>
+    <dgm:sp3d/>
+    <dgm:txPr/>
+    <dgm:style>
+      <a:lnRef idx="2">
+        <a:scrgbClr r="0" g="0" b="0"/>
+      </a:lnRef>
+      <a:fillRef idx="0">
+        <a:scrgbClr r="0" g="0" b="0"/>
+      </a:fillRef>
+      <a:effectRef idx="0">
+        <a:scrgbClr r="0" g="0" b="0"/>
+      </a:effectRef>
+      <a:fontRef idx="minor"/>
+    </dgm:style>
+  </dgm:styleLbl>
+  <dgm:styleLbl name="fgAcc1">
+    <dgm:scene3d>
+      <a:camera prst="orthographicFront"/>
+      <a:lightRig rig="threePt" dir="t"/>
+    </dgm:scene3d>
+    <dgm:sp3d/>
+    <dgm:txPr/>
+    <dgm:style>
+      <a:lnRef idx="2">
+        <a:scrgbClr r="0" g="0" b="0"/>
+      </a:lnRef>
+      <a:fillRef idx="1">
+        <a:scrgbClr r="0" g="0" b="0"/>
+      </a:fillRef>
+      <a:effectRef idx="0">
+        <a:scrgbClr r="0" g="0" b="0"/>
+      </a:effectRef>
+      <a:fontRef idx="minor"/>
+    </dgm:style>
+  </dgm:styleLbl>
+  <dgm:styleLbl name="conFgAcc1">
+    <dgm:scene3d>
+      <a:camera prst="orthographicFront"/>
+      <a:lightRig rig="threePt" dir="t"/>
+    </dgm:scene3d>
+    <dgm:sp3d/>
+    <dgm:txPr/>
+    <dgm:style>
+      <a:lnRef idx="2">
+        <a:scrgbClr r="0" g="0" b="0"/>
+      </a:lnRef>
+      <a:fillRef idx="1">
+        <a:scrgbClr r="0" g="0" b="0"/>
+      </a:fillRef>
+      <a:effectRef idx="0">
+        <a:scrgbClr r="0" g="0" b="0"/>
+      </a:effectRef>
+      <a:fontRef idx="minor"/>
+    </dgm:style>
+  </dgm:styleLbl>
+  <dgm:styleLbl name="alignAcc1">
+    <dgm:scene3d>
+      <a:camera prst="orthographicFront"/>
+      <a:lightRig rig="threePt" dir="t"/>
+    </dgm:scene3d>
+    <dgm:sp3d/>
+    <dgm:txPr/>
+    <dgm:style>
+      <a:lnRef idx="2">
+        <a:scrgbClr r="0" g="0" b="0"/>
+      </a:lnRef>
+      <a:fillRef idx="1">
+        <a:scrgbClr r="0" g="0" b="0"/>
+      </a:fillRef>
+      <a:effectRef idx="0">
+        <a:scrgbClr r="0" g="0" b="0"/>
+      </a:effectRef>
+      <a:fontRef idx="minor"/>
+    </dgm:style>
+  </dgm:styleLbl>
+  <dgm:styleLbl name="trAlignAcc1">
+    <dgm:scene3d>
+      <a:camera prst="orthographicFront"/>
+      <a:lightRig rig="threePt" dir="t"/>
+    </dgm:scene3d>
+    <dgm:sp3d/>
+    <dgm:txPr/>
+    <dgm:style>
+      <a:lnRef idx="1">
+        <a:scrgbClr r="0" g="0" b="0"/>
+      </a:lnRef>
+      <a:fillRef idx="1">
+        <a:scrgbClr r="0" g="0" b="0"/>
+      </a:fillRef>
+      <a:effectRef idx="0">
+        <a:scrgbClr r="0" g="0" b="0"/>
+      </a:effectRef>
+      <a:fontRef idx="minor"/>
+    </dgm:style>
+  </dgm:styleLbl>
+  <dgm:styleLbl name="bgAcc1">
+    <dgm:scene3d>
+      <a:camera prst="orthographicFront"/>
+      <a:lightRig rig="threePt" dir="t"/>
+    </dgm:scene3d>
+    <dgm:sp3d/>
+    <dgm:txPr/>
+    <dgm:style>
+      <a:lnRef idx="2">
+        <a:scrgbClr r="0" g="0" b="0"/>
+      </a:lnRef>
+      <a:fillRef idx="1">
+        <a:scrgbClr r="0" g="0" b="0"/>
+      </a:fillRef>
+      <a:effectRef idx="0">
+        <a:scrgbClr r="0" g="0" b="0"/>
+      </a:effectRef>
+      <a:fontRef idx="minor"/>
+    </dgm:style>
+  </dgm:styleLbl>
+  <dgm:styleLbl name="solidFgAcc1">
+    <dgm:scene3d>
+      <a:camera prst="orthographicFront"/>
+      <a:lightRig rig="threePt" dir="t"/>
+    </dgm:scene3d>
+    <dgm:sp3d/>
+    <dgm:txPr/>
+    <dgm:style>
+      <a:lnRef idx="2">
+        <a:scrgbClr r="0" g="0" b="0"/>
+      </a:lnRef>
+      <a:fillRef idx="1">
+        <a:scrgbClr r="0" g="0" b="0"/>
+      </a:fillRef>
+      <a:effectRef idx="0">
+        <a:scrgbClr r="0" g="0" b="0"/>
+      </a:effectRef>
+      <a:fontRef idx="minor"/>
+    </dgm:style>
+  </dgm:styleLbl>
+  <dgm:styleLbl name="solidAlignAcc1">
+    <dgm:scene3d>
+      <a:camera prst="orthographicFront"/>
+      <a:lightRig rig="threePt" dir="t"/>
+    </dgm:scene3d>
+    <dgm:sp3d/>
+    <dgm:txPr/>
+    <dgm:style>
+      <a:lnRef idx="2">
+        <a:scrgbClr r="0" g="0" b="0"/>
+      </a:lnRef>
+      <a:fillRef idx="1">
+        <a:scrgbClr r="0" g="0" b="0"/>
+      </a:fillRef>
+      <a:effectRef idx="0">
+        <a:scrgbClr r="0" g="0" b="0"/>
+      </a:effectRef>
+      <a:fontRef idx="minor"/>
+    </dgm:style>
+  </dgm:styleLbl>
+  <dgm:styleLbl name="solidBgAcc1">
+    <dgm:scene3d>
+      <a:camera prst="orthographicFront"/>
+      <a:lightRig rig="threePt" dir="t"/>
+    </dgm:scene3d>
+    <dgm:sp3d/>
+    <dgm:txPr/>
+    <dgm:style>
+      <a:lnRef idx="2">
+        <a:scrgbClr r="0" g="0" b="0"/>
+      </a:lnRef>
+      <a:fillRef idx="1">
+        <a:scrgbClr r="0" g="0" b="0"/>
+      </a:fillRef>
+      <a:effectRef idx="0">
+        <a:scrgbClr r="0" g="0" b="0"/>
+      </a:effectRef>
+      <a:fontRef idx="minor"/>
+    </dgm:style>
+  </dgm:styleLbl>
+  <dgm:styleLbl name="fgAccFollowNode1">
+    <dgm:scene3d>
+      <a:camera prst="orthographicFront"/>
+      <a:lightRig rig="threePt" dir="t"/>
+    </dgm:scene3d>
+    <dgm:sp3d/>
+    <dgm:txPr/>
+    <dgm:style>
+      <a:lnRef idx="2">
+        <a:scrgbClr r="0" g="0" b="0"/>
+      </a:lnRef>
+      <a:fillRef idx="1">
+        <a:scrgbClr r="0" g="0" b="0"/>
+      </a:fillRef>
+      <a:effectRef idx="0">
+        <a:scrgbClr r="0" g="0" b="0"/>
+      </a:effectRef>
+      <a:fontRef idx="minor"/>
+    </dgm:style>
+  </dgm:styleLbl>
+  <dgm:styleLbl name="alignAccFollowNode1">
+    <dgm:scene3d>
+      <a:camera prst="orthographicFront"/>
+      <a:lightRig rig="threePt" dir="t"/>
+    </dgm:scene3d>
+    <dgm:sp3d/>
+    <dgm:txPr/>
+    <dgm:style>
+      <a:lnRef idx="2">
+        <a:scrgbClr r="0" g="0" b="0"/>
+      </a:lnRef>
+      <a:fillRef idx="1">
+        <a:scrgbClr r="0" g="0" b="0"/>
+      </a:fillRef>
+      <a:effectRef idx="0">
+        <a:scrgbClr r="0" g="0" b="0"/>
+      </a:effectRef>
+      <a:fontRef idx="minor"/>
+    </dgm:style>
+  </dgm:styleLbl>
+  <dgm:styleLbl name="bgAccFollowNode1">
+    <dgm:scene3d>
+      <a:camera prst="orthographicFront"/>
+      <a:lightRig rig="threePt" dir="t"/>
+    </dgm:scene3d>
+    <dgm:sp3d/>
+    <dgm:txPr/>
+    <dgm:style>
+      <a:lnRef idx="2">
+        <a:scrgbClr r="0" g="0" b="0"/>
+      </a:lnRef>
+      <a:fillRef idx="1">
+        <a:scrgbClr r="0" g="0" b="0"/>
+      </a:fillRef>
+      <a:effectRef idx="0">
+        <a:scrgbClr r="0" g="0" b="0"/>
+      </a:effectRef>
+      <a:fontRef idx="minor"/>
+    </dgm:style>
+  </dgm:styleLbl>
+  <dgm:styleLbl name="fgAcc0">
+    <dgm:scene3d>
+      <a:camera prst="orthographicFront"/>
+      <a:lightRig rig="threePt" dir="t"/>
+    </dgm:scene3d>
+    <dgm:sp3d/>
+    <dgm:txPr/>
+    <dgm:style>
+      <a:lnRef idx="2">
+        <a:scrgbClr r="0" g="0" b="0"/>
+      </a:lnRef>
+      <a:fillRef idx="1">
+        <a:scrgbClr r="0" g="0" b="0"/>
+      </a:fillRef>
+      <a:effectRef idx="0">
+        <a:scrgbClr r="0" g="0" b="0"/>
+      </a:effectRef>
+      <a:fontRef idx="minor"/>
+    </dgm:style>
+  </dgm:styleLbl>
+  <dgm:styleLbl name="fgAcc2">
+    <dgm:scene3d>
+      <a:camera prst="orthographicFront"/>
+      <a:lightRig rig="threePt" dir="t"/>
+    </dgm:scene3d>
+    <dgm:sp3d/>
+    <dgm:txPr/>
+    <dgm:style>
+      <a:lnRef idx="2">
+        <a:scrgbClr r="0" g="0" b="0"/>
+      </a:lnRef>
+      <a:fillRef idx="1">
+        <a:scrgbClr r="0" g="0" b="0"/>
+      </a:fillRef>
+      <a:effectRef idx="0">
+        <a:scrgbClr r="0" g="0" b="0"/>
+      </a:effectRef>
+      <a:fontRef idx="minor"/>
+    </dgm:style>
+  </dgm:styleLbl>
+  <dgm:styleLbl name="fgAcc3">
+    <dgm:scene3d>
+      <a:camera prst="orthographicFront"/>
+      <a:lightRig rig="threePt" dir="t"/>
+    </dgm:scene3d>
+    <dgm:sp3d/>
+    <dgm:txPr/>
+    <dgm:style>
+      <a:lnRef idx="2">
+        <a:scrgbClr r="0" g="0" b="0"/>
+      </a:lnRef>
+      <a:fillRef idx="1">
+        <a:scrgbClr r="0" g="0" b="0"/>
+      </a:fillRef>
+      <a:effectRef idx="0">
+        <a:scrgbClr r="0" g="0" b="0"/>
+      </a:effectRef>
+      <a:fontRef idx="minor"/>
+    </dgm:style>
+  </dgm:styleLbl>
+  <dgm:styleLbl name="fgAcc4">
+    <dgm:scene3d>
+      <a:camera prst="orthographicFront"/>
+      <a:lightRig rig="threePt" dir="t"/>
+    </dgm:scene3d>
+    <dgm:sp3d/>
+    <dgm:txPr/>
+    <dgm:style>
+      <a:lnRef idx="2">
+        <a:scrgbClr r="0" g="0" b="0"/>
+      </a:lnRef>
+      <a:fillRef idx="1">
+        <a:scrgbClr r="0" g="0" b="0"/>
+      </a:fillRef>
+      <a:effectRef idx="0">
+        <a:scrgbClr r="0" g="0" b="0"/>
+      </a:effectRef>
+      <a:fontRef idx="minor"/>
+    </dgm:style>
+  </dgm:styleLbl>
+  <dgm:styleLbl name="bgShp">
+    <dgm:scene3d>
+      <a:camera prst="orthographicFront"/>
+      <a:lightRig rig="threePt" dir="t"/>
+    </dgm:scene3d>
+    <dgm:sp3d/>
+    <dgm:txPr/>
+    <dgm:style>
+      <a:lnRef idx="0">
+        <a:scrgbClr r="0" g="0" b="0"/>
+      </a:lnRef>
+      <a:fillRef idx="1">
+        <a:scrgbClr r="0" g="0" b="0"/>
+      </a:fillRef>
+      <a:effectRef idx="0">
+        <a:scrgbClr r="0" g="0" b="0"/>
+      </a:effectRef>
+      <a:fontRef idx="minor"/>
+    </dgm:style>
+  </dgm:styleLbl>
+  <dgm:styleLbl name="dkBgShp">
+    <dgm:scene3d>
+      <a:camera prst="orthographicFront"/>
+      <a:lightRig rig="threePt" dir="t"/>
+    </dgm:scene3d>
+    <dgm:sp3d/>
+    <dgm:txPr/>
+    <dgm:style>
+      <a:lnRef idx="0">
+        <a:scrgbClr r="0" g="0" b="0"/>
+      </a:lnRef>
+      <a:fillRef idx="1">
+        <a:scrgbClr r="0" g="0" b="0"/>
+      </a:fillRef>
+      <a:effectRef idx="0">
+        <a:scrgbClr r="0" g="0" b="0"/>
+      </a:effectRef>
+      <a:fontRef idx="minor"/>
+    </dgm:style>
+  </dgm:styleLbl>
+  <dgm:styleLbl name="trBgShp">
+    <dgm:scene3d>
+      <a:camera prst="orthographicFront"/>
+      <a:lightRig rig="threePt" dir="t"/>
+    </dgm:scene3d>
+    <dgm:sp3d/>
+    <dgm:txPr/>
+    <dgm:style>
+      <a:lnRef idx="0">
+        <a:scrgbClr r="0" g="0" b="0"/>
+      </a:lnRef>
+      <a:fillRef idx="1">
+        <a:scrgbClr r="0" g="0" b="0"/>
+      </a:fillRef>
+      <a:effectRef idx="0">
+        <a:scrgbClr r="0" g="0" b="0"/>
+      </a:effectRef>
+      <a:fontRef idx="minor"/>
+    </dgm:style>
+  </dgm:styleLbl>
+  <dgm:styleLbl name="fgShp">
+    <dgm:scene3d>
+      <a:camera prst="orthographicFront"/>
+      <a:lightRig rig="threePt" dir="t"/>
+    </dgm:scene3d>
+    <dgm:sp3d/>
+    <dgm:txPr/>
+    <dgm:style>
+      <a:lnRef idx="2">
+        <a:scrgbClr r="0" g="0" b="0"/>
+      </a:lnRef>
+      <a:fillRef idx="1">
+        <a:scrgbClr r="0" g="0" b="0"/>
+      </a:fillRef>
+      <a:effectRef idx="0">
+        <a:scrgbClr r="0" g="0" b="0"/>
+      </a:effectRef>
+      <a:fontRef idx="minor"/>
+    </dgm:style>
+  </dgm:styleLbl>
+  <dgm:styleLbl name="revTx">
+    <dgm:scene3d>
+      <a:camera prst="orthographicFront"/>
+      <a:lightRig rig="threePt" dir="t"/>
+    </dgm:scene3d>
+    <dgm:sp3d/>
+    <dgm:txPr/>
+    <dgm:style>
+      <a:lnRef idx="0">
+        <a:scrgbClr r="0" g="0" b="0"/>
+      </a:lnRef>
+      <a:fillRef idx="0">
+        <a:scrgbClr r="0" g="0" b="0"/>
+      </a:fillRef>
+      <a:effectRef idx="0">
+        <a:scrgbClr r="0" g="0" b="0"/>
+      </a:effectRef>
+      <a:fontRef idx="minor"/>
+    </dgm:style>
+  </dgm:styleLbl>
+</dgm:styleDef>
 </file>
 
 <file path=ppt/slideLayouts/slideLayout1.xml><?xml version="1.0" encoding="utf-8"?>
@@ -259,7 +2862,7 @@
           <a:p>
             <a:fld id="{7C6EC770-526E-4382-AA53-C8DD544D1766}" type="datetimeFigureOut">
               <a:rPr lang="ko-KR" altLang="en-US" smtClean="0"/>
-              <a:t>2021-04-30</a:t>
+              <a:t>2021-05-06</a:t>
             </a:fld>
             <a:endParaRPr lang="ko-KR" altLang="en-US"/>
           </a:p>
@@ -457,7 +3060,7 @@
           <a:p>
             <a:fld id="{7C6EC770-526E-4382-AA53-C8DD544D1766}" type="datetimeFigureOut">
               <a:rPr lang="ko-KR" altLang="en-US" smtClean="0"/>
-              <a:t>2021-04-30</a:t>
+              <a:t>2021-05-06</a:t>
             </a:fld>
             <a:endParaRPr lang="ko-KR" altLang="en-US"/>
           </a:p>
@@ -665,7 +3268,7 @@
           <a:p>
             <a:fld id="{7C6EC770-526E-4382-AA53-C8DD544D1766}" type="datetimeFigureOut">
               <a:rPr lang="ko-KR" altLang="en-US" smtClean="0"/>
-              <a:t>2021-04-30</a:t>
+              <a:t>2021-05-06</a:t>
             </a:fld>
             <a:endParaRPr lang="ko-KR" altLang="en-US"/>
           </a:p>
@@ -863,7 +3466,7 @@
           <a:p>
             <a:fld id="{7C6EC770-526E-4382-AA53-C8DD544D1766}" type="datetimeFigureOut">
               <a:rPr lang="ko-KR" altLang="en-US" smtClean="0"/>
-              <a:t>2021-04-30</a:t>
+              <a:t>2021-05-06</a:t>
             </a:fld>
             <a:endParaRPr lang="ko-KR" altLang="en-US"/>
           </a:p>
@@ -1138,7 +3741,7 @@
           <a:p>
             <a:fld id="{7C6EC770-526E-4382-AA53-C8DD544D1766}" type="datetimeFigureOut">
               <a:rPr lang="ko-KR" altLang="en-US" smtClean="0"/>
-              <a:t>2021-04-30</a:t>
+              <a:t>2021-05-06</a:t>
             </a:fld>
             <a:endParaRPr lang="ko-KR" altLang="en-US"/>
           </a:p>
@@ -1403,7 +4006,7 @@
           <a:p>
             <a:fld id="{7C6EC770-526E-4382-AA53-C8DD544D1766}" type="datetimeFigureOut">
               <a:rPr lang="ko-KR" altLang="en-US" smtClean="0"/>
-              <a:t>2021-04-30</a:t>
+              <a:t>2021-05-06</a:t>
             </a:fld>
             <a:endParaRPr lang="ko-KR" altLang="en-US"/>
           </a:p>
@@ -1815,7 +4418,7 @@
           <a:p>
             <a:fld id="{7C6EC770-526E-4382-AA53-C8DD544D1766}" type="datetimeFigureOut">
               <a:rPr lang="ko-KR" altLang="en-US" smtClean="0"/>
-              <a:t>2021-04-30</a:t>
+              <a:t>2021-05-06</a:t>
             </a:fld>
             <a:endParaRPr lang="ko-KR" altLang="en-US"/>
           </a:p>
@@ -1956,7 +4559,7 @@
           <a:p>
             <a:fld id="{7C6EC770-526E-4382-AA53-C8DD544D1766}" type="datetimeFigureOut">
               <a:rPr lang="ko-KR" altLang="en-US" smtClean="0"/>
-              <a:t>2021-04-30</a:t>
+              <a:t>2021-05-06</a:t>
             </a:fld>
             <a:endParaRPr lang="ko-KR" altLang="en-US"/>
           </a:p>
@@ -2069,7 +4672,7 @@
           <a:p>
             <a:fld id="{7C6EC770-526E-4382-AA53-C8DD544D1766}" type="datetimeFigureOut">
               <a:rPr lang="ko-KR" altLang="en-US" smtClean="0"/>
-              <a:t>2021-04-30</a:t>
+              <a:t>2021-05-06</a:t>
             </a:fld>
             <a:endParaRPr lang="ko-KR" altLang="en-US"/>
           </a:p>
@@ -2380,7 +4983,7 @@
           <a:p>
             <a:fld id="{7C6EC770-526E-4382-AA53-C8DD544D1766}" type="datetimeFigureOut">
               <a:rPr lang="ko-KR" altLang="en-US" smtClean="0"/>
-              <a:t>2021-04-30</a:t>
+              <a:t>2021-05-06</a:t>
             </a:fld>
             <a:endParaRPr lang="ko-KR" altLang="en-US"/>
           </a:p>
@@ -2668,7 +5271,7 @@
           <a:p>
             <a:fld id="{7C6EC770-526E-4382-AA53-C8DD544D1766}" type="datetimeFigureOut">
               <a:rPr lang="ko-KR" altLang="en-US" smtClean="0"/>
-              <a:t>2021-04-30</a:t>
+              <a:t>2021-05-06</a:t>
             </a:fld>
             <a:endParaRPr lang="ko-KR" altLang="en-US"/>
           </a:p>
@@ -2909,7 +5512,7 @@
           <a:p>
             <a:fld id="{7C6EC770-526E-4382-AA53-C8DD544D1766}" type="datetimeFigureOut">
               <a:rPr lang="ko-KR" altLang="en-US" smtClean="0"/>
-              <a:t>2021-04-30</a:t>
+              <a:t>2021-05-06</a:t>
             </a:fld>
             <a:endParaRPr lang="ko-KR" altLang="en-US"/>
           </a:p>
@@ -3356,7 +5959,7 @@
             </a:br>
             <a:r>
               <a:rPr lang="ko-KR" altLang="en-US" sz="3200" dirty="0"/>
-              <a:t>기말프로젝트 기획</a:t>
+              <a:t>기말프로젝트 기획서</a:t>
             </a:r>
             <a:endParaRPr lang="ko-KR" altLang="en-US" dirty="0"/>
           </a:p>
@@ -3398,23 +6001,37 @@
           <a:p>
             <a:r>
               <a:rPr lang="en-US" altLang="ko-KR" dirty="0"/>
+              <a:t>2019182014 </a:t>
+            </a:r>
+            <a:r>
+              <a:rPr lang="ko-KR" altLang="en-US" dirty="0" err="1"/>
+              <a:t>김휘수</a:t>
+            </a:r>
+            <a:endParaRPr lang="en-US" altLang="ko-KR" dirty="0"/>
+          </a:p>
+          <a:p>
+            <a:r>
+              <a:rPr lang="en-US" altLang="ko-KR" dirty="0"/>
               <a:t>2016180007 </a:t>
             </a:r>
             <a:r>
               <a:rPr lang="ko-KR" altLang="en-US" dirty="0"/>
               <a:t>김명규</a:t>
             </a:r>
-            <a:endParaRPr lang="en-US" altLang="ko-KR" dirty="0"/>
-          </a:p>
-          <a:p>
             <a:r>
               <a:rPr lang="en-US" altLang="ko-KR" dirty="0"/>
-              <a:t>2019182014 </a:t>
-            </a:r>
-            <a:r>
-              <a:rPr lang="ko-KR" altLang="en-US" dirty="0" err="1"/>
-              <a:t>김휘수</a:t>
-            </a:r>
+              <a:t>(</a:t>
+            </a:r>
+            <a:r>
+              <a:rPr lang="ko-KR" altLang="en-US" dirty="0"/>
+              <a:t>팀장</a:t>
+            </a:r>
+            <a:r>
+              <a:rPr lang="en-US" altLang="ko-KR" dirty="0"/>
+              <a:t>) 010-2682-6510</a:t>
+            </a:r>
+          </a:p>
+          <a:p>
             <a:endParaRPr lang="en-US" altLang="ko-KR" dirty="0"/>
           </a:p>
         </p:txBody>
@@ -3435,6 +6052,386 @@
 <file path=ppt/slides/slide2.xml><?xml version="1.0" encoding="utf-8"?>
 <p:sld xmlns:a="http://schemas.openxmlformats.org/drawingml/2006/main" xmlns:r="http://schemas.openxmlformats.org/officeDocument/2006/relationships" xmlns:p="http://schemas.openxmlformats.org/presentationml/2006/main">
   <p:cSld>
+    <p:bg>
+      <p:bgPr>
+        <a:solidFill>
+          <a:schemeClr val="bg1">
+            <a:tint val="95000"/>
+            <a:satMod val="170000"/>
+          </a:schemeClr>
+        </a:solidFill>
+        <a:effectLst/>
+      </p:bgPr>
+    </p:bg>
+    <p:spTree>
+      <p:nvGrpSpPr>
+        <p:cNvPr id="1" name=""/>
+        <p:cNvGrpSpPr/>
+        <p:nvPr/>
+      </p:nvGrpSpPr>
+      <p:grpSpPr>
+        <a:xfrm>
+          <a:off x="0" y="0"/>
+          <a:ext cx="0" cy="0"/>
+          <a:chOff x="0" y="0"/>
+          <a:chExt cx="0" cy="0"/>
+        </a:xfrm>
+      </p:grpSpPr>
+      <p:pic>
+        <p:nvPicPr>
+          <p:cNvPr id="1026" name="Picture 2" descr="ClassicUI - Addons - World of Warcraft - CurseForge">
+            <a:extLst>
+              <a:ext uri="{FF2B5EF4-FFF2-40B4-BE49-F238E27FC236}">
+                <a16:creationId xmlns:a16="http://schemas.microsoft.com/office/drawing/2014/main" id="{151E4F59-4F01-43B2-9545-C7E9A44A6D44}"/>
+              </a:ext>
+            </a:extLst>
+          </p:cNvPr>
+          <p:cNvPicPr>
+            <a:picLocks noGrp="1" noChangeAspect="1" noChangeArrowheads="1"/>
+          </p:cNvPicPr>
+          <p:nvPr>
+            <p:ph sz="half" idx="1"/>
+          </p:nvPr>
+        </p:nvPicPr>
+        <p:blipFill rotWithShape="1">
+          <a:blip r:embed="rId2">
+            <a:extLst>
+              <a:ext uri="{28A0092B-C50C-407E-A947-70E740481C1C}">
+                <a14:useLocalDpi xmlns:a14="http://schemas.microsoft.com/office/drawing/2010/main" val="0"/>
+              </a:ext>
+            </a:extLst>
+          </a:blip>
+          <a:srcRect l="25"/>
+          <a:stretch/>
+        </p:blipFill>
+        <p:spPr bwMode="auto">
+          <a:xfrm>
+            <a:off x="20" y="10"/>
+            <a:ext cx="12188932" cy="6857990"/>
+          </a:xfrm>
+          <a:prstGeom prst="rect">
+            <a:avLst/>
+          </a:prstGeom>
+          <a:noFill/>
+          <a:extLst>
+            <a:ext uri="{909E8E84-426E-40DD-AFC4-6F175D3DCCD1}">
+              <a14:hiddenFill xmlns:a14="http://schemas.microsoft.com/office/drawing/2010/main">
+                <a:solidFill>
+                  <a:srgbClr val="FFFFFF"/>
+                </a:solidFill>
+              </a14:hiddenFill>
+            </a:ext>
+          </a:extLst>
+        </p:spPr>
+      </p:pic>
+      <p:sp>
+        <p:nvSpPr>
+          <p:cNvPr id="71" name="Freeform: Shape 70">
+            <a:extLst>
+              <a:ext uri="{FF2B5EF4-FFF2-40B4-BE49-F238E27FC236}">
+                <a16:creationId xmlns:a16="http://schemas.microsoft.com/office/drawing/2014/main" id="{5E8D2E83-FB3A-40E7-A9E5-7AB389D612B4}"/>
+              </a:ext>
+              <a:ext uri="{C183D7F6-B498-43B3-948B-1728B52AA6E4}">
+                <adec:decorative xmlns:adec="http://schemas.microsoft.com/office/drawing/2017/decorative" val="1"/>
+              </a:ext>
+            </a:extLst>
+          </p:cNvPr>
+          <p:cNvSpPr>
+            <a:spLocks noGrp="1" noRot="1" noChangeAspect="1" noMove="1" noResize="1" noEditPoints="1" noAdjustHandles="1" noChangeArrowheads="1" noChangeShapeType="1" noTextEdit="1"/>
+          </p:cNvSpPr>
+          <p:nvPr>
+            <p:extLst>
+              <p:ext uri="{386F3935-93C4-4BCD-93E2-E3B085C9AB24}">
+                <p16:designElem xmlns:p16="http://schemas.microsoft.com/office/powerpoint/2015/main" val="1"/>
+              </p:ext>
+            </p:extLst>
+          </p:nvPr>
+        </p:nvSpPr>
+        <p:spPr>
+          <a:xfrm>
+            <a:off x="0" y="4023809"/>
+            <a:ext cx="11016943" cy="2262375"/>
+          </a:xfrm>
+          <a:custGeom>
+            <a:avLst/>
+            <a:gdLst>
+              <a:gd name="connsiteX0" fmla="*/ 0 w 11016943"/>
+              <a:gd name="connsiteY0" fmla="*/ 0 h 2262375"/>
+              <a:gd name="connsiteX1" fmla="*/ 9969166 w 11016943"/>
+              <a:gd name="connsiteY1" fmla="*/ 0 h 2262375"/>
+              <a:gd name="connsiteX2" fmla="*/ 11016943 w 11016943"/>
+              <a:gd name="connsiteY2" fmla="*/ 2262375 h 2262375"/>
+              <a:gd name="connsiteX3" fmla="*/ 4942050 w 11016943"/>
+              <a:gd name="connsiteY3" fmla="*/ 2262375 h 2262375"/>
+              <a:gd name="connsiteX4" fmla="*/ 4582160 w 11016943"/>
+              <a:gd name="connsiteY4" fmla="*/ 2262375 h 2262375"/>
+              <a:gd name="connsiteX5" fmla="*/ 0 w 11016943"/>
+              <a:gd name="connsiteY5" fmla="*/ 2262375 h 2262375"/>
+            </a:gdLst>
+            <a:ahLst/>
+            <a:cxnLst>
+              <a:cxn ang="0">
+                <a:pos x="connsiteX0" y="connsiteY0"/>
+              </a:cxn>
+              <a:cxn ang="0">
+                <a:pos x="connsiteX1" y="connsiteY1"/>
+              </a:cxn>
+              <a:cxn ang="0">
+                <a:pos x="connsiteX2" y="connsiteY2"/>
+              </a:cxn>
+              <a:cxn ang="0">
+                <a:pos x="connsiteX3" y="connsiteY3"/>
+              </a:cxn>
+              <a:cxn ang="0">
+                <a:pos x="connsiteX4" y="connsiteY4"/>
+              </a:cxn>
+              <a:cxn ang="0">
+                <a:pos x="connsiteX5" y="connsiteY5"/>
+              </a:cxn>
+            </a:cxnLst>
+            <a:rect l="l" t="t" r="r" b="b"/>
+            <a:pathLst>
+              <a:path w="11016943" h="2262375">
+                <a:moveTo>
+                  <a:pt x="0" y="0"/>
+                </a:moveTo>
+                <a:lnTo>
+                  <a:pt x="9969166" y="0"/>
+                </a:lnTo>
+                <a:lnTo>
+                  <a:pt x="11016943" y="2262375"/>
+                </a:lnTo>
+                <a:lnTo>
+                  <a:pt x="4942050" y="2262375"/>
+                </a:lnTo>
+                <a:lnTo>
+                  <a:pt x="4582160" y="2262375"/>
+                </a:lnTo>
+                <a:lnTo>
+                  <a:pt x="0" y="2262375"/>
+                </a:lnTo>
+                <a:close/>
+              </a:path>
+            </a:pathLst>
+          </a:custGeom>
+          <a:solidFill>
+            <a:schemeClr val="bg1">
+              <a:lumMod val="85000"/>
+              <a:lumOff val="15000"/>
+              <a:alpha val="88000"/>
+            </a:schemeClr>
+          </a:solidFill>
+          <a:ln>
+            <a:noFill/>
+          </a:ln>
+        </p:spPr>
+        <p:style>
+          <a:lnRef idx="2">
+            <a:schemeClr val="accent1">
+              <a:shade val="50000"/>
+            </a:schemeClr>
+          </a:lnRef>
+          <a:fillRef idx="1">
+            <a:schemeClr val="accent1"/>
+          </a:fillRef>
+          <a:effectRef idx="0">
+            <a:schemeClr val="accent1"/>
+          </a:effectRef>
+          <a:fontRef idx="minor">
+            <a:schemeClr val="lt1"/>
+          </a:fontRef>
+        </p:style>
+        <p:txBody>
+          <a:bodyPr wrap="square" rtlCol="0" anchor="ctr">
+            <a:noAutofit/>
+          </a:bodyPr>
+          <a:lstStyle/>
+          <a:p>
+            <a:pPr algn="ctr"/>
+            <a:endParaRPr lang="en-US"/>
+          </a:p>
+        </p:txBody>
+      </p:sp>
+      <p:sp>
+        <p:nvSpPr>
+          <p:cNvPr id="2" name="제목 1">
+            <a:extLst>
+              <a:ext uri="{FF2B5EF4-FFF2-40B4-BE49-F238E27FC236}">
+                <a16:creationId xmlns:a16="http://schemas.microsoft.com/office/drawing/2014/main" id="{90C87836-3E0B-44E2-92F0-BC069282AA32}"/>
+              </a:ext>
+            </a:extLst>
+          </p:cNvPr>
+          <p:cNvSpPr>
+            <a:spLocks noGrp="1"/>
+          </p:cNvSpPr>
+          <p:nvPr>
+            <p:ph type="title"/>
+          </p:nvPr>
+        </p:nvSpPr>
+        <p:spPr>
+          <a:xfrm>
+            <a:off x="618062" y="4185749"/>
+            <a:ext cx="9265771" cy="622836"/>
+          </a:xfrm>
+        </p:spPr>
+        <p:txBody>
+          <a:bodyPr vert="horz" lIns="91440" tIns="45720" rIns="91440" bIns="45720" rtlCol="0" anchor="ctr">
+            <a:normAutofit/>
+          </a:bodyPr>
+          <a:lstStyle/>
+          <a:p>
+            <a:pPr latinLnBrk="0"/>
+            <a:r>
+              <a:rPr lang="en-US" altLang="ko-KR" sz="3600" dirty="0"/>
+              <a:t>1. MMORPG UI </a:t>
+            </a:r>
+            <a:r>
+              <a:rPr lang="ko-KR" altLang="en-US" sz="3600" dirty="0"/>
+              <a:t>문제점 파악</a:t>
+            </a:r>
+          </a:p>
+        </p:txBody>
+      </p:sp>
+      <p:sp>
+        <p:nvSpPr>
+          <p:cNvPr id="5" name="내용 개체 틀 4">
+            <a:extLst>
+              <a:ext uri="{FF2B5EF4-FFF2-40B4-BE49-F238E27FC236}">
+                <a16:creationId xmlns:a16="http://schemas.microsoft.com/office/drawing/2014/main" id="{E9D48948-4403-4E6F-843F-40E06FF93197}"/>
+              </a:ext>
+            </a:extLst>
+          </p:cNvPr>
+          <p:cNvSpPr>
+            <a:spLocks noGrp="1"/>
+          </p:cNvSpPr>
+          <p:nvPr>
+            <p:ph sz="half" idx="2"/>
+          </p:nvPr>
+        </p:nvSpPr>
+        <p:spPr>
+          <a:xfrm>
+            <a:off x="618063" y="4856921"/>
+            <a:ext cx="9565028" cy="1249240"/>
+          </a:xfrm>
+        </p:spPr>
+        <p:txBody>
+          <a:bodyPr vert="horz" lIns="91440" tIns="45720" rIns="91440" bIns="45720" rtlCol="0">
+            <a:normAutofit/>
+          </a:bodyPr>
+          <a:lstStyle/>
+          <a:p>
+            <a:pPr marL="0" indent="0" latinLnBrk="0">
+              <a:buNone/>
+            </a:pPr>
+            <a:r>
+              <a:rPr lang="en-US" altLang="ko-KR" sz="1400" dirty="0"/>
+              <a:t>WOW</a:t>
+            </a:r>
+            <a:r>
+              <a:rPr lang="ko-KR" altLang="en-US" sz="1400" dirty="0"/>
+              <a:t>의 스킬 </a:t>
+            </a:r>
+            <a:r>
+              <a:rPr lang="en-US" altLang="ko-KR" sz="1400" dirty="0"/>
+              <a:t>UI</a:t>
+            </a:r>
+            <a:r>
+              <a:rPr lang="ko-KR" altLang="en-US" sz="1400" dirty="0"/>
+              <a:t> 문제점에 대하여</a:t>
+            </a:r>
+            <a:r>
+              <a:rPr lang="en-US" altLang="ko-KR" sz="1400" dirty="0"/>
+              <a:t>…</a:t>
+            </a:r>
+          </a:p>
+          <a:p>
+            <a:pPr marL="0" latinLnBrk="0"/>
+            <a:r>
+              <a:rPr lang="ko-KR" altLang="en-US" sz="1050" dirty="0"/>
+              <a:t>사용하는 스킬이 많지만 스킬 아이콘은 작고 </a:t>
+            </a:r>
+            <a:r>
+              <a:rPr lang="en-US" altLang="ko-KR" sz="1050" dirty="0"/>
+              <a:t>UI</a:t>
+            </a:r>
+            <a:r>
+              <a:rPr lang="ko-KR" altLang="en-US" sz="1050" dirty="0"/>
+              <a:t>가 아래에 치우쳐 있어 전투를 진행하면서 스킬의 재사용 대기시간을 확인하기 어렵다</a:t>
+            </a:r>
+            <a:r>
+              <a:rPr lang="en-US" altLang="ko-KR" sz="1050" dirty="0"/>
+              <a:t>.</a:t>
+            </a:r>
+          </a:p>
+          <a:p>
+            <a:pPr marL="0" latinLnBrk="0"/>
+            <a:r>
+              <a:rPr lang="ko-KR" altLang="en-US" sz="1050" dirty="0"/>
+              <a:t>버프</a:t>
+            </a:r>
+            <a:r>
+              <a:rPr lang="en-US" altLang="ko-KR" sz="1050" dirty="0"/>
+              <a:t>/</a:t>
+            </a:r>
+            <a:r>
+              <a:rPr lang="ko-KR" altLang="en-US" sz="1050" dirty="0" err="1"/>
+              <a:t>디버프가</a:t>
+            </a:r>
+            <a:r>
+              <a:rPr lang="ko-KR" altLang="en-US" sz="1050" dirty="0"/>
+              <a:t> 화면 우상단에 작게 표시되기에 유저가 인지하기 쉽지 않다</a:t>
+            </a:r>
+            <a:r>
+              <a:rPr lang="en-US" altLang="ko-KR" sz="1050" dirty="0"/>
+              <a:t>.</a:t>
+            </a:r>
+          </a:p>
+          <a:p>
+            <a:pPr marL="0" latinLnBrk="0"/>
+            <a:endParaRPr lang="en-US" altLang="ko-KR" sz="900" dirty="0"/>
+          </a:p>
+          <a:p>
+            <a:pPr latinLnBrk="0"/>
+            <a:endParaRPr lang="en-US" altLang="ko-KR" sz="900" dirty="0"/>
+          </a:p>
+          <a:p>
+            <a:pPr latinLnBrk="0"/>
+            <a:endParaRPr lang="en-US" altLang="ko-KR" sz="900" dirty="0"/>
+          </a:p>
+          <a:p>
+            <a:pPr latinLnBrk="0"/>
+            <a:endParaRPr lang="en-US" altLang="ko-KR" sz="900" dirty="0"/>
+          </a:p>
+          <a:p>
+            <a:pPr marL="0" latinLnBrk="0"/>
+            <a:endParaRPr lang="en-US" altLang="ko-KR" sz="900" dirty="0"/>
+          </a:p>
+        </p:txBody>
+      </p:sp>
+    </p:spTree>
+    <p:extLst>
+      <p:ext uri="{BB962C8B-B14F-4D97-AF65-F5344CB8AC3E}">
+        <p14:creationId xmlns:p14="http://schemas.microsoft.com/office/powerpoint/2010/main" val="44314881"/>
+      </p:ext>
+    </p:extLst>
+  </p:cSld>
+  <p:clrMapOvr>
+    <a:overrideClrMapping bg1="dk1" tx1="lt1" bg2="dk2" tx2="lt2" accent1="accent1" accent2="accent2" accent3="accent3" accent4="accent4" accent5="accent5" accent6="accent6" hlink="hlink" folHlink="folHlink"/>
+  </p:clrMapOvr>
+</p:sld>
+</file>
+
+<file path=ppt/slides/slide3.xml><?xml version="1.0" encoding="utf-8"?>
+<p:sld xmlns:a="http://schemas.openxmlformats.org/drawingml/2006/main" xmlns:r="http://schemas.openxmlformats.org/officeDocument/2006/relationships" xmlns:p="http://schemas.openxmlformats.org/presentationml/2006/main">
+  <p:cSld>
+    <p:bg>
+      <p:bgPr>
+        <a:solidFill>
+          <a:schemeClr val="bg1"/>
+        </a:solidFill>
+        <a:effectLst/>
+      </p:bgPr>
+    </p:bg>
     <p:spTree>
       <p:nvGrpSpPr>
         <p:cNvPr id="1" name=""/>
@@ -3451,10 +6448,491 @@
       </p:grpSpPr>
       <p:sp>
         <p:nvSpPr>
+          <p:cNvPr id="9" name="Freeform: Shape 8">
+            <a:extLst>
+              <a:ext uri="{FF2B5EF4-FFF2-40B4-BE49-F238E27FC236}">
+                <a16:creationId xmlns:a16="http://schemas.microsoft.com/office/drawing/2014/main" id="{46C2E80F-49A6-4372-B103-219D417A55ED}"/>
+              </a:ext>
+              <a:ext uri="{C183D7F6-B498-43B3-948B-1728B52AA6E4}">
+                <adec:decorative xmlns:adec="http://schemas.microsoft.com/office/drawing/2017/decorative" val="1"/>
+              </a:ext>
+            </a:extLst>
+          </p:cNvPr>
+          <p:cNvSpPr>
+            <a:spLocks noGrp="1" noRot="1" noChangeAspect="1" noMove="1" noResize="1" noEditPoints="1" noAdjustHandles="1" noChangeArrowheads="1" noChangeShapeType="1" noTextEdit="1"/>
+          </p:cNvSpPr>
+          <p:nvPr>
+            <p:extLst>
+              <p:ext uri="{386F3935-93C4-4BCD-93E2-E3B085C9AB24}">
+                <p16:designElem xmlns:p16="http://schemas.microsoft.com/office/powerpoint/2015/main" val="1"/>
+              </p:ext>
+            </p:extLst>
+          </p:nvPr>
+        </p:nvSpPr>
+        <p:spPr>
+          <a:xfrm>
+            <a:off x="484096" y="470925"/>
+            <a:ext cx="4381009" cy="5892104"/>
+          </a:xfrm>
+          <a:custGeom>
+            <a:avLst/>
+            <a:gdLst>
+              <a:gd name="connsiteX0" fmla="*/ 0 w 4381009"/>
+              <a:gd name="connsiteY0" fmla="*/ 0 h 5892104"/>
+              <a:gd name="connsiteX1" fmla="*/ 4157628 w 4381009"/>
+              <a:gd name="connsiteY1" fmla="*/ 0 h 5892104"/>
+              <a:gd name="connsiteX2" fmla="*/ 4169302 w 4381009"/>
+              <a:gd name="connsiteY2" fmla="*/ 68659 h 5892104"/>
+              <a:gd name="connsiteX3" fmla="*/ 4191571 w 4381009"/>
+              <a:gd name="connsiteY3" fmla="*/ 205472 h 5892104"/>
+              <a:gd name="connsiteX4" fmla="*/ 4213368 w 4381009"/>
+              <a:gd name="connsiteY4" fmla="*/ 342890 h 5892104"/>
+              <a:gd name="connsiteX5" fmla="*/ 4232030 w 4381009"/>
+              <a:gd name="connsiteY5" fmla="*/ 480913 h 5892104"/>
+              <a:gd name="connsiteX6" fmla="*/ 4250848 w 4381009"/>
+              <a:gd name="connsiteY6" fmla="*/ 618332 h 5892104"/>
+              <a:gd name="connsiteX7" fmla="*/ 4268412 w 4381009"/>
+              <a:gd name="connsiteY7" fmla="*/ 756355 h 5892104"/>
+              <a:gd name="connsiteX8" fmla="*/ 4283467 w 4381009"/>
+              <a:gd name="connsiteY8" fmla="*/ 892563 h 5892104"/>
+              <a:gd name="connsiteX9" fmla="*/ 4297737 w 4381009"/>
+              <a:gd name="connsiteY9" fmla="*/ 1030587 h 5892104"/>
+              <a:gd name="connsiteX10" fmla="*/ 4310754 w 4381009"/>
+              <a:gd name="connsiteY10" fmla="*/ 1168005 h 5892104"/>
+              <a:gd name="connsiteX11" fmla="*/ 4322045 w 4381009"/>
+              <a:gd name="connsiteY11" fmla="*/ 1303002 h 5892104"/>
+              <a:gd name="connsiteX12" fmla="*/ 4333336 w 4381009"/>
+              <a:gd name="connsiteY12" fmla="*/ 1439815 h 5892104"/>
+              <a:gd name="connsiteX13" fmla="*/ 4342745 w 4381009"/>
+              <a:gd name="connsiteY13" fmla="*/ 1574812 h 5892104"/>
+              <a:gd name="connsiteX14" fmla="*/ 4350115 w 4381009"/>
+              <a:gd name="connsiteY14" fmla="*/ 1709808 h 5892104"/>
+              <a:gd name="connsiteX15" fmla="*/ 4357799 w 4381009"/>
+              <a:gd name="connsiteY15" fmla="*/ 1844200 h 5892104"/>
+              <a:gd name="connsiteX16" fmla="*/ 4364229 w 4381009"/>
+              <a:gd name="connsiteY16" fmla="*/ 1977381 h 5892104"/>
+              <a:gd name="connsiteX17" fmla="*/ 4368777 w 4381009"/>
+              <a:gd name="connsiteY17" fmla="*/ 2109351 h 5892104"/>
+              <a:gd name="connsiteX18" fmla="*/ 4372697 w 4381009"/>
+              <a:gd name="connsiteY18" fmla="*/ 2241321 h 5892104"/>
+              <a:gd name="connsiteX19" fmla="*/ 4376461 w 4381009"/>
+              <a:gd name="connsiteY19" fmla="*/ 2372080 h 5892104"/>
+              <a:gd name="connsiteX20" fmla="*/ 4378186 w 4381009"/>
+              <a:gd name="connsiteY20" fmla="*/ 2501023 h 5892104"/>
+              <a:gd name="connsiteX21" fmla="*/ 4380068 w 4381009"/>
+              <a:gd name="connsiteY21" fmla="*/ 2629966 h 5892104"/>
+              <a:gd name="connsiteX22" fmla="*/ 4381009 w 4381009"/>
+              <a:gd name="connsiteY22" fmla="*/ 2757093 h 5892104"/>
+              <a:gd name="connsiteX23" fmla="*/ 4380068 w 4381009"/>
+              <a:gd name="connsiteY23" fmla="*/ 2883010 h 5892104"/>
+              <a:gd name="connsiteX24" fmla="*/ 4380068 w 4381009"/>
+              <a:gd name="connsiteY24" fmla="*/ 3007715 h 5892104"/>
+              <a:gd name="connsiteX25" fmla="*/ 4378186 w 4381009"/>
+              <a:gd name="connsiteY25" fmla="*/ 3131210 h 5892104"/>
+              <a:gd name="connsiteX26" fmla="*/ 4375363 w 4381009"/>
+              <a:gd name="connsiteY26" fmla="*/ 3252283 h 5892104"/>
+              <a:gd name="connsiteX27" fmla="*/ 4372697 w 4381009"/>
+              <a:gd name="connsiteY27" fmla="*/ 3372146 h 5892104"/>
+              <a:gd name="connsiteX28" fmla="*/ 4369718 w 4381009"/>
+              <a:gd name="connsiteY28" fmla="*/ 3489587 h 5892104"/>
+              <a:gd name="connsiteX29" fmla="*/ 4365170 w 4381009"/>
+              <a:gd name="connsiteY29" fmla="*/ 3606423 h 5892104"/>
+              <a:gd name="connsiteX30" fmla="*/ 4360309 w 4381009"/>
+              <a:gd name="connsiteY30" fmla="*/ 3721443 h 5892104"/>
+              <a:gd name="connsiteX31" fmla="*/ 4355918 w 4381009"/>
+              <a:gd name="connsiteY31" fmla="*/ 3834041 h 5892104"/>
+              <a:gd name="connsiteX32" fmla="*/ 4343529 w 4381009"/>
+              <a:gd name="connsiteY32" fmla="*/ 4053789 h 5892104"/>
+              <a:gd name="connsiteX33" fmla="*/ 4330356 w 4381009"/>
+              <a:gd name="connsiteY33" fmla="*/ 4264457 h 5892104"/>
+              <a:gd name="connsiteX34" fmla="*/ 4316556 w 4381009"/>
+              <a:gd name="connsiteY34" fmla="*/ 4466650 h 5892104"/>
+              <a:gd name="connsiteX35" fmla="*/ 4301344 w 4381009"/>
+              <a:gd name="connsiteY35" fmla="*/ 4657946 h 5892104"/>
+              <a:gd name="connsiteX36" fmla="*/ 4285506 w 4381009"/>
+              <a:gd name="connsiteY36" fmla="*/ 4840767 h 5892104"/>
+              <a:gd name="connsiteX37" fmla="*/ 4268412 w 4381009"/>
+              <a:gd name="connsiteY37" fmla="*/ 5010269 h 5892104"/>
+              <a:gd name="connsiteX38" fmla="*/ 4251633 w 4381009"/>
+              <a:gd name="connsiteY38" fmla="*/ 5169481 h 5892104"/>
+              <a:gd name="connsiteX39" fmla="*/ 4234853 w 4381009"/>
+              <a:gd name="connsiteY39" fmla="*/ 5315980 h 5892104"/>
+              <a:gd name="connsiteX40" fmla="*/ 4219014 w 4381009"/>
+              <a:gd name="connsiteY40" fmla="*/ 5450371 h 5892104"/>
+              <a:gd name="connsiteX41" fmla="*/ 4203959 w 4381009"/>
+              <a:gd name="connsiteY41" fmla="*/ 5569628 h 5892104"/>
+              <a:gd name="connsiteX42" fmla="*/ 4189689 w 4381009"/>
+              <a:gd name="connsiteY42" fmla="*/ 5677384 h 5892104"/>
+              <a:gd name="connsiteX43" fmla="*/ 4177770 w 4381009"/>
+              <a:gd name="connsiteY43" fmla="*/ 5768189 h 5892104"/>
+              <a:gd name="connsiteX44" fmla="*/ 4166479 w 4381009"/>
+              <a:gd name="connsiteY44" fmla="*/ 5844465 h 5892104"/>
+              <a:gd name="connsiteX45" fmla="*/ 4159132 w 4381009"/>
+              <a:gd name="connsiteY45" fmla="*/ 5892104 h 5892104"/>
+              <a:gd name="connsiteX46" fmla="*/ 0 w 4381009"/>
+              <a:gd name="connsiteY46" fmla="*/ 5892104 h 5892104"/>
+            </a:gdLst>
+            <a:ahLst/>
+            <a:cxnLst>
+              <a:cxn ang="0">
+                <a:pos x="connsiteX0" y="connsiteY0"/>
+              </a:cxn>
+              <a:cxn ang="0">
+                <a:pos x="connsiteX1" y="connsiteY1"/>
+              </a:cxn>
+              <a:cxn ang="0">
+                <a:pos x="connsiteX2" y="connsiteY2"/>
+              </a:cxn>
+              <a:cxn ang="0">
+                <a:pos x="connsiteX3" y="connsiteY3"/>
+              </a:cxn>
+              <a:cxn ang="0">
+                <a:pos x="connsiteX4" y="connsiteY4"/>
+              </a:cxn>
+              <a:cxn ang="0">
+                <a:pos x="connsiteX5" y="connsiteY5"/>
+              </a:cxn>
+              <a:cxn ang="0">
+                <a:pos x="connsiteX6" y="connsiteY6"/>
+              </a:cxn>
+              <a:cxn ang="0">
+                <a:pos x="connsiteX7" y="connsiteY7"/>
+              </a:cxn>
+              <a:cxn ang="0">
+                <a:pos x="connsiteX8" y="connsiteY8"/>
+              </a:cxn>
+              <a:cxn ang="0">
+                <a:pos x="connsiteX9" y="connsiteY9"/>
+              </a:cxn>
+              <a:cxn ang="0">
+                <a:pos x="connsiteX10" y="connsiteY10"/>
+              </a:cxn>
+              <a:cxn ang="0">
+                <a:pos x="connsiteX11" y="connsiteY11"/>
+              </a:cxn>
+              <a:cxn ang="0">
+                <a:pos x="connsiteX12" y="connsiteY12"/>
+              </a:cxn>
+              <a:cxn ang="0">
+                <a:pos x="connsiteX13" y="connsiteY13"/>
+              </a:cxn>
+              <a:cxn ang="0">
+                <a:pos x="connsiteX14" y="connsiteY14"/>
+              </a:cxn>
+              <a:cxn ang="0">
+                <a:pos x="connsiteX15" y="connsiteY15"/>
+              </a:cxn>
+              <a:cxn ang="0">
+                <a:pos x="connsiteX16" y="connsiteY16"/>
+              </a:cxn>
+              <a:cxn ang="0">
+                <a:pos x="connsiteX17" y="connsiteY17"/>
+              </a:cxn>
+              <a:cxn ang="0">
+                <a:pos x="connsiteX18" y="connsiteY18"/>
+              </a:cxn>
+              <a:cxn ang="0">
+                <a:pos x="connsiteX19" y="connsiteY19"/>
+              </a:cxn>
+              <a:cxn ang="0">
+                <a:pos x="connsiteX20" y="connsiteY20"/>
+              </a:cxn>
+              <a:cxn ang="0">
+                <a:pos x="connsiteX21" y="connsiteY21"/>
+              </a:cxn>
+              <a:cxn ang="0">
+                <a:pos x="connsiteX22" y="connsiteY22"/>
+              </a:cxn>
+              <a:cxn ang="0">
+                <a:pos x="connsiteX23" y="connsiteY23"/>
+              </a:cxn>
+              <a:cxn ang="0">
+                <a:pos x="connsiteX24" y="connsiteY24"/>
+              </a:cxn>
+              <a:cxn ang="0">
+                <a:pos x="connsiteX25" y="connsiteY25"/>
+              </a:cxn>
+              <a:cxn ang="0">
+                <a:pos x="connsiteX26" y="connsiteY26"/>
+              </a:cxn>
+              <a:cxn ang="0">
+                <a:pos x="connsiteX27" y="connsiteY27"/>
+              </a:cxn>
+              <a:cxn ang="0">
+                <a:pos x="connsiteX28" y="connsiteY28"/>
+              </a:cxn>
+              <a:cxn ang="0">
+                <a:pos x="connsiteX29" y="connsiteY29"/>
+              </a:cxn>
+              <a:cxn ang="0">
+                <a:pos x="connsiteX30" y="connsiteY30"/>
+              </a:cxn>
+              <a:cxn ang="0">
+                <a:pos x="connsiteX31" y="connsiteY31"/>
+              </a:cxn>
+              <a:cxn ang="0">
+                <a:pos x="connsiteX32" y="connsiteY32"/>
+              </a:cxn>
+              <a:cxn ang="0">
+                <a:pos x="connsiteX33" y="connsiteY33"/>
+              </a:cxn>
+              <a:cxn ang="0">
+                <a:pos x="connsiteX34" y="connsiteY34"/>
+              </a:cxn>
+              <a:cxn ang="0">
+                <a:pos x="connsiteX35" y="connsiteY35"/>
+              </a:cxn>
+              <a:cxn ang="0">
+                <a:pos x="connsiteX36" y="connsiteY36"/>
+              </a:cxn>
+              <a:cxn ang="0">
+                <a:pos x="connsiteX37" y="connsiteY37"/>
+              </a:cxn>
+              <a:cxn ang="0">
+                <a:pos x="connsiteX38" y="connsiteY38"/>
+              </a:cxn>
+              <a:cxn ang="0">
+                <a:pos x="connsiteX39" y="connsiteY39"/>
+              </a:cxn>
+              <a:cxn ang="0">
+                <a:pos x="connsiteX40" y="connsiteY40"/>
+              </a:cxn>
+              <a:cxn ang="0">
+                <a:pos x="connsiteX41" y="connsiteY41"/>
+              </a:cxn>
+              <a:cxn ang="0">
+                <a:pos x="connsiteX42" y="connsiteY42"/>
+              </a:cxn>
+              <a:cxn ang="0">
+                <a:pos x="connsiteX43" y="connsiteY43"/>
+              </a:cxn>
+              <a:cxn ang="0">
+                <a:pos x="connsiteX44" y="connsiteY44"/>
+              </a:cxn>
+              <a:cxn ang="0">
+                <a:pos x="connsiteX45" y="connsiteY45"/>
+              </a:cxn>
+              <a:cxn ang="0">
+                <a:pos x="connsiteX46" y="connsiteY46"/>
+              </a:cxn>
+            </a:cxnLst>
+            <a:rect l="l" t="t" r="r" b="b"/>
+            <a:pathLst>
+              <a:path w="4381009" h="5892104">
+                <a:moveTo>
+                  <a:pt x="0" y="0"/>
+                </a:moveTo>
+                <a:lnTo>
+                  <a:pt x="4157628" y="0"/>
+                </a:lnTo>
+                <a:lnTo>
+                  <a:pt x="4169302" y="68659"/>
+                </a:lnTo>
+                <a:lnTo>
+                  <a:pt x="4191571" y="205472"/>
+                </a:lnTo>
+                <a:lnTo>
+                  <a:pt x="4213368" y="342890"/>
+                </a:lnTo>
+                <a:lnTo>
+                  <a:pt x="4232030" y="480913"/>
+                </a:lnTo>
+                <a:lnTo>
+                  <a:pt x="4250848" y="618332"/>
+                </a:lnTo>
+                <a:lnTo>
+                  <a:pt x="4268412" y="756355"/>
+                </a:lnTo>
+                <a:lnTo>
+                  <a:pt x="4283467" y="892563"/>
+                </a:lnTo>
+                <a:lnTo>
+                  <a:pt x="4297737" y="1030587"/>
+                </a:lnTo>
+                <a:lnTo>
+                  <a:pt x="4310754" y="1168005"/>
+                </a:lnTo>
+                <a:lnTo>
+                  <a:pt x="4322045" y="1303002"/>
+                </a:lnTo>
+                <a:lnTo>
+                  <a:pt x="4333336" y="1439815"/>
+                </a:lnTo>
+                <a:lnTo>
+                  <a:pt x="4342745" y="1574812"/>
+                </a:lnTo>
+                <a:lnTo>
+                  <a:pt x="4350115" y="1709808"/>
+                </a:lnTo>
+                <a:lnTo>
+                  <a:pt x="4357799" y="1844200"/>
+                </a:lnTo>
+                <a:lnTo>
+                  <a:pt x="4364229" y="1977381"/>
+                </a:lnTo>
+                <a:lnTo>
+                  <a:pt x="4368777" y="2109351"/>
+                </a:lnTo>
+                <a:lnTo>
+                  <a:pt x="4372697" y="2241321"/>
+                </a:lnTo>
+                <a:lnTo>
+                  <a:pt x="4376461" y="2372080"/>
+                </a:lnTo>
+                <a:lnTo>
+                  <a:pt x="4378186" y="2501023"/>
+                </a:lnTo>
+                <a:lnTo>
+                  <a:pt x="4380068" y="2629966"/>
+                </a:lnTo>
+                <a:lnTo>
+                  <a:pt x="4381009" y="2757093"/>
+                </a:lnTo>
+                <a:lnTo>
+                  <a:pt x="4380068" y="2883010"/>
+                </a:lnTo>
+                <a:lnTo>
+                  <a:pt x="4380068" y="3007715"/>
+                </a:lnTo>
+                <a:lnTo>
+                  <a:pt x="4378186" y="3131210"/>
+                </a:lnTo>
+                <a:lnTo>
+                  <a:pt x="4375363" y="3252283"/>
+                </a:lnTo>
+                <a:lnTo>
+                  <a:pt x="4372697" y="3372146"/>
+                </a:lnTo>
+                <a:lnTo>
+                  <a:pt x="4369718" y="3489587"/>
+                </a:lnTo>
+                <a:lnTo>
+                  <a:pt x="4365170" y="3606423"/>
+                </a:lnTo>
+                <a:lnTo>
+                  <a:pt x="4360309" y="3721443"/>
+                </a:lnTo>
+                <a:lnTo>
+                  <a:pt x="4355918" y="3834041"/>
+                </a:lnTo>
+                <a:lnTo>
+                  <a:pt x="4343529" y="4053789"/>
+                </a:lnTo>
+                <a:lnTo>
+                  <a:pt x="4330356" y="4264457"/>
+                </a:lnTo>
+                <a:lnTo>
+                  <a:pt x="4316556" y="4466650"/>
+                </a:lnTo>
+                <a:lnTo>
+                  <a:pt x="4301344" y="4657946"/>
+                </a:lnTo>
+                <a:lnTo>
+                  <a:pt x="4285506" y="4840767"/>
+                </a:lnTo>
+                <a:lnTo>
+                  <a:pt x="4268412" y="5010269"/>
+                </a:lnTo>
+                <a:lnTo>
+                  <a:pt x="4251633" y="5169481"/>
+                </a:lnTo>
+                <a:lnTo>
+                  <a:pt x="4234853" y="5315980"/>
+                </a:lnTo>
+                <a:lnTo>
+                  <a:pt x="4219014" y="5450371"/>
+                </a:lnTo>
+                <a:lnTo>
+                  <a:pt x="4203959" y="5569628"/>
+                </a:lnTo>
+                <a:lnTo>
+                  <a:pt x="4189689" y="5677384"/>
+                </a:lnTo>
+                <a:lnTo>
+                  <a:pt x="4177770" y="5768189"/>
+                </a:lnTo>
+                <a:lnTo>
+                  <a:pt x="4166479" y="5844465"/>
+                </a:lnTo>
+                <a:lnTo>
+                  <a:pt x="4159132" y="5892104"/>
+                </a:lnTo>
+                <a:lnTo>
+                  <a:pt x="0" y="5892104"/>
+                </a:lnTo>
+                <a:close/>
+              </a:path>
+            </a:pathLst>
+          </a:custGeom>
+          <a:solidFill>
+            <a:srgbClr val="404040"/>
+          </a:solidFill>
+          <a:ln>
+            <a:noFill/>
+          </a:ln>
+        </p:spPr>
+        <p:style>
+          <a:lnRef idx="2">
+            <a:schemeClr val="accent1">
+              <a:shade val="50000"/>
+            </a:schemeClr>
+          </a:lnRef>
+          <a:fillRef idx="1">
+            <a:schemeClr val="accent1"/>
+          </a:fillRef>
+          <a:effectRef idx="0">
+            <a:schemeClr val="accent1"/>
+          </a:effectRef>
+          <a:fontRef idx="minor">
+            <a:schemeClr val="lt1"/>
+          </a:fontRef>
+        </p:style>
+        <p:txBody>
+          <a:bodyPr wrap="square" rtlCol="0" anchor="ctr">
+            <a:noAutofit/>
+          </a:bodyPr>
+          <a:lstStyle/>
+          <a:p>
+            <a:pPr marL="0" marR="0" lvl="0" indent="0" algn="ctr" defTabSz="457200" rtl="0" eaLnBrk="1" fontAlgn="auto" latinLnBrk="0" hangingPunct="1">
+              <a:lnSpc>
+                <a:spcPct val="100000"/>
+              </a:lnSpc>
+              <a:spcBef>
+                <a:spcPts val="0"/>
+              </a:spcBef>
+              <a:spcAft>
+                <a:spcPts val="0"/>
+              </a:spcAft>
+              <a:buClrTx/>
+              <a:buSzTx/>
+              <a:buFontTx/>
+              <a:buNone/>
+              <a:tabLst/>
+              <a:defRPr/>
+            </a:pPr>
+            <a:endParaRPr kumimoji="0" lang="en-US" sz="1800" b="0" i="0" u="none" strike="noStrike" kern="1200" cap="none" spc="0" normalizeH="0" baseline="0" noProof="0">
+              <a:ln>
+                <a:noFill/>
+              </a:ln>
+              <a:solidFill>
+                <a:prstClr val="white"/>
+              </a:solidFill>
+              <a:effectLst/>
+              <a:uLnTx/>
+              <a:uFillTx/>
+              <a:latin typeface="Calibri" panose="020F0502020204030204"/>
+              <a:ea typeface="+mn-ea"/>
+              <a:cs typeface="+mn-cs"/>
+            </a:endParaRPr>
+          </a:p>
+        </p:txBody>
+      </p:sp>
+      <p:sp>
+        <p:nvSpPr>
           <p:cNvPr id="2" name="제목 1">
             <a:extLst>
               <a:ext uri="{FF2B5EF4-FFF2-40B4-BE49-F238E27FC236}">
-                <a16:creationId xmlns:a16="http://schemas.microsoft.com/office/drawing/2014/main" id="{90C87836-3E0B-44E2-92F0-BC069282AA32}"/>
+                <a16:creationId xmlns:a16="http://schemas.microsoft.com/office/drawing/2014/main" id="{B10F10EB-9192-45AF-91BE-D1A408FE20A8}"/>
               </a:ext>
             </a:extLst>
           </p:cNvPr>
@@ -3465,51 +6943,72 @@
             <p:ph type="title"/>
           </p:nvPr>
         </p:nvSpPr>
-        <p:spPr/>
+        <p:spPr>
+          <a:xfrm>
+            <a:off x="863029" y="1012004"/>
+            <a:ext cx="3416158" cy="4795408"/>
+          </a:xfrm>
+        </p:spPr>
         <p:txBody>
-          <a:bodyPr/>
+          <a:bodyPr>
+            <a:normAutofit/>
+          </a:bodyPr>
           <a:lstStyle/>
           <a:p>
             <a:r>
-              <a:rPr lang="en-US" altLang="ko-KR" dirty="0"/>
-              <a:t>1. UI</a:t>
-            </a:r>
-            <a:r>
-              <a:rPr lang="ko-KR" altLang="en-US" dirty="0"/>
-              <a:t> 문제점</a:t>
+              <a:rPr lang="en-US" altLang="ko-KR">
+                <a:solidFill>
+                  <a:srgbClr val="FFFFFF"/>
+                </a:solidFill>
+              </a:rPr>
+              <a:t>2. UI</a:t>
+            </a:r>
+            <a:r>
+              <a:rPr lang="ko-KR" altLang="en-US">
+                <a:solidFill>
+                  <a:srgbClr val="FFFFFF"/>
+                </a:solidFill>
+              </a:rPr>
+              <a:t> 문제 해결 방법</a:t>
             </a:r>
           </a:p>
         </p:txBody>
       </p:sp>
-      <p:sp>
-        <p:nvSpPr>
-          <p:cNvPr id="3" name="내용 개체 틀 2">
+      <p:graphicFrame>
+        <p:nvGraphicFramePr>
+          <p:cNvPr id="5" name="내용 개체 틀 2">
             <a:extLst>
               <a:ext uri="{FF2B5EF4-FFF2-40B4-BE49-F238E27FC236}">
-                <a16:creationId xmlns:a16="http://schemas.microsoft.com/office/drawing/2014/main" id="{E4CF29BF-64A5-4B7D-A6D9-2E2B443F91A0}"/>
+                <a16:creationId xmlns:a16="http://schemas.microsoft.com/office/drawing/2014/main" id="{61C33D39-160A-42D1-B2F3-7E92E41F90B0}"/>
               </a:ext>
             </a:extLst>
           </p:cNvPr>
-          <p:cNvSpPr>
-            <a:spLocks noGrp="1"/>
-          </p:cNvSpPr>
+          <p:cNvGraphicFramePr>
+            <a:graphicFrameLocks noGrp="1"/>
+          </p:cNvGraphicFramePr>
           <p:nvPr>
             <p:ph idx="1"/>
+            <p:extLst>
+              <p:ext uri="{D42A27DB-BD31-4B8C-83A1-F6EECF244321}">
+                <p14:modId xmlns:p14="http://schemas.microsoft.com/office/powerpoint/2010/main" val="2630960834"/>
+              </p:ext>
+            </p:extLst>
           </p:nvPr>
-        </p:nvSpPr>
-        <p:spPr/>
-        <p:txBody>
-          <a:bodyPr/>
-          <a:lstStyle/>
-          <a:p>
-            <a:endParaRPr lang="ko-KR" altLang="en-US"/>
-          </a:p>
-        </p:txBody>
-      </p:sp>
+        </p:nvGraphicFramePr>
+        <p:xfrm>
+          <a:off x="5194300" y="470924"/>
+          <a:ext cx="6513604" cy="5885426"/>
+        </p:xfrm>
+        <a:graphic>
+          <a:graphicData uri="http://schemas.openxmlformats.org/drawingml/2006/diagram">
+            <dgm:relIds xmlns:dgm="http://schemas.openxmlformats.org/drawingml/2006/diagram" xmlns:r="http://schemas.openxmlformats.org/officeDocument/2006/relationships" r:dm="rId2" r:lo="rId3" r:qs="rId4" r:cs="rId5"/>
+          </a:graphicData>
+        </a:graphic>
+      </p:graphicFrame>
     </p:spTree>
     <p:extLst>
       <p:ext uri="{BB962C8B-B14F-4D97-AF65-F5344CB8AC3E}">
-        <p14:creationId xmlns:p14="http://schemas.microsoft.com/office/powerpoint/2010/main" val="44314881"/>
+        <p14:creationId xmlns:p14="http://schemas.microsoft.com/office/powerpoint/2010/main" val="3562539613"/>
       </p:ext>
     </p:extLst>
   </p:cSld>
@@ -3519,9 +7018,17 @@
 </p:sld>
 </file>
 
-<file path=ppt/slides/slide3.xml><?xml version="1.0" encoding="utf-8"?>
+<file path=ppt/slides/slide4.xml><?xml version="1.0" encoding="utf-8"?>
 <p:sld xmlns:a="http://schemas.openxmlformats.org/drawingml/2006/main" xmlns:r="http://schemas.openxmlformats.org/officeDocument/2006/relationships" xmlns:p="http://schemas.openxmlformats.org/presentationml/2006/main">
   <p:cSld>
+    <p:bg>
+      <p:bgPr>
+        <a:solidFill>
+          <a:schemeClr val="bg1"/>
+        </a:solidFill>
+        <a:effectLst/>
+      </p:bgPr>
+    </p:bg>
     <p:spTree>
       <p:nvGrpSpPr>
         <p:cNvPr id="1" name=""/>
@@ -3538,120 +7045,482 @@
       </p:grpSpPr>
       <p:sp>
         <p:nvSpPr>
-          <p:cNvPr id="2" name="제목 1">
+          <p:cNvPr id="75" name="Freeform: Shape 74">
             <a:extLst>
               <a:ext uri="{FF2B5EF4-FFF2-40B4-BE49-F238E27FC236}">
-                <a16:creationId xmlns:a16="http://schemas.microsoft.com/office/drawing/2014/main" id="{B10F10EB-9192-45AF-91BE-D1A408FE20A8}"/>
+                <a16:creationId xmlns:a16="http://schemas.microsoft.com/office/drawing/2014/main" id="{46C2E80F-49A6-4372-B103-219D417A55ED}"/>
+              </a:ext>
+              <a:ext uri="{C183D7F6-B498-43B3-948B-1728B52AA6E4}">
+                <adec:decorative xmlns:adec="http://schemas.microsoft.com/office/drawing/2017/decorative" val="1"/>
               </a:ext>
             </a:extLst>
           </p:cNvPr>
           <p:cNvSpPr>
-            <a:spLocks noGrp="1"/>
+            <a:spLocks noGrp="1" noRot="1" noChangeAspect="1" noMove="1" noResize="1" noEditPoints="1" noAdjustHandles="1" noChangeArrowheads="1" noChangeShapeType="1" noTextEdit="1"/>
           </p:cNvSpPr>
           <p:nvPr>
-            <p:ph type="title"/>
+            <p:extLst>
+              <p:ext uri="{386F3935-93C4-4BCD-93E2-E3B085C9AB24}">
+                <p16:designElem xmlns:p16="http://schemas.microsoft.com/office/powerpoint/2015/main" val="1"/>
+              </p:ext>
+            </p:extLst>
           </p:nvPr>
         </p:nvSpPr>
-        <p:spPr/>
+        <p:spPr>
+          <a:xfrm>
+            <a:off x="484096" y="470925"/>
+            <a:ext cx="4381009" cy="5892104"/>
+          </a:xfrm>
+          <a:custGeom>
+            <a:avLst/>
+            <a:gdLst>
+              <a:gd name="connsiteX0" fmla="*/ 0 w 4381009"/>
+              <a:gd name="connsiteY0" fmla="*/ 0 h 5892104"/>
+              <a:gd name="connsiteX1" fmla="*/ 4157628 w 4381009"/>
+              <a:gd name="connsiteY1" fmla="*/ 0 h 5892104"/>
+              <a:gd name="connsiteX2" fmla="*/ 4169302 w 4381009"/>
+              <a:gd name="connsiteY2" fmla="*/ 68659 h 5892104"/>
+              <a:gd name="connsiteX3" fmla="*/ 4191571 w 4381009"/>
+              <a:gd name="connsiteY3" fmla="*/ 205472 h 5892104"/>
+              <a:gd name="connsiteX4" fmla="*/ 4213368 w 4381009"/>
+              <a:gd name="connsiteY4" fmla="*/ 342890 h 5892104"/>
+              <a:gd name="connsiteX5" fmla="*/ 4232030 w 4381009"/>
+              <a:gd name="connsiteY5" fmla="*/ 480913 h 5892104"/>
+              <a:gd name="connsiteX6" fmla="*/ 4250848 w 4381009"/>
+              <a:gd name="connsiteY6" fmla="*/ 618332 h 5892104"/>
+              <a:gd name="connsiteX7" fmla="*/ 4268412 w 4381009"/>
+              <a:gd name="connsiteY7" fmla="*/ 756355 h 5892104"/>
+              <a:gd name="connsiteX8" fmla="*/ 4283467 w 4381009"/>
+              <a:gd name="connsiteY8" fmla="*/ 892563 h 5892104"/>
+              <a:gd name="connsiteX9" fmla="*/ 4297737 w 4381009"/>
+              <a:gd name="connsiteY9" fmla="*/ 1030587 h 5892104"/>
+              <a:gd name="connsiteX10" fmla="*/ 4310754 w 4381009"/>
+              <a:gd name="connsiteY10" fmla="*/ 1168005 h 5892104"/>
+              <a:gd name="connsiteX11" fmla="*/ 4322045 w 4381009"/>
+              <a:gd name="connsiteY11" fmla="*/ 1303002 h 5892104"/>
+              <a:gd name="connsiteX12" fmla="*/ 4333336 w 4381009"/>
+              <a:gd name="connsiteY12" fmla="*/ 1439815 h 5892104"/>
+              <a:gd name="connsiteX13" fmla="*/ 4342745 w 4381009"/>
+              <a:gd name="connsiteY13" fmla="*/ 1574812 h 5892104"/>
+              <a:gd name="connsiteX14" fmla="*/ 4350115 w 4381009"/>
+              <a:gd name="connsiteY14" fmla="*/ 1709808 h 5892104"/>
+              <a:gd name="connsiteX15" fmla="*/ 4357799 w 4381009"/>
+              <a:gd name="connsiteY15" fmla="*/ 1844200 h 5892104"/>
+              <a:gd name="connsiteX16" fmla="*/ 4364229 w 4381009"/>
+              <a:gd name="connsiteY16" fmla="*/ 1977381 h 5892104"/>
+              <a:gd name="connsiteX17" fmla="*/ 4368777 w 4381009"/>
+              <a:gd name="connsiteY17" fmla="*/ 2109351 h 5892104"/>
+              <a:gd name="connsiteX18" fmla="*/ 4372697 w 4381009"/>
+              <a:gd name="connsiteY18" fmla="*/ 2241321 h 5892104"/>
+              <a:gd name="connsiteX19" fmla="*/ 4376461 w 4381009"/>
+              <a:gd name="connsiteY19" fmla="*/ 2372080 h 5892104"/>
+              <a:gd name="connsiteX20" fmla="*/ 4378186 w 4381009"/>
+              <a:gd name="connsiteY20" fmla="*/ 2501023 h 5892104"/>
+              <a:gd name="connsiteX21" fmla="*/ 4380068 w 4381009"/>
+              <a:gd name="connsiteY21" fmla="*/ 2629966 h 5892104"/>
+              <a:gd name="connsiteX22" fmla="*/ 4381009 w 4381009"/>
+              <a:gd name="connsiteY22" fmla="*/ 2757093 h 5892104"/>
+              <a:gd name="connsiteX23" fmla="*/ 4380068 w 4381009"/>
+              <a:gd name="connsiteY23" fmla="*/ 2883010 h 5892104"/>
+              <a:gd name="connsiteX24" fmla="*/ 4380068 w 4381009"/>
+              <a:gd name="connsiteY24" fmla="*/ 3007715 h 5892104"/>
+              <a:gd name="connsiteX25" fmla="*/ 4378186 w 4381009"/>
+              <a:gd name="connsiteY25" fmla="*/ 3131210 h 5892104"/>
+              <a:gd name="connsiteX26" fmla="*/ 4375363 w 4381009"/>
+              <a:gd name="connsiteY26" fmla="*/ 3252283 h 5892104"/>
+              <a:gd name="connsiteX27" fmla="*/ 4372697 w 4381009"/>
+              <a:gd name="connsiteY27" fmla="*/ 3372146 h 5892104"/>
+              <a:gd name="connsiteX28" fmla="*/ 4369718 w 4381009"/>
+              <a:gd name="connsiteY28" fmla="*/ 3489587 h 5892104"/>
+              <a:gd name="connsiteX29" fmla="*/ 4365170 w 4381009"/>
+              <a:gd name="connsiteY29" fmla="*/ 3606423 h 5892104"/>
+              <a:gd name="connsiteX30" fmla="*/ 4360309 w 4381009"/>
+              <a:gd name="connsiteY30" fmla="*/ 3721443 h 5892104"/>
+              <a:gd name="connsiteX31" fmla="*/ 4355918 w 4381009"/>
+              <a:gd name="connsiteY31" fmla="*/ 3834041 h 5892104"/>
+              <a:gd name="connsiteX32" fmla="*/ 4343529 w 4381009"/>
+              <a:gd name="connsiteY32" fmla="*/ 4053789 h 5892104"/>
+              <a:gd name="connsiteX33" fmla="*/ 4330356 w 4381009"/>
+              <a:gd name="connsiteY33" fmla="*/ 4264457 h 5892104"/>
+              <a:gd name="connsiteX34" fmla="*/ 4316556 w 4381009"/>
+              <a:gd name="connsiteY34" fmla="*/ 4466650 h 5892104"/>
+              <a:gd name="connsiteX35" fmla="*/ 4301344 w 4381009"/>
+              <a:gd name="connsiteY35" fmla="*/ 4657946 h 5892104"/>
+              <a:gd name="connsiteX36" fmla="*/ 4285506 w 4381009"/>
+              <a:gd name="connsiteY36" fmla="*/ 4840767 h 5892104"/>
+              <a:gd name="connsiteX37" fmla="*/ 4268412 w 4381009"/>
+              <a:gd name="connsiteY37" fmla="*/ 5010269 h 5892104"/>
+              <a:gd name="connsiteX38" fmla="*/ 4251633 w 4381009"/>
+              <a:gd name="connsiteY38" fmla="*/ 5169481 h 5892104"/>
+              <a:gd name="connsiteX39" fmla="*/ 4234853 w 4381009"/>
+              <a:gd name="connsiteY39" fmla="*/ 5315980 h 5892104"/>
+              <a:gd name="connsiteX40" fmla="*/ 4219014 w 4381009"/>
+              <a:gd name="connsiteY40" fmla="*/ 5450371 h 5892104"/>
+              <a:gd name="connsiteX41" fmla="*/ 4203959 w 4381009"/>
+              <a:gd name="connsiteY41" fmla="*/ 5569628 h 5892104"/>
+              <a:gd name="connsiteX42" fmla="*/ 4189689 w 4381009"/>
+              <a:gd name="connsiteY42" fmla="*/ 5677384 h 5892104"/>
+              <a:gd name="connsiteX43" fmla="*/ 4177770 w 4381009"/>
+              <a:gd name="connsiteY43" fmla="*/ 5768189 h 5892104"/>
+              <a:gd name="connsiteX44" fmla="*/ 4166479 w 4381009"/>
+              <a:gd name="connsiteY44" fmla="*/ 5844465 h 5892104"/>
+              <a:gd name="connsiteX45" fmla="*/ 4159132 w 4381009"/>
+              <a:gd name="connsiteY45" fmla="*/ 5892104 h 5892104"/>
+              <a:gd name="connsiteX46" fmla="*/ 0 w 4381009"/>
+              <a:gd name="connsiteY46" fmla="*/ 5892104 h 5892104"/>
+            </a:gdLst>
+            <a:ahLst/>
+            <a:cxnLst>
+              <a:cxn ang="0">
+                <a:pos x="connsiteX0" y="connsiteY0"/>
+              </a:cxn>
+              <a:cxn ang="0">
+                <a:pos x="connsiteX1" y="connsiteY1"/>
+              </a:cxn>
+              <a:cxn ang="0">
+                <a:pos x="connsiteX2" y="connsiteY2"/>
+              </a:cxn>
+              <a:cxn ang="0">
+                <a:pos x="connsiteX3" y="connsiteY3"/>
+              </a:cxn>
+              <a:cxn ang="0">
+                <a:pos x="connsiteX4" y="connsiteY4"/>
+              </a:cxn>
+              <a:cxn ang="0">
+                <a:pos x="connsiteX5" y="connsiteY5"/>
+              </a:cxn>
+              <a:cxn ang="0">
+                <a:pos x="connsiteX6" y="connsiteY6"/>
+              </a:cxn>
+              <a:cxn ang="0">
+                <a:pos x="connsiteX7" y="connsiteY7"/>
+              </a:cxn>
+              <a:cxn ang="0">
+                <a:pos x="connsiteX8" y="connsiteY8"/>
+              </a:cxn>
+              <a:cxn ang="0">
+                <a:pos x="connsiteX9" y="connsiteY9"/>
+              </a:cxn>
+              <a:cxn ang="0">
+                <a:pos x="connsiteX10" y="connsiteY10"/>
+              </a:cxn>
+              <a:cxn ang="0">
+                <a:pos x="connsiteX11" y="connsiteY11"/>
+              </a:cxn>
+              <a:cxn ang="0">
+                <a:pos x="connsiteX12" y="connsiteY12"/>
+              </a:cxn>
+              <a:cxn ang="0">
+                <a:pos x="connsiteX13" y="connsiteY13"/>
+              </a:cxn>
+              <a:cxn ang="0">
+                <a:pos x="connsiteX14" y="connsiteY14"/>
+              </a:cxn>
+              <a:cxn ang="0">
+                <a:pos x="connsiteX15" y="connsiteY15"/>
+              </a:cxn>
+              <a:cxn ang="0">
+                <a:pos x="connsiteX16" y="connsiteY16"/>
+              </a:cxn>
+              <a:cxn ang="0">
+                <a:pos x="connsiteX17" y="connsiteY17"/>
+              </a:cxn>
+              <a:cxn ang="0">
+                <a:pos x="connsiteX18" y="connsiteY18"/>
+              </a:cxn>
+              <a:cxn ang="0">
+                <a:pos x="connsiteX19" y="connsiteY19"/>
+              </a:cxn>
+              <a:cxn ang="0">
+                <a:pos x="connsiteX20" y="connsiteY20"/>
+              </a:cxn>
+              <a:cxn ang="0">
+                <a:pos x="connsiteX21" y="connsiteY21"/>
+              </a:cxn>
+              <a:cxn ang="0">
+                <a:pos x="connsiteX22" y="connsiteY22"/>
+              </a:cxn>
+              <a:cxn ang="0">
+                <a:pos x="connsiteX23" y="connsiteY23"/>
+              </a:cxn>
+              <a:cxn ang="0">
+                <a:pos x="connsiteX24" y="connsiteY24"/>
+              </a:cxn>
+              <a:cxn ang="0">
+                <a:pos x="connsiteX25" y="connsiteY25"/>
+              </a:cxn>
+              <a:cxn ang="0">
+                <a:pos x="connsiteX26" y="connsiteY26"/>
+              </a:cxn>
+              <a:cxn ang="0">
+                <a:pos x="connsiteX27" y="connsiteY27"/>
+              </a:cxn>
+              <a:cxn ang="0">
+                <a:pos x="connsiteX28" y="connsiteY28"/>
+              </a:cxn>
+              <a:cxn ang="0">
+                <a:pos x="connsiteX29" y="connsiteY29"/>
+              </a:cxn>
+              <a:cxn ang="0">
+                <a:pos x="connsiteX30" y="connsiteY30"/>
+              </a:cxn>
+              <a:cxn ang="0">
+                <a:pos x="connsiteX31" y="connsiteY31"/>
+              </a:cxn>
+              <a:cxn ang="0">
+                <a:pos x="connsiteX32" y="connsiteY32"/>
+              </a:cxn>
+              <a:cxn ang="0">
+                <a:pos x="connsiteX33" y="connsiteY33"/>
+              </a:cxn>
+              <a:cxn ang="0">
+                <a:pos x="connsiteX34" y="connsiteY34"/>
+              </a:cxn>
+              <a:cxn ang="0">
+                <a:pos x="connsiteX35" y="connsiteY35"/>
+              </a:cxn>
+              <a:cxn ang="0">
+                <a:pos x="connsiteX36" y="connsiteY36"/>
+              </a:cxn>
+              <a:cxn ang="0">
+                <a:pos x="connsiteX37" y="connsiteY37"/>
+              </a:cxn>
+              <a:cxn ang="0">
+                <a:pos x="connsiteX38" y="connsiteY38"/>
+              </a:cxn>
+              <a:cxn ang="0">
+                <a:pos x="connsiteX39" y="connsiteY39"/>
+              </a:cxn>
+              <a:cxn ang="0">
+                <a:pos x="connsiteX40" y="connsiteY40"/>
+              </a:cxn>
+              <a:cxn ang="0">
+                <a:pos x="connsiteX41" y="connsiteY41"/>
+              </a:cxn>
+              <a:cxn ang="0">
+                <a:pos x="connsiteX42" y="connsiteY42"/>
+              </a:cxn>
+              <a:cxn ang="0">
+                <a:pos x="connsiteX43" y="connsiteY43"/>
+              </a:cxn>
+              <a:cxn ang="0">
+                <a:pos x="connsiteX44" y="connsiteY44"/>
+              </a:cxn>
+              <a:cxn ang="0">
+                <a:pos x="connsiteX45" y="connsiteY45"/>
+              </a:cxn>
+              <a:cxn ang="0">
+                <a:pos x="connsiteX46" y="connsiteY46"/>
+              </a:cxn>
+            </a:cxnLst>
+            <a:rect l="l" t="t" r="r" b="b"/>
+            <a:pathLst>
+              <a:path w="4381009" h="5892104">
+                <a:moveTo>
+                  <a:pt x="0" y="0"/>
+                </a:moveTo>
+                <a:lnTo>
+                  <a:pt x="4157628" y="0"/>
+                </a:lnTo>
+                <a:lnTo>
+                  <a:pt x="4169302" y="68659"/>
+                </a:lnTo>
+                <a:lnTo>
+                  <a:pt x="4191571" y="205472"/>
+                </a:lnTo>
+                <a:lnTo>
+                  <a:pt x="4213368" y="342890"/>
+                </a:lnTo>
+                <a:lnTo>
+                  <a:pt x="4232030" y="480913"/>
+                </a:lnTo>
+                <a:lnTo>
+                  <a:pt x="4250848" y="618332"/>
+                </a:lnTo>
+                <a:lnTo>
+                  <a:pt x="4268412" y="756355"/>
+                </a:lnTo>
+                <a:lnTo>
+                  <a:pt x="4283467" y="892563"/>
+                </a:lnTo>
+                <a:lnTo>
+                  <a:pt x="4297737" y="1030587"/>
+                </a:lnTo>
+                <a:lnTo>
+                  <a:pt x="4310754" y="1168005"/>
+                </a:lnTo>
+                <a:lnTo>
+                  <a:pt x="4322045" y="1303002"/>
+                </a:lnTo>
+                <a:lnTo>
+                  <a:pt x="4333336" y="1439815"/>
+                </a:lnTo>
+                <a:lnTo>
+                  <a:pt x="4342745" y="1574812"/>
+                </a:lnTo>
+                <a:lnTo>
+                  <a:pt x="4350115" y="1709808"/>
+                </a:lnTo>
+                <a:lnTo>
+                  <a:pt x="4357799" y="1844200"/>
+                </a:lnTo>
+                <a:lnTo>
+                  <a:pt x="4364229" y="1977381"/>
+                </a:lnTo>
+                <a:lnTo>
+                  <a:pt x="4368777" y="2109351"/>
+                </a:lnTo>
+                <a:lnTo>
+                  <a:pt x="4372697" y="2241321"/>
+                </a:lnTo>
+                <a:lnTo>
+                  <a:pt x="4376461" y="2372080"/>
+                </a:lnTo>
+                <a:lnTo>
+                  <a:pt x="4378186" y="2501023"/>
+                </a:lnTo>
+                <a:lnTo>
+                  <a:pt x="4380068" y="2629966"/>
+                </a:lnTo>
+                <a:lnTo>
+                  <a:pt x="4381009" y="2757093"/>
+                </a:lnTo>
+                <a:lnTo>
+                  <a:pt x="4380068" y="2883010"/>
+                </a:lnTo>
+                <a:lnTo>
+                  <a:pt x="4380068" y="3007715"/>
+                </a:lnTo>
+                <a:lnTo>
+                  <a:pt x="4378186" y="3131210"/>
+                </a:lnTo>
+                <a:lnTo>
+                  <a:pt x="4375363" y="3252283"/>
+                </a:lnTo>
+                <a:lnTo>
+                  <a:pt x="4372697" y="3372146"/>
+                </a:lnTo>
+                <a:lnTo>
+                  <a:pt x="4369718" y="3489587"/>
+                </a:lnTo>
+                <a:lnTo>
+                  <a:pt x="4365170" y="3606423"/>
+                </a:lnTo>
+                <a:lnTo>
+                  <a:pt x="4360309" y="3721443"/>
+                </a:lnTo>
+                <a:lnTo>
+                  <a:pt x="4355918" y="3834041"/>
+                </a:lnTo>
+                <a:lnTo>
+                  <a:pt x="4343529" y="4053789"/>
+                </a:lnTo>
+                <a:lnTo>
+                  <a:pt x="4330356" y="4264457"/>
+                </a:lnTo>
+                <a:lnTo>
+                  <a:pt x="4316556" y="4466650"/>
+                </a:lnTo>
+                <a:lnTo>
+                  <a:pt x="4301344" y="4657946"/>
+                </a:lnTo>
+                <a:lnTo>
+                  <a:pt x="4285506" y="4840767"/>
+                </a:lnTo>
+                <a:lnTo>
+                  <a:pt x="4268412" y="5010269"/>
+                </a:lnTo>
+                <a:lnTo>
+                  <a:pt x="4251633" y="5169481"/>
+                </a:lnTo>
+                <a:lnTo>
+                  <a:pt x="4234853" y="5315980"/>
+                </a:lnTo>
+                <a:lnTo>
+                  <a:pt x="4219014" y="5450371"/>
+                </a:lnTo>
+                <a:lnTo>
+                  <a:pt x="4203959" y="5569628"/>
+                </a:lnTo>
+                <a:lnTo>
+                  <a:pt x="4189689" y="5677384"/>
+                </a:lnTo>
+                <a:lnTo>
+                  <a:pt x="4177770" y="5768189"/>
+                </a:lnTo>
+                <a:lnTo>
+                  <a:pt x="4166479" y="5844465"/>
+                </a:lnTo>
+                <a:lnTo>
+                  <a:pt x="4159132" y="5892104"/>
+                </a:lnTo>
+                <a:lnTo>
+                  <a:pt x="0" y="5892104"/>
+                </a:lnTo>
+                <a:close/>
+              </a:path>
+            </a:pathLst>
+          </a:custGeom>
+          <a:solidFill>
+            <a:srgbClr val="404040"/>
+          </a:solidFill>
+          <a:ln>
+            <a:noFill/>
+          </a:ln>
+        </p:spPr>
+        <p:style>
+          <a:lnRef idx="2">
+            <a:schemeClr val="accent1">
+              <a:shade val="50000"/>
+            </a:schemeClr>
+          </a:lnRef>
+          <a:fillRef idx="1">
+            <a:schemeClr val="accent1"/>
+          </a:fillRef>
+          <a:effectRef idx="0">
+            <a:schemeClr val="accent1"/>
+          </a:effectRef>
+          <a:fontRef idx="minor">
+            <a:schemeClr val="lt1"/>
+          </a:fontRef>
+        </p:style>
         <p:txBody>
-          <a:bodyPr/>
+          <a:bodyPr wrap="square" rtlCol="0" anchor="ctr">
+            <a:noAutofit/>
+          </a:bodyPr>
           <a:lstStyle/>
           <a:p>
-            <a:r>
-              <a:rPr lang="en-US" altLang="ko-KR" dirty="0"/>
-              <a:t>2. </a:t>
-            </a:r>
-            <a:r>
-              <a:rPr lang="ko-KR" altLang="en-US" dirty="0"/>
-              <a:t>해결 방법</a:t>
-            </a:r>
-          </a:p>
-        </p:txBody>
-      </p:sp>
-      <p:sp>
-        <p:nvSpPr>
-          <p:cNvPr id="3" name="내용 개체 틀 2">
-            <a:extLst>
-              <a:ext uri="{FF2B5EF4-FFF2-40B4-BE49-F238E27FC236}">
-                <a16:creationId xmlns:a16="http://schemas.microsoft.com/office/drawing/2014/main" id="{66C16466-4891-4B66-BD82-FD31F8F9CC11}"/>
-              </a:ext>
-            </a:extLst>
-          </p:cNvPr>
-          <p:cNvSpPr>
-            <a:spLocks noGrp="1"/>
-          </p:cNvSpPr>
-          <p:nvPr>
-            <p:ph idx="1"/>
-          </p:nvPr>
-        </p:nvSpPr>
-        <p:spPr/>
-        <p:txBody>
-          <a:bodyPr/>
-          <a:lstStyle/>
-          <a:p>
-            <a:endParaRPr lang="ko-KR" altLang="en-US"/>
-          </a:p>
-        </p:txBody>
-      </p:sp>
-    </p:spTree>
-    <p:extLst>
-      <p:ext uri="{BB962C8B-B14F-4D97-AF65-F5344CB8AC3E}">
-        <p14:creationId xmlns:p14="http://schemas.microsoft.com/office/powerpoint/2010/main" val="3562539613"/>
-      </p:ext>
-    </p:extLst>
-  </p:cSld>
-  <p:clrMapOvr>
-    <a:masterClrMapping/>
-  </p:clrMapOvr>
-</p:sld>
-</file>
-
-<file path=ppt/slides/slide4.xml><?xml version="1.0" encoding="utf-8"?>
-<p:sld xmlns:a="http://schemas.openxmlformats.org/drawingml/2006/main" xmlns:r="http://schemas.openxmlformats.org/officeDocument/2006/relationships" xmlns:p="http://schemas.openxmlformats.org/presentationml/2006/main">
-  <p:cSld>
-    <p:spTree>
-      <p:nvGrpSpPr>
-        <p:cNvPr id="1" name=""/>
-        <p:cNvGrpSpPr/>
-        <p:nvPr/>
-      </p:nvGrpSpPr>
-      <p:grpSpPr>
-        <a:xfrm>
-          <a:off x="0" y="0"/>
-          <a:ext cx="0" cy="0"/>
-          <a:chOff x="0" y="0"/>
-          <a:chExt cx="0" cy="0"/>
-        </a:xfrm>
-      </p:grpSpPr>
-      <p:sp>
-        <p:nvSpPr>
-          <p:cNvPr id="2" name="제목 1">
-            <a:extLst>
-              <a:ext uri="{FF2B5EF4-FFF2-40B4-BE49-F238E27FC236}">
-                <a16:creationId xmlns:a16="http://schemas.microsoft.com/office/drawing/2014/main" id="{660E96DF-87BD-4811-AC95-04FBDD65CDF1}"/>
-              </a:ext>
-            </a:extLst>
-          </p:cNvPr>
-          <p:cNvSpPr>
-            <a:spLocks noGrp="1"/>
-          </p:cNvSpPr>
-          <p:nvPr>
-            <p:ph type="title"/>
-          </p:nvPr>
-        </p:nvSpPr>
-        <p:spPr/>
-        <p:txBody>
-          <a:bodyPr/>
-          <a:lstStyle/>
-          <a:p>
-            <a:r>
-              <a:rPr lang="en-US" altLang="ko-KR" dirty="0"/>
-              <a:t>3. </a:t>
-            </a:r>
-            <a:r>
-              <a:rPr lang="ko-KR" altLang="en-US" dirty="0"/>
-              <a:t>개발 방법</a:t>
-            </a:r>
+            <a:pPr marL="0" marR="0" lvl="0" indent="0" algn="ctr" defTabSz="457200" rtl="0" eaLnBrk="1" fontAlgn="auto" latinLnBrk="0" hangingPunct="1">
+              <a:lnSpc>
+                <a:spcPct val="100000"/>
+              </a:lnSpc>
+              <a:spcBef>
+                <a:spcPts val="0"/>
+              </a:spcBef>
+              <a:spcAft>
+                <a:spcPts val="0"/>
+              </a:spcAft>
+              <a:buClrTx/>
+              <a:buSzTx/>
+              <a:buFontTx/>
+              <a:buNone/>
+              <a:tabLst/>
+              <a:defRPr/>
+            </a:pPr>
+            <a:endParaRPr kumimoji="0" lang="en-US" sz="1800" b="0" i="0" u="none" strike="noStrike" kern="1200" cap="none" spc="0" normalizeH="0" baseline="0" noProof="0">
+              <a:ln>
+                <a:noFill/>
+              </a:ln>
+              <a:solidFill>
+                <a:prstClr val="white"/>
+              </a:solidFill>
+              <a:effectLst/>
+              <a:uLnTx/>
+              <a:uFillTx/>
+              <a:latin typeface="Calibri" panose="020F0502020204030204"/>
+              <a:ea typeface="+mn-ea"/>
+              <a:cs typeface="+mn-cs"/>
+            </a:endParaRPr>
           </a:p>
         </p:txBody>
       </p:sp>
@@ -3686,13 +7555,12 @@
         </p:blipFill>
         <p:spPr bwMode="auto">
           <a:xfrm>
-            <a:off x="407894" y="2991598"/>
-            <a:ext cx="3921699" cy="2085037"/>
+            <a:off x="5194300" y="473075"/>
+            <a:ext cx="6513513" cy="3430588"/>
           </a:xfrm>
           <a:prstGeom prst="rect">
             <a:avLst/>
           </a:prstGeom>
-          <a:noFill/>
           <a:extLst>
             <a:ext uri="{909E8E84-426E-40DD-AFC4-6F175D3DCCD1}">
               <a14:hiddenFill xmlns:a14="http://schemas.microsoft.com/office/drawing/2010/main">
@@ -3733,13 +7601,12 @@
         </p:blipFill>
         <p:spPr bwMode="auto">
           <a:xfrm>
-            <a:off x="4329593" y="1949079"/>
-            <a:ext cx="3475062" cy="2085037"/>
+            <a:off x="5194300" y="3975100"/>
+            <a:ext cx="4003675" cy="2376488"/>
           </a:xfrm>
           <a:prstGeom prst="rect">
             <a:avLst/>
           </a:prstGeom>
-          <a:noFill/>
           <a:extLst>
             <a:ext uri="{909E8E84-426E-40DD-AFC4-6F175D3DCCD1}">
               <a14:hiddenFill xmlns:a14="http://schemas.microsoft.com/office/drawing/2010/main">
@@ -3780,13 +7647,12 @@
         </p:blipFill>
         <p:spPr bwMode="auto">
           <a:xfrm>
-            <a:off x="9215189" y="2991597"/>
-            <a:ext cx="2138611" cy="2085037"/>
+            <a:off x="9269413" y="3975100"/>
+            <a:ext cx="2438400" cy="2376488"/>
           </a:xfrm>
           <a:prstGeom prst="rect">
             <a:avLst/>
           </a:prstGeom>
-          <a:noFill/>
           <a:extLst>
             <a:ext uri="{909E8E84-426E-40DD-AFC4-6F175D3DCCD1}">
               <a14:hiddenFill xmlns:a14="http://schemas.microsoft.com/office/drawing/2010/main">
@@ -3798,6 +7664,53 @@
           </a:extLst>
         </p:spPr>
       </p:pic>
+      <p:sp>
+        <p:nvSpPr>
+          <p:cNvPr id="2" name="제목 1">
+            <a:extLst>
+              <a:ext uri="{FF2B5EF4-FFF2-40B4-BE49-F238E27FC236}">
+                <a16:creationId xmlns:a16="http://schemas.microsoft.com/office/drawing/2014/main" id="{660E96DF-87BD-4811-AC95-04FBDD65CDF1}"/>
+              </a:ext>
+            </a:extLst>
+          </p:cNvPr>
+          <p:cNvSpPr>
+            <a:spLocks noGrp="1"/>
+          </p:cNvSpPr>
+          <p:nvPr>
+            <p:ph type="title"/>
+          </p:nvPr>
+        </p:nvSpPr>
+        <p:spPr>
+          <a:xfrm>
+            <a:off x="863029" y="1012004"/>
+            <a:ext cx="3416158" cy="4795408"/>
+          </a:xfrm>
+        </p:spPr>
+        <p:txBody>
+          <a:bodyPr>
+            <a:normAutofit/>
+          </a:bodyPr>
+          <a:lstStyle/>
+          <a:p>
+            <a:r>
+              <a:rPr lang="en-US" altLang="ko-KR">
+                <a:solidFill>
+                  <a:srgbClr val="FFFFFF"/>
+                </a:solidFill>
+              </a:rPr>
+              <a:t>3. </a:t>
+            </a:r>
+            <a:r>
+              <a:rPr lang="ko-KR" altLang="en-US">
+                <a:solidFill>
+                  <a:srgbClr val="FFFFFF"/>
+                </a:solidFill>
+              </a:rPr>
+              <a:t>개발 방법</a:t>
+            </a:r>
+          </a:p>
+        </p:txBody>
+      </p:sp>
     </p:spTree>
     <p:extLst>
       <p:ext uri="{BB962C8B-B14F-4D97-AF65-F5344CB8AC3E}">
@@ -3814,6 +7727,14 @@
 <file path=ppt/slides/slide5.xml><?xml version="1.0" encoding="utf-8"?>
 <p:sld xmlns:a="http://schemas.openxmlformats.org/drawingml/2006/main" xmlns:r="http://schemas.openxmlformats.org/officeDocument/2006/relationships" xmlns:p="http://schemas.openxmlformats.org/presentationml/2006/main">
   <p:cSld>
+    <p:bg>
+      <p:bgPr>
+        <a:solidFill>
+          <a:schemeClr val="bg1"/>
+        </a:solidFill>
+        <a:effectLst/>
+      </p:bgPr>
+    </p:bg>
     <p:spTree>
       <p:nvGrpSpPr>
         <p:cNvPr id="1" name=""/>
@@ -3828,6 +7749,72 @@
           <a:chExt cx="0" cy="0"/>
         </a:xfrm>
       </p:grpSpPr>
+      <p:sp>
+        <p:nvSpPr>
+          <p:cNvPr id="10" name="Down Arrow 7">
+            <a:extLst>
+              <a:ext uri="{FF2B5EF4-FFF2-40B4-BE49-F238E27FC236}">
+                <a16:creationId xmlns:a16="http://schemas.microsoft.com/office/drawing/2014/main" id="{D4771268-CB57-404A-9271-370EB28F6090}"/>
+              </a:ext>
+              <a:ext uri="{C183D7F6-B498-43B3-948B-1728B52AA6E4}">
+                <adec:decorative xmlns:adec="http://schemas.microsoft.com/office/drawing/2017/decorative" val="1"/>
+              </a:ext>
+            </a:extLst>
+          </p:cNvPr>
+          <p:cNvSpPr>
+            <a:spLocks noGrp="1" noRot="1" noChangeAspect="1" noMove="1" noResize="1" noEditPoints="1" noAdjustHandles="1" noChangeArrowheads="1" noChangeShapeType="1" noTextEdit="1"/>
+          </p:cNvSpPr>
+          <p:nvPr>
+            <p:extLst>
+              <p:ext uri="{386F3935-93C4-4BCD-93E2-E3B085C9AB24}">
+                <p16:designElem xmlns:p16="http://schemas.microsoft.com/office/powerpoint/2015/main" val="1"/>
+              </p:ext>
+            </p:extLst>
+          </p:nvPr>
+        </p:nvSpPr>
+        <p:spPr>
+          <a:xfrm rot="16200000">
+            <a:off x="800100" y="1491343"/>
+            <a:ext cx="3333749" cy="3499103"/>
+          </a:xfrm>
+          <a:prstGeom prst="downArrow">
+            <a:avLst>
+              <a:gd name="adj1" fmla="val 100000"/>
+              <a:gd name="adj2" fmla="val 15788"/>
+            </a:avLst>
+          </a:prstGeom>
+          <a:solidFill>
+            <a:srgbClr val="404040"/>
+          </a:solidFill>
+          <a:ln w="53975">
+            <a:noFill/>
+          </a:ln>
+        </p:spPr>
+        <p:style>
+          <a:lnRef idx="2">
+            <a:schemeClr val="accent1">
+              <a:shade val="50000"/>
+            </a:schemeClr>
+          </a:lnRef>
+          <a:fillRef idx="1">
+            <a:schemeClr val="accent1"/>
+          </a:fillRef>
+          <a:effectRef idx="0">
+            <a:schemeClr val="accent1"/>
+          </a:effectRef>
+          <a:fontRef idx="minor">
+            <a:schemeClr val="lt1"/>
+          </a:fontRef>
+        </p:style>
+        <p:txBody>
+          <a:bodyPr rtlCol="0" anchor="ctr"/>
+          <a:lstStyle/>
+          <a:p>
+            <a:pPr algn="ctr"/>
+            <a:endParaRPr lang="en-US"/>
+          </a:p>
+        </p:txBody>
+      </p:sp>
       <p:sp>
         <p:nvSpPr>
           <p:cNvPr id="2" name="제목 1">
@@ -3846,20 +7833,38 @@
         </p:nvSpPr>
         <p:spPr>
           <a:xfrm>
-            <a:off x="1021080" y="293438"/>
-            <a:ext cx="10515600" cy="1325563"/>
+            <a:off x="1028700" y="1967266"/>
+            <a:ext cx="2628900" cy="2547257"/>
           </a:xfrm>
+          <a:noFill/>
         </p:spPr>
         <p:txBody>
-          <a:bodyPr/>
+          <a:bodyPr vert="horz" lIns="91440" tIns="45720" rIns="91440" bIns="45720" rtlCol="0" anchor="ctr">
+            <a:normAutofit/>
+          </a:bodyPr>
           <a:lstStyle/>
           <a:p>
-            <a:r>
-              <a:rPr lang="en-US" altLang="ko-KR" dirty="0"/>
+            <a:pPr algn="ctr" latinLnBrk="0"/>
+            <a:r>
+              <a:rPr lang="en-US" altLang="ko-KR" sz="3600" kern="1200">
+                <a:solidFill>
+                  <a:srgbClr val="FFFFFF"/>
+                </a:solidFill>
+                <a:latin typeface="+mj-lt"/>
+                <a:ea typeface="+mj-ea"/>
+                <a:cs typeface="+mj-cs"/>
+              </a:rPr>
               <a:t>4. </a:t>
             </a:r>
             <a:r>
-              <a:rPr lang="ko-KR" altLang="en-US" dirty="0"/>
+              <a:rPr lang="ko-KR" altLang="en-US" sz="3600" kern="1200">
+                <a:solidFill>
+                  <a:srgbClr val="FFFFFF"/>
+                </a:solidFill>
+                <a:latin typeface="+mj-lt"/>
+                <a:ea typeface="+mj-ea"/>
+                <a:cs typeface="+mj-cs"/>
+              </a:rPr>
               <a:t>역할분담</a:t>
             </a:r>
           </a:p>
@@ -3881,30 +7886,31 @@
             <p:ph idx="1"/>
             <p:extLst>
               <p:ext uri="{D42A27DB-BD31-4B8C-83A1-F6EECF244321}">
-                <p14:modId xmlns:p14="http://schemas.microsoft.com/office/powerpoint/2010/main" val="3819682571"/>
+                <p14:modId xmlns:p14="http://schemas.microsoft.com/office/powerpoint/2010/main" val="2375941192"/>
               </p:ext>
             </p:extLst>
           </p:nvPr>
         </p:nvGraphicFramePr>
         <p:xfrm>
-          <a:off x="655320" y="1619001"/>
-          <a:ext cx="3417916" cy="3101544"/>
+          <a:off x="6033662" y="1361672"/>
+          <a:ext cx="4268009" cy="4132326"/>
         </p:xfrm>
         <a:graphic>
           <a:graphicData uri="http://schemas.openxmlformats.org/drawingml/2006/table">
             <a:tbl>
               <a:tblPr firstRow="1" bandRow="1">
+                <a:noFill/>
                 <a:tableStyleId>{5C22544A-7EE6-4342-B048-85BDC9FD1C3A}</a:tableStyleId>
               </a:tblPr>
               <a:tblGrid>
-                <a:gridCol w="930903">
+                <a:gridCol w="1865518">
                   <a:extLst>
                     <a:ext uri="{9D8B030D-6E8A-4147-A177-3AD203B41FA5}">
                       <a16:colId xmlns:a16="http://schemas.microsoft.com/office/drawing/2014/main" val="1466388601"/>
                     </a:ext>
                   </a:extLst>
                 </a:gridCol>
-                <a:gridCol w="2487013">
+                <a:gridCol w="2402491">
                   <a:extLst>
                     <a:ext uri="{9D8B030D-6E8A-4147-A177-3AD203B41FA5}">
                       <a16:colId xmlns:a16="http://schemas.microsoft.com/office/drawing/2014/main" val="2512675117"/>
@@ -3912,7 +7918,7 @@
                   </a:extLst>
                 </a:gridCol>
               </a:tblGrid>
-              <a:tr h="0">
+              <a:tr h="1190244">
                 <a:tc>
                   <a:txBody>
                     <a:bodyPr/>
@@ -3920,12 +7926,33 @@
                     <a:p>
                       <a:pPr algn="ctr" latinLnBrk="1"/>
                       <a:r>
-                        <a:rPr lang="ko-KR" altLang="en-US" dirty="0"/>
+                        <a:rPr lang="ko-KR" altLang="en-US" sz="3900" b="1" cap="none" spc="0">
+                          <a:solidFill>
+                            <a:schemeClr val="bg1"/>
+                          </a:solidFill>
+                        </a:rPr>
                         <a:t>이름</a:t>
                       </a:r>
                     </a:p>
                   </a:txBody>
-                  <a:tcPr anchor="ctr"/>
+                  <a:tcPr marL="176022" marR="125730" marT="251460" marB="251460" anchor="ctr">
+                    <a:lnL w="12700" cmpd="sng">
+                      <a:noFill/>
+                    </a:lnL>
+                    <a:lnR w="12700" cmpd="sng">
+                      <a:noFill/>
+                    </a:lnR>
+                    <a:lnT w="19050" cap="flat" cmpd="sng" algn="ctr">
+                      <a:noFill/>
+                      <a:prstDash val="solid"/>
+                    </a:lnT>
+                    <a:lnB w="38100" cmpd="sng">
+                      <a:noFill/>
+                    </a:lnB>
+                    <a:solidFill>
+                      <a:schemeClr val="tx1"/>
+                    </a:solidFill>
+                  </a:tcPr>
                 </a:tc>
                 <a:tc>
                   <a:txBody>
@@ -3934,12 +7961,33 @@
                     <a:p>
                       <a:pPr algn="ctr" latinLnBrk="1"/>
                       <a:r>
-                        <a:rPr lang="ko-KR" altLang="en-US" dirty="0"/>
+                        <a:rPr lang="ko-KR" altLang="en-US" sz="3900" b="1" cap="none" spc="0">
+                          <a:solidFill>
+                            <a:schemeClr val="bg1"/>
+                          </a:solidFill>
+                        </a:rPr>
                         <a:t>역할</a:t>
                       </a:r>
                     </a:p>
                   </a:txBody>
-                  <a:tcPr anchor="ctr"/>
+                  <a:tcPr marL="176022" marR="125730" marT="251460" marB="251460" anchor="ctr">
+                    <a:lnL w="12700" cmpd="sng">
+                      <a:noFill/>
+                    </a:lnL>
+                    <a:lnR w="12700" cmpd="sng">
+                      <a:noFill/>
+                    </a:lnR>
+                    <a:lnT w="19050" cap="flat" cmpd="sng" algn="ctr">
+                      <a:noFill/>
+                      <a:prstDash val="solid"/>
+                    </a:lnT>
+                    <a:lnB w="38100" cmpd="sng">
+                      <a:noFill/>
+                    </a:lnB>
+                    <a:solidFill>
+                      <a:schemeClr val="tx1"/>
+                    </a:solidFill>
+                  </a:tcPr>
                 </a:tc>
                 <a:extLst>
                   <a:ext uri="{0D108BD9-81ED-4DB2-BD59-A6C34878D82A}">
@@ -3947,20 +7995,43 @@
                   </a:ext>
                 </a:extLst>
               </a:tr>
-              <a:tr h="911928">
+              <a:tr h="980694">
                 <a:tc>
                   <a:txBody>
                     <a:bodyPr/>
                     <a:lstStyle/>
                     <a:p>
-                      <a:pPr latinLnBrk="1"/>
+                      <a:pPr algn="ctr" latinLnBrk="1"/>
                       <a:r>
-                        <a:rPr lang="ko-KR" altLang="en-US" dirty="0"/>
+                        <a:rPr lang="ko-KR" altLang="en-US" sz="3300" cap="none" spc="0">
+                          <a:solidFill>
+                            <a:schemeClr val="tx1"/>
+                          </a:solidFill>
+                        </a:rPr>
                         <a:t>김기태</a:t>
                       </a:r>
                     </a:p>
                   </a:txBody>
-                  <a:tcPr anchor="ctr"/>
+                  <a:tcPr marL="176022" marR="125730" marT="125730" marB="251460" anchor="ctr">
+                    <a:lnL w="12700" cmpd="sng">
+                      <a:noFill/>
+                      <a:prstDash val="solid"/>
+                    </a:lnL>
+                    <a:lnR w="12700" cmpd="sng">
+                      <a:noFill/>
+                      <a:prstDash val="solid"/>
+                    </a:lnR>
+                    <a:lnT w="38100" cmpd="sng">
+                      <a:noFill/>
+                    </a:lnT>
+                    <a:lnB w="12700" cap="flat" cmpd="sng" algn="ctr">
+                      <a:solidFill>
+                        <a:schemeClr val="tx1"/>
+                      </a:solidFill>
+                      <a:prstDash val="solid"/>
+                    </a:lnB>
+                    <a:noFill/>
+                  </a:tcPr>
                 </a:tc>
                 <a:tc>
                   <a:txBody>
@@ -3969,12 +8040,35 @@
                     <a:p>
                       <a:pPr latinLnBrk="1"/>
                       <a:r>
-                        <a:rPr lang="ko-KR" altLang="en-US" dirty="0"/>
+                        <a:rPr lang="ko-KR" altLang="en-US" sz="3300" cap="none" spc="0">
+                          <a:solidFill>
+                            <a:schemeClr val="tx1"/>
+                          </a:solidFill>
+                        </a:rPr>
                         <a:t>개발</a:t>
                       </a:r>
                     </a:p>
                   </a:txBody>
-                  <a:tcPr anchor="ctr"/>
+                  <a:tcPr marL="176022" marR="125730" marT="125730" marB="251460" anchor="ctr">
+                    <a:lnL w="12700" cmpd="sng">
+                      <a:noFill/>
+                      <a:prstDash val="solid"/>
+                    </a:lnL>
+                    <a:lnR w="12700" cmpd="sng">
+                      <a:noFill/>
+                      <a:prstDash val="solid"/>
+                    </a:lnR>
+                    <a:lnT w="38100" cmpd="sng">
+                      <a:noFill/>
+                    </a:lnT>
+                    <a:lnB w="12700" cap="flat" cmpd="sng" algn="ctr">
+                      <a:solidFill>
+                        <a:schemeClr val="tx1"/>
+                      </a:solidFill>
+                      <a:prstDash val="solid"/>
+                    </a:lnB>
+                    <a:noFill/>
+                  </a:tcPr>
                 </a:tc>
                 <a:extLst>
                   <a:ext uri="{0D108BD9-81ED-4DB2-BD59-A6C34878D82A}">
@@ -3982,20 +8076,48 @@
                   </a:ext>
                 </a:extLst>
               </a:tr>
-              <a:tr h="911928">
+              <a:tr h="980694">
                 <a:tc>
                   <a:txBody>
                     <a:bodyPr/>
                     <a:lstStyle/>
                     <a:p>
-                      <a:pPr latinLnBrk="1"/>
+                      <a:pPr algn="ctr" latinLnBrk="1"/>
                       <a:r>
-                        <a:rPr lang="ko-KR" altLang="en-US" dirty="0"/>
+                        <a:rPr lang="ko-KR" altLang="en-US" sz="3300" cap="none" spc="0">
+                          <a:solidFill>
+                            <a:schemeClr val="tx1"/>
+                          </a:solidFill>
+                        </a:rPr>
                         <a:t>김명규</a:t>
                       </a:r>
                     </a:p>
                   </a:txBody>
-                  <a:tcPr anchor="ctr"/>
+                  <a:tcPr marL="176022" marR="125730" marT="125730" marB="251460" anchor="ctr">
+                    <a:lnL w="12700" cmpd="sng">
+                      <a:noFill/>
+                      <a:prstDash val="solid"/>
+                    </a:lnL>
+                    <a:lnR w="12700" cmpd="sng">
+                      <a:noFill/>
+                      <a:prstDash val="solid"/>
+                    </a:lnR>
+                    <a:lnT w="12700" cap="flat" cmpd="sng" algn="ctr">
+                      <a:solidFill>
+                        <a:schemeClr val="tx1"/>
+                      </a:solidFill>
+                      <a:prstDash val="solid"/>
+                    </a:lnT>
+                    <a:lnB w="12700" cmpd="sng">
+                      <a:noFill/>
+                      <a:prstDash val="solid"/>
+                    </a:lnB>
+                    <a:solidFill>
+                      <a:schemeClr val="bg1">
+                        <a:lumMod val="95000"/>
+                      </a:schemeClr>
+                    </a:solidFill>
+                  </a:tcPr>
                 </a:tc>
                 <a:tc>
                   <a:txBody>
@@ -4004,16 +8126,48 @@
                     <a:p>
                       <a:pPr latinLnBrk="1"/>
                       <a:r>
-                        <a:rPr lang="en-US" altLang="ko-KR" dirty="0"/>
+                        <a:rPr lang="en-US" altLang="ko-KR" sz="3300" cap="none" spc="0">
+                          <a:solidFill>
+                            <a:schemeClr val="tx1"/>
+                          </a:solidFill>
+                        </a:rPr>
                         <a:t>UI </a:t>
                       </a:r>
                       <a:r>
-                        <a:rPr lang="ko-KR" altLang="en-US" dirty="0"/>
+                        <a:rPr lang="ko-KR" altLang="en-US" sz="3300" cap="none" spc="0">
+                          <a:solidFill>
+                            <a:schemeClr val="tx1"/>
+                          </a:solidFill>
+                        </a:rPr>
                         <a:t>기획</a:t>
                       </a:r>
                     </a:p>
                   </a:txBody>
-                  <a:tcPr anchor="ctr"/>
+                  <a:tcPr marL="176022" marR="125730" marT="125730" marB="251460" anchor="ctr">
+                    <a:lnL w="12700" cmpd="sng">
+                      <a:noFill/>
+                      <a:prstDash val="solid"/>
+                    </a:lnL>
+                    <a:lnR w="12700" cmpd="sng">
+                      <a:noFill/>
+                      <a:prstDash val="solid"/>
+                    </a:lnR>
+                    <a:lnT w="12700" cap="flat" cmpd="sng" algn="ctr">
+                      <a:solidFill>
+                        <a:schemeClr val="tx1"/>
+                      </a:solidFill>
+                      <a:prstDash val="solid"/>
+                    </a:lnT>
+                    <a:lnB w="12700" cmpd="sng">
+                      <a:noFill/>
+                      <a:prstDash val="solid"/>
+                    </a:lnB>
+                    <a:solidFill>
+                      <a:schemeClr val="bg1">
+                        <a:lumMod val="95000"/>
+                      </a:schemeClr>
+                    </a:solidFill>
+                  </a:tcPr>
                 </a:tc>
                 <a:extLst>
                   <a:ext uri="{0D108BD9-81ED-4DB2-BD59-A6C34878D82A}">
@@ -4021,21 +8175,47 @@
                   </a:ext>
                 </a:extLst>
               </a:tr>
-              <a:tr h="911928">
+              <a:tr h="980694">
                 <a:tc>
                   <a:txBody>
                     <a:bodyPr/>
                     <a:lstStyle/>
                     <a:p>
-                      <a:pPr latinLnBrk="1"/>
+                      <a:pPr algn="ctr" latinLnBrk="1"/>
                       <a:r>
-                        <a:rPr lang="ko-KR" altLang="en-US" dirty="0" err="1"/>
+                        <a:rPr lang="ko-KR" altLang="en-US" sz="3300" cap="none" spc="0" err="1">
+                          <a:solidFill>
+                            <a:schemeClr val="tx1"/>
+                          </a:solidFill>
+                        </a:rPr>
                         <a:t>김휘수</a:t>
                       </a:r>
-                      <a:endParaRPr lang="ko-KR" altLang="en-US" dirty="0"/>
+                      <a:endParaRPr lang="ko-KR" altLang="en-US" sz="3300" cap="none" spc="0">
+                        <a:solidFill>
+                          <a:schemeClr val="tx1"/>
+                        </a:solidFill>
+                      </a:endParaRPr>
                     </a:p>
                   </a:txBody>
-                  <a:tcPr anchor="ctr"/>
+                  <a:tcPr marL="176022" marR="125730" marT="125730" marB="251460" anchor="ctr">
+                    <a:lnL w="12700" cmpd="sng">
+                      <a:noFill/>
+                      <a:prstDash val="solid"/>
+                    </a:lnL>
+                    <a:lnR w="12700" cmpd="sng">
+                      <a:noFill/>
+                      <a:prstDash val="solid"/>
+                    </a:lnR>
+                    <a:lnT w="12700" cmpd="sng">
+                      <a:noFill/>
+                      <a:prstDash val="solid"/>
+                    </a:lnT>
+                    <a:lnB w="12700" cmpd="sng">
+                      <a:noFill/>
+                      <a:prstDash val="solid"/>
+                    </a:lnB>
+                    <a:noFill/>
+                  </a:tcPr>
                 </a:tc>
                 <a:tc>
                   <a:txBody>
@@ -4044,16 +8224,42 @@
                     <a:p>
                       <a:pPr latinLnBrk="1"/>
                       <a:r>
-                        <a:rPr lang="en-US" altLang="ko-KR" dirty="0"/>
+                        <a:rPr lang="en-US" altLang="ko-KR" sz="3300" cap="none" spc="0">
+                          <a:solidFill>
+                            <a:schemeClr val="tx1"/>
+                          </a:solidFill>
+                        </a:rPr>
                         <a:t>UI </a:t>
                       </a:r>
                       <a:r>
-                        <a:rPr lang="ko-KR" altLang="en-US" dirty="0"/>
+                        <a:rPr lang="ko-KR" altLang="en-US" sz="3300" cap="none" spc="0">
+                          <a:solidFill>
+                            <a:schemeClr val="tx1"/>
+                          </a:solidFill>
+                        </a:rPr>
                         <a:t>디자인</a:t>
                       </a:r>
                     </a:p>
                   </a:txBody>
-                  <a:tcPr anchor="ctr"/>
+                  <a:tcPr marL="176022" marR="125730" marT="125730" marB="251460" anchor="ctr">
+                    <a:lnL w="12700" cmpd="sng">
+                      <a:noFill/>
+                      <a:prstDash val="solid"/>
+                    </a:lnL>
+                    <a:lnR w="12700" cmpd="sng">
+                      <a:noFill/>
+                      <a:prstDash val="solid"/>
+                    </a:lnR>
+                    <a:lnT w="12700" cmpd="sng">
+                      <a:noFill/>
+                      <a:prstDash val="solid"/>
+                    </a:lnT>
+                    <a:lnB w="12700" cmpd="sng">
+                      <a:noFill/>
+                      <a:prstDash val="solid"/>
+                    </a:lnB>
+                    <a:noFill/>
+                  </a:tcPr>
                 </a:tc>
                 <a:extLst>
                   <a:ext uri="{0D108BD9-81ED-4DB2-BD59-A6C34878D82A}">
@@ -4081,6 +8287,14 @@
 <file path=ppt/slides/slide6.xml><?xml version="1.0" encoding="utf-8"?>
 <p:sld xmlns:a="http://schemas.openxmlformats.org/drawingml/2006/main" xmlns:r="http://schemas.openxmlformats.org/officeDocument/2006/relationships" xmlns:p="http://schemas.openxmlformats.org/presentationml/2006/main">
   <p:cSld>
+    <p:bg>
+      <p:bgPr>
+        <a:solidFill>
+          <a:schemeClr val="bg1"/>
+        </a:solidFill>
+        <a:effectLst/>
+      </p:bgPr>
+    </p:bg>
     <p:spTree>
       <p:nvGrpSpPr>
         <p:cNvPr id="1" name=""/>
@@ -4095,6 +8309,101 @@
           <a:chExt cx="0" cy="0"/>
         </a:xfrm>
       </p:grpSpPr>
+      <p:sp>
+        <p:nvSpPr>
+          <p:cNvPr id="10" name="Down Arrow 7">
+            <a:extLst>
+              <a:ext uri="{FF2B5EF4-FFF2-40B4-BE49-F238E27FC236}">
+                <a16:creationId xmlns:a16="http://schemas.microsoft.com/office/drawing/2014/main" id="{73DE2CFE-42F2-48F0-8706-5264E012B10C}"/>
+              </a:ext>
+              <a:ext uri="{C183D7F6-B498-43B3-948B-1728B52AA6E4}">
+                <adec:decorative xmlns:adec="http://schemas.microsoft.com/office/drawing/2017/decorative" val="1"/>
+              </a:ext>
+            </a:extLst>
+          </p:cNvPr>
+          <p:cNvSpPr>
+            <a:spLocks noGrp="1" noRot="1" noChangeAspect="1" noMove="1" noResize="1" noEditPoints="1" noAdjustHandles="1" noChangeArrowheads="1" noChangeShapeType="1" noTextEdit="1"/>
+          </p:cNvSpPr>
+          <p:nvPr>
+            <p:extLst>
+              <p:ext uri="{386F3935-93C4-4BCD-93E2-E3B085C9AB24}">
+                <p16:designElem xmlns:p16="http://schemas.microsoft.com/office/powerpoint/2015/main" val="1"/>
+              </p:ext>
+            </p:extLst>
+          </p:nvPr>
+        </p:nvSpPr>
+        <p:spPr>
+          <a:xfrm rot="16200000">
+            <a:off x="1288521" y="381403"/>
+            <a:ext cx="2200313" cy="3342508"/>
+          </a:xfrm>
+          <a:prstGeom prst="downArrow">
+            <a:avLst>
+              <a:gd name="adj1" fmla="val 100000"/>
+              <a:gd name="adj2" fmla="val 15788"/>
+            </a:avLst>
+          </a:prstGeom>
+          <a:solidFill>
+            <a:srgbClr val="404040"/>
+          </a:solidFill>
+          <a:ln w="53975">
+            <a:noFill/>
+          </a:ln>
+        </p:spPr>
+        <p:style>
+          <a:lnRef idx="2">
+            <a:schemeClr val="accent1">
+              <a:shade val="50000"/>
+            </a:schemeClr>
+          </a:lnRef>
+          <a:fillRef idx="1">
+            <a:schemeClr val="accent1"/>
+          </a:fillRef>
+          <a:effectRef idx="0">
+            <a:schemeClr val="accent1"/>
+          </a:effectRef>
+          <a:fontRef idx="minor">
+            <a:schemeClr val="lt1"/>
+          </a:fontRef>
+        </p:style>
+        <p:txBody>
+          <a:bodyPr rtlCol="0" anchor="ctr"/>
+          <a:lstStyle/>
+          <a:p>
+            <a:pPr marL="0" marR="0" lvl="0" indent="0" algn="ctr" defTabSz="457200" rtl="0" eaLnBrk="1" fontAlgn="auto" latinLnBrk="0" hangingPunct="1">
+              <a:lnSpc>
+                <a:spcPct val="100000"/>
+              </a:lnSpc>
+              <a:spcBef>
+                <a:spcPts val="0"/>
+              </a:spcBef>
+              <a:spcAft>
+                <a:spcPts val="0"/>
+              </a:spcAft>
+              <a:buClrTx/>
+              <a:buSzTx/>
+              <a:buFontTx/>
+              <a:buNone/>
+              <a:tabLst/>
+              <a:defRPr/>
+            </a:pPr>
+            <a:endParaRPr kumimoji="0" lang="en-US" sz="1800" b="0" i="0" u="none" strike="noStrike" kern="1200" cap="none" spc="0" normalizeH="0" baseline="0" noProof="0">
+              <a:ln>
+                <a:noFill/>
+              </a:ln>
+              <a:solidFill>
+                <a:prstClr val="white"/>
+              </a:solidFill>
+              <a:effectLst/>
+              <a:uLnTx/>
+              <a:uFillTx/>
+              <a:latin typeface="Calibri" panose="020F0502020204030204"/>
+              <a:ea typeface="+mn-ea"/>
+              <a:cs typeface="+mn-cs"/>
+            </a:endParaRPr>
+          </a:p>
+        </p:txBody>
+      </p:sp>
       <p:sp>
         <p:nvSpPr>
           <p:cNvPr id="2" name="제목 1">
@@ -4113,20 +8422,30 @@
         </p:nvSpPr>
         <p:spPr>
           <a:xfrm>
-            <a:off x="838200" y="251618"/>
-            <a:ext cx="10515600" cy="1325563"/>
+            <a:off x="966952" y="1204108"/>
+            <a:ext cx="2669406" cy="1781175"/>
           </a:xfrm>
         </p:spPr>
         <p:txBody>
-          <a:bodyPr/>
+          <a:bodyPr>
+            <a:normAutofit/>
+          </a:bodyPr>
           <a:lstStyle/>
           <a:p>
             <a:r>
-              <a:rPr lang="en-US" altLang="ko-KR" dirty="0"/>
+              <a:rPr lang="en-US" altLang="ko-KR" sz="3200">
+                <a:solidFill>
+                  <a:srgbClr val="FFFFFF"/>
+                </a:solidFill>
+              </a:rPr>
               <a:t>5. </a:t>
             </a:r>
             <a:r>
-              <a:rPr lang="ko-KR" altLang="en-US" dirty="0"/>
+              <a:rPr lang="ko-KR" altLang="en-US" sz="3200">
+                <a:solidFill>
+                  <a:srgbClr val="FFFFFF"/>
+                </a:solidFill>
+              </a:rPr>
               <a:t>개발일정</a:t>
             </a:r>
           </a:p>
@@ -4148,14 +8467,14 @@
             <p:ph idx="1"/>
             <p:extLst>
               <p:ext uri="{D42A27DB-BD31-4B8C-83A1-F6EECF244321}">
-                <p14:modId xmlns:p14="http://schemas.microsoft.com/office/powerpoint/2010/main" val="2487498484"/>
+                <p14:modId xmlns:p14="http://schemas.microsoft.com/office/powerpoint/2010/main" val="2427718985"/>
               </p:ext>
             </p:extLst>
           </p:nvPr>
         </p:nvGraphicFramePr>
         <p:xfrm>
-          <a:off x="838200" y="1825624"/>
-          <a:ext cx="10515597" cy="4117976"/>
+          <a:off x="4662488" y="1780003"/>
+          <a:ext cx="6904038" cy="3174174"/>
         </p:xfrm>
         <a:graphic>
           <a:graphicData uri="http://schemas.openxmlformats.org/drawingml/2006/table">
@@ -4164,21 +8483,21 @@
                 <a:tableStyleId>{5C22544A-7EE6-4342-B048-85BDC9FD1C3A}</a:tableStyleId>
               </a:tblPr>
               <a:tblGrid>
-                <a:gridCol w="749300">
+                <a:gridCol w="582367">
                   <a:extLst>
                     <a:ext uri="{9D8B030D-6E8A-4147-A177-3AD203B41FA5}">
                       <a16:colId xmlns:a16="http://schemas.microsoft.com/office/drawing/2014/main" val="3279390278"/>
                     </a:ext>
                   </a:extLst>
                 </a:gridCol>
-                <a:gridCol w="2109289">
+                <a:gridCol w="1385162">
                   <a:extLst>
                     <a:ext uri="{9D8B030D-6E8A-4147-A177-3AD203B41FA5}">
                       <a16:colId xmlns:a16="http://schemas.microsoft.com/office/drawing/2014/main" val="1017778019"/>
                     </a:ext>
                   </a:extLst>
                 </a:gridCol>
-                <a:gridCol w="7657008">
+                <a:gridCol w="4936509">
                   <a:extLst>
                     <a:ext uri="{9D8B030D-6E8A-4147-A177-3AD203B41FA5}">
                       <a16:colId xmlns:a16="http://schemas.microsoft.com/office/drawing/2014/main" val="131792710"/>
@@ -4186,7 +8505,7 @@
                   </a:extLst>
                 </a:gridCol>
               </a:tblGrid>
-              <a:tr h="514747">
+              <a:tr h="724965">
                 <a:tc>
                   <a:txBody>
                     <a:bodyPr/>
@@ -4194,12 +8513,12 @@
                     <a:p>
                       <a:pPr algn="ctr" latinLnBrk="1"/>
                       <a:r>
-                        <a:rPr lang="ko-KR" altLang="en-US" dirty="0"/>
+                        <a:rPr lang="ko-KR" altLang="en-US" sz="1900"/>
                         <a:t>주차</a:t>
                       </a:r>
                     </a:p>
                   </a:txBody>
-                  <a:tcPr anchor="ctr"/>
+                  <a:tcPr marL="97968" marR="97968" marT="48984" marB="48984" anchor="ctr"/>
                 </a:tc>
                 <a:tc>
                   <a:txBody>
@@ -4208,12 +8527,12 @@
                     <a:p>
                       <a:pPr algn="ctr" latinLnBrk="1"/>
                       <a:r>
-                        <a:rPr lang="ko-KR" altLang="en-US" dirty="0"/>
+                        <a:rPr lang="ko-KR" altLang="en-US" sz="1900"/>
                         <a:t>계획</a:t>
                       </a:r>
                     </a:p>
                   </a:txBody>
-                  <a:tcPr anchor="ctr"/>
+                  <a:tcPr marL="97968" marR="97968" marT="48984" marB="48984" anchor="ctr"/>
                 </a:tc>
                 <a:tc>
                   <a:txBody>
@@ -4222,12 +8541,12 @@
                     <a:p>
                       <a:pPr algn="ctr" latinLnBrk="1"/>
                       <a:r>
-                        <a:rPr lang="ko-KR" altLang="en-US" dirty="0"/>
+                        <a:rPr lang="ko-KR" altLang="en-US" sz="1900" dirty="0"/>
                         <a:t>세부 내용</a:t>
                       </a:r>
                     </a:p>
                   </a:txBody>
-                  <a:tcPr anchor="ctr"/>
+                  <a:tcPr marL="97968" marR="97968" marT="48984" marB="48984" anchor="ctr"/>
                 </a:tc>
                 <a:extLst>
                   <a:ext uri="{0D108BD9-81ED-4DB2-BD59-A6C34878D82A}">
@@ -4235,7 +8554,7 @@
                   </a:ext>
                 </a:extLst>
               </a:tr>
-              <a:tr h="514747">
+              <a:tr h="724965">
                 <a:tc>
                   <a:txBody>
                     <a:bodyPr/>
@@ -4243,13 +8562,13 @@
                     <a:p>
                       <a:pPr algn="ctr" latinLnBrk="1"/>
                       <a:r>
-                        <a:rPr lang="en-US" altLang="ko-KR" dirty="0"/>
+                        <a:rPr lang="en-US" altLang="ko-KR" sz="1900"/>
                         <a:t>1</a:t>
                       </a:r>
-                      <a:endParaRPr lang="ko-KR" altLang="en-US" dirty="0"/>
+                      <a:endParaRPr lang="ko-KR" altLang="en-US" sz="1900"/>
                     </a:p>
                   </a:txBody>
-                  <a:tcPr anchor="ctr"/>
+                  <a:tcPr marL="97968" marR="97968" marT="48984" marB="48984" anchor="ctr"/>
                 </a:tc>
                 <a:tc>
                   <a:txBody>
@@ -4258,12 +8577,12 @@
                     <a:p>
                       <a:pPr algn="ctr" latinLnBrk="1"/>
                       <a:r>
-                        <a:rPr lang="ko-KR" altLang="en-US" dirty="0"/>
+                        <a:rPr lang="ko-KR" altLang="en-US" sz="1900"/>
                         <a:t>게임 기획</a:t>
                       </a:r>
                     </a:p>
                   </a:txBody>
-                  <a:tcPr anchor="ctr"/>
+                  <a:tcPr marL="97968" marR="97968" marT="48984" marB="48984" anchor="ctr"/>
                 </a:tc>
                 <a:tc>
                   <a:txBody>
@@ -4272,20 +8591,36 @@
                     <a:p>
                       <a:pPr algn="l" latinLnBrk="1"/>
                       <a:r>
-                        <a:rPr lang="ko-KR" altLang="en-US" dirty="0"/>
+                        <a:rPr lang="ko-KR" altLang="en-US" sz="1900" dirty="0"/>
                         <a:t>게임 장르</a:t>
                       </a:r>
                       <a:r>
-                        <a:rPr lang="en-US" altLang="ko-KR" dirty="0"/>
+                        <a:rPr lang="en-US" altLang="ko-KR" sz="1900" dirty="0"/>
+                        <a:t>, UI </a:t>
+                      </a:r>
+                      <a:r>
+                        <a:rPr lang="ko-KR" altLang="en-US" sz="1900" dirty="0"/>
+                        <a:t>문제점 파악</a:t>
+                      </a:r>
+                      <a:r>
+                        <a:rPr lang="en-US" altLang="ko-KR" sz="1900" dirty="0"/>
+                        <a:t>, UI </a:t>
+                      </a:r>
+                      <a:r>
+                        <a:rPr lang="ko-KR" altLang="en-US" sz="1900" dirty="0"/>
+                        <a:t>개선 방향</a:t>
+                      </a:r>
+                      <a:r>
+                        <a:rPr lang="en-US" altLang="ko-KR" sz="1900" dirty="0"/>
                         <a:t>, </a:t>
                       </a:r>
                       <a:r>
-                        <a:rPr lang="ko-KR" altLang="en-US" dirty="0"/>
+                        <a:rPr lang="ko-KR" altLang="en-US" sz="1900" dirty="0"/>
                         <a:t>개발 범위 등 결정</a:t>
                       </a:r>
                     </a:p>
                   </a:txBody>
-                  <a:tcPr anchor="ctr"/>
+                  <a:tcPr marL="97968" marR="97968" marT="48984" marB="48984" anchor="ctr"/>
                 </a:tc>
                 <a:extLst>
                   <a:ext uri="{0D108BD9-81ED-4DB2-BD59-A6C34878D82A}">
@@ -4293,7 +8628,7 @@
                   </a:ext>
                 </a:extLst>
               </a:tr>
-              <a:tr h="514747">
+              <a:tr h="431061">
                 <a:tc>
                   <a:txBody>
                     <a:bodyPr/>
@@ -4301,13 +8636,13 @@
                     <a:p>
                       <a:pPr algn="ctr" latinLnBrk="1"/>
                       <a:r>
-                        <a:rPr lang="en-US" altLang="ko-KR" dirty="0"/>
+                        <a:rPr lang="en-US" altLang="ko-KR" sz="1900"/>
                         <a:t>2</a:t>
                       </a:r>
-                      <a:endParaRPr lang="ko-KR" altLang="en-US" dirty="0"/>
+                      <a:endParaRPr lang="ko-KR" altLang="en-US" sz="1900"/>
                     </a:p>
                   </a:txBody>
-                  <a:tcPr anchor="ctr"/>
+                  <a:tcPr marL="97968" marR="97968" marT="48984" marB="48984" anchor="ctr"/>
                 </a:tc>
                 <a:tc>
                   <a:txBody>
@@ -4316,12 +8651,17 @@
                     <a:p>
                       <a:pPr algn="ctr" latinLnBrk="1"/>
                       <a:r>
-                        <a:rPr lang="ko-KR" altLang="en-US" dirty="0"/>
-                        <a:t>리소스 제작</a:t>
+                        <a:rPr lang="ko-KR" altLang="en-US" sz="1900" dirty="0"/>
+                        <a:t>스킬 </a:t>
                       </a:r>
+                      <a:r>
+                        <a:rPr lang="en-US" altLang="ko-KR" sz="1900" dirty="0"/>
+                        <a:t>UI</a:t>
+                      </a:r>
+                      <a:endParaRPr lang="ko-KR" altLang="en-US" sz="1900" dirty="0"/>
                     </a:p>
                   </a:txBody>
-                  <a:tcPr anchor="ctr"/>
+                  <a:tcPr marL="97968" marR="97968" marT="48984" marB="48984" anchor="ctr"/>
                 </a:tc>
                 <a:tc>
                   <a:txBody>
@@ -4330,28 +8670,28 @@
                     <a:p>
                       <a:pPr algn="l" latinLnBrk="1"/>
                       <a:r>
-                        <a:rPr lang="ko-KR" altLang="en-US" dirty="0"/>
-                        <a:t>모델</a:t>
+                        <a:rPr lang="ko-KR" altLang="en-US" sz="1900" dirty="0"/>
+                        <a:t>스킬 아이콘 위치 변경</a:t>
                       </a:r>
                       <a:r>
-                        <a:rPr lang="en-US" altLang="ko-KR" dirty="0"/>
+                        <a:rPr lang="en-US" altLang="ko-KR" sz="1900" dirty="0"/>
                         <a:t>, </a:t>
                       </a:r>
                       <a:r>
-                        <a:rPr lang="ko-KR" altLang="en-US" dirty="0" err="1"/>
-                        <a:t>스프라이트</a:t>
+                        <a:rPr lang="ko-KR" altLang="en-US" sz="1900" dirty="0"/>
+                        <a:t>페이드인</a:t>
                       </a:r>
                       <a:r>
-                        <a:rPr lang="en-US" altLang="ko-KR" dirty="0"/>
-                        <a:t>, </a:t>
+                        <a:rPr lang="en-US" altLang="ko-KR" sz="1900" dirty="0"/>
+                        <a:t>/</a:t>
                       </a:r>
                       <a:r>
-                        <a:rPr lang="ko-KR" altLang="en-US" dirty="0"/>
-                        <a:t>사운드 등 리소스 제작 및 수집</a:t>
+                        <a:rPr lang="ko-KR" altLang="en-US" sz="1900" dirty="0"/>
+                        <a:t>아웃</a:t>
                       </a:r>
                     </a:p>
                   </a:txBody>
-                  <a:tcPr anchor="ctr"/>
+                  <a:tcPr marL="97968" marR="97968" marT="48984" marB="48984" anchor="ctr"/>
                 </a:tc>
                 <a:extLst>
                   <a:ext uri="{0D108BD9-81ED-4DB2-BD59-A6C34878D82A}">
@@ -4359,7 +8699,7 @@
                   </a:ext>
                 </a:extLst>
               </a:tr>
-              <a:tr h="514747">
+              <a:tr h="431061">
                 <a:tc>
                   <a:txBody>
                     <a:bodyPr/>
@@ -4367,13 +8707,13 @@
                     <a:p>
                       <a:pPr algn="ctr" latinLnBrk="1"/>
                       <a:r>
-                        <a:rPr lang="en-US" altLang="ko-KR" dirty="0"/>
+                        <a:rPr lang="en-US" altLang="ko-KR" sz="1900"/>
                         <a:t>3</a:t>
                       </a:r>
-                      <a:endParaRPr lang="ko-KR" altLang="en-US" dirty="0"/>
+                      <a:endParaRPr lang="ko-KR" altLang="en-US" sz="1900"/>
                     </a:p>
                   </a:txBody>
-                  <a:tcPr anchor="ctr"/>
+                  <a:tcPr marL="97968" marR="97968" marT="48984" marB="48984" anchor="ctr"/>
                 </a:tc>
                 <a:tc>
                   <a:txBody>
@@ -4382,12 +8722,17 @@
                     <a:p>
                       <a:pPr algn="ctr" latinLnBrk="1"/>
                       <a:r>
-                        <a:rPr lang="ko-KR" altLang="en-US" dirty="0"/>
-                        <a:t>캐릭터</a:t>
+                        <a:rPr lang="ko-KR" altLang="en-US" sz="1900" dirty="0"/>
+                        <a:t>버프 </a:t>
                       </a:r>
+                      <a:r>
+                        <a:rPr lang="en-US" altLang="ko-KR" sz="1900" dirty="0"/>
+                        <a:t>UI</a:t>
+                      </a:r>
+                      <a:endParaRPr lang="ko-KR" altLang="en-US" sz="1900" dirty="0"/>
                     </a:p>
                   </a:txBody>
-                  <a:tcPr anchor="ctr"/>
+                  <a:tcPr marL="97968" marR="97968" marT="48984" marB="48984" anchor="ctr"/>
                 </a:tc>
                 <a:tc>
                   <a:txBody>
@@ -4396,28 +8741,17 @@
                     <a:p>
                       <a:pPr algn="l" latinLnBrk="1"/>
                       <a:r>
-                        <a:rPr lang="ko-KR" altLang="en-US" dirty="0"/>
-                        <a:t>캐릭터 이동</a:t>
+                        <a:rPr lang="ko-KR" altLang="en-US" sz="1900" dirty="0"/>
+                        <a:t>이펙트나 사운드를 이용한 버프 </a:t>
                       </a:r>
                       <a:r>
-                        <a:rPr lang="en-US" altLang="ko-KR" dirty="0"/>
-                        <a:t>, </a:t>
+                        <a:rPr lang="en-US" altLang="ko-KR" sz="1900" dirty="0"/>
+                        <a:t>UI</a:t>
                       </a:r>
-                      <a:r>
-                        <a:rPr lang="ko-KR" altLang="en-US" dirty="0"/>
-                        <a:t>충돌</a:t>
-                      </a:r>
-                      <a:r>
-                        <a:rPr lang="en-US" altLang="ko-KR" dirty="0"/>
-                        <a:t>, </a:t>
-                      </a:r>
-                      <a:r>
-                        <a:rPr lang="ko-KR" altLang="en-US" dirty="0"/>
-                        <a:t>입력 구현</a:t>
-                      </a:r>
+                      <a:endParaRPr lang="ko-KR" altLang="en-US" sz="1900" dirty="0"/>
                     </a:p>
                   </a:txBody>
-                  <a:tcPr anchor="ctr"/>
+                  <a:tcPr marL="97968" marR="97968" marT="48984" marB="48984" anchor="ctr"/>
                 </a:tc>
                 <a:extLst>
                   <a:ext uri="{0D108BD9-81ED-4DB2-BD59-A6C34878D82A}">
@@ -4425,7 +8759,7 @@
                   </a:ext>
                 </a:extLst>
               </a:tr>
-              <a:tr h="514747">
+              <a:tr h="431061">
                 <a:tc>
                   <a:txBody>
                     <a:bodyPr/>
@@ -4433,13 +8767,13 @@
                     <a:p>
                       <a:pPr algn="ctr" latinLnBrk="1"/>
                       <a:r>
-                        <a:rPr lang="en-US" altLang="ko-KR" dirty="0"/>
+                        <a:rPr lang="en-US" altLang="ko-KR" sz="1900"/>
                         <a:t>4</a:t>
                       </a:r>
-                      <a:endParaRPr lang="ko-KR" altLang="en-US" dirty="0"/>
+                      <a:endParaRPr lang="ko-KR" altLang="en-US" sz="1900"/>
                     </a:p>
                   </a:txBody>
-                  <a:tcPr anchor="ctr"/>
+                  <a:tcPr marL="97968" marR="97968" marT="48984" marB="48984" anchor="ctr"/>
                 </a:tc>
                 <a:tc>
                   <a:txBody>
@@ -4448,12 +8782,12 @@
                     <a:p>
                       <a:pPr algn="ctr" latinLnBrk="1"/>
                       <a:r>
-                        <a:rPr lang="ko-KR" altLang="en-US" dirty="0"/>
-                        <a:t>플랫폼 및 기타</a:t>
+                        <a:rPr lang="ko-KR" altLang="en-US" sz="1900" dirty="0"/>
+                        <a:t>씬</a:t>
                       </a:r>
                     </a:p>
                   </a:txBody>
-                  <a:tcPr anchor="ctr"/>
+                  <a:tcPr marL="97968" marR="97968" marT="48984" marB="48984" anchor="ctr"/>
                 </a:tc>
                 <a:tc>
                   <a:txBody>
@@ -4462,28 +8796,12 @@
                     <a:p>
                       <a:pPr algn="l" latinLnBrk="1"/>
                       <a:r>
-                        <a:rPr lang="ko-KR" altLang="en-US" dirty="0"/>
-                        <a:t>플랫폼</a:t>
-                      </a:r>
-                      <a:r>
-                        <a:rPr lang="en-US" altLang="ko-KR" dirty="0"/>
-                        <a:t>, </a:t>
-                      </a:r>
-                      <a:r>
-                        <a:rPr lang="ko-KR" altLang="en-US" dirty="0"/>
-                        <a:t>장애물</a:t>
-                      </a:r>
-                      <a:r>
-                        <a:rPr lang="en-US" altLang="ko-KR" dirty="0"/>
-                        <a:t>, </a:t>
-                      </a:r>
-                      <a:r>
-                        <a:rPr lang="ko-KR" altLang="en-US" dirty="0"/>
-                        <a:t>코인 등의 오브젝트 구현</a:t>
+                        <a:rPr lang="ko-KR" altLang="en-US" sz="1900" dirty="0"/>
+                        <a:t>메인 씬 외의 씬 제작</a:t>
                       </a:r>
                     </a:p>
                   </a:txBody>
-                  <a:tcPr anchor="ctr"/>
+                  <a:tcPr marL="97968" marR="97968" marT="48984" marB="48984" anchor="ctr"/>
                 </a:tc>
                 <a:extLst>
                   <a:ext uri="{0D108BD9-81ED-4DB2-BD59-A6C34878D82A}">
@@ -4491,7 +8809,7 @@
                   </a:ext>
                 </a:extLst>
               </a:tr>
-              <a:tr h="514747">
+              <a:tr h="431061">
                 <a:tc>
                   <a:txBody>
                     <a:bodyPr/>
@@ -4499,13 +8817,13 @@
                     <a:p>
                       <a:pPr algn="ctr" latinLnBrk="1"/>
                       <a:r>
-                        <a:rPr lang="en-US" altLang="ko-KR" dirty="0"/>
+                        <a:rPr lang="en-US" altLang="ko-KR" sz="1900"/>
                         <a:t>5</a:t>
                       </a:r>
-                      <a:endParaRPr lang="ko-KR" altLang="en-US" dirty="0"/>
+                      <a:endParaRPr lang="ko-KR" altLang="en-US" sz="1900"/>
                     </a:p>
                   </a:txBody>
-                  <a:tcPr anchor="ctr"/>
+                  <a:tcPr marL="97968" marR="97968" marT="48984" marB="48984" anchor="ctr"/>
                 </a:tc>
                 <a:tc>
                   <a:txBody>
@@ -4514,13 +8832,12 @@
                     <a:p>
                       <a:pPr algn="ctr" latinLnBrk="1"/>
                       <a:r>
-                        <a:rPr lang="en-US" altLang="ko-KR" dirty="0"/>
-                        <a:t>UI</a:t>
+                        <a:rPr lang="ko-KR" altLang="en-US" sz="1900" dirty="0"/>
+                        <a:t>발표 준비</a:t>
                       </a:r>
-                      <a:endParaRPr lang="ko-KR" altLang="en-US" dirty="0"/>
                     </a:p>
                   </a:txBody>
-                  <a:tcPr anchor="ctr"/>
+                  <a:tcPr marL="97968" marR="97968" marT="48984" marB="48984" anchor="ctr"/>
                 </a:tc>
                 <a:tc>
                   <a:txBody>
@@ -4529,117 +8846,28 @@
                     <a:p>
                       <a:pPr algn="l" latinLnBrk="1"/>
                       <a:r>
-                        <a:rPr lang="ko-KR" altLang="en-US" dirty="0"/>
-                        <a:t>다양한 씬 구현</a:t>
+                        <a:rPr lang="en-US" altLang="ko-KR" sz="1900" dirty="0"/>
+                        <a:t>PPT</a:t>
+                      </a:r>
+                      <a:r>
+                        <a:rPr lang="ko-KR" altLang="en-US" sz="1900" dirty="0"/>
+                        <a:t> 제작</a:t>
+                      </a:r>
+                      <a:r>
+                        <a:rPr lang="en-US" altLang="ko-KR" sz="1900" dirty="0"/>
+                        <a:t>, </a:t>
+                      </a:r>
+                      <a:r>
+                        <a:rPr lang="ko-KR" altLang="en-US" sz="1900" dirty="0"/>
+                        <a:t>발표 대본 준비</a:t>
                       </a:r>
                     </a:p>
                   </a:txBody>
-                  <a:tcPr anchor="ctr"/>
+                  <a:tcPr marL="97968" marR="97968" marT="48984" marB="48984" anchor="ctr"/>
                 </a:tc>
                 <a:extLst>
                   <a:ext uri="{0D108BD9-81ED-4DB2-BD59-A6C34878D82A}">
                     <a16:rowId xmlns:a16="http://schemas.microsoft.com/office/drawing/2014/main" val="981701698"/>
-                  </a:ext>
-                </a:extLst>
-              </a:tr>
-              <a:tr h="514747">
-                <a:tc>
-                  <a:txBody>
-                    <a:bodyPr/>
-                    <a:lstStyle/>
-                    <a:p>
-                      <a:pPr algn="ctr" latinLnBrk="1"/>
-                      <a:r>
-                        <a:rPr lang="en-US" altLang="ko-KR" dirty="0"/>
-                        <a:t>6</a:t>
-                      </a:r>
-                      <a:endParaRPr lang="ko-KR" altLang="en-US" dirty="0"/>
-                    </a:p>
-                  </a:txBody>
-                  <a:tcPr anchor="ctr"/>
-                </a:tc>
-                <a:tc>
-                  <a:txBody>
-                    <a:bodyPr/>
-                    <a:lstStyle/>
-                    <a:p>
-                      <a:pPr algn="ctr" latinLnBrk="1"/>
-                      <a:r>
-                        <a:rPr lang="ko-KR" altLang="en-US" dirty="0" err="1"/>
-                        <a:t>밸런싱</a:t>
-                      </a:r>
-                      <a:endParaRPr lang="ko-KR" altLang="en-US" dirty="0"/>
-                    </a:p>
-                  </a:txBody>
-                  <a:tcPr anchor="ctr"/>
-                </a:tc>
-                <a:tc>
-                  <a:txBody>
-                    <a:bodyPr/>
-                    <a:lstStyle/>
-                    <a:p>
-                      <a:pPr algn="l" latinLnBrk="1"/>
-                      <a:r>
-                        <a:rPr lang="ko-KR" altLang="en-US" dirty="0"/>
-                        <a:t>게임 밸런스 조절</a:t>
-                      </a:r>
-                    </a:p>
-                  </a:txBody>
-                  <a:tcPr anchor="ctr"/>
-                </a:tc>
-                <a:extLst>
-                  <a:ext uri="{0D108BD9-81ED-4DB2-BD59-A6C34878D82A}">
-                    <a16:rowId xmlns:a16="http://schemas.microsoft.com/office/drawing/2014/main" val="3327873866"/>
-                  </a:ext>
-                </a:extLst>
-              </a:tr>
-              <a:tr h="514747">
-                <a:tc>
-                  <a:txBody>
-                    <a:bodyPr/>
-                    <a:lstStyle/>
-                    <a:p>
-                      <a:pPr algn="ctr" latinLnBrk="1"/>
-                      <a:r>
-                        <a:rPr lang="en-US" altLang="ko-KR" dirty="0"/>
-                        <a:t>7</a:t>
-                      </a:r>
-                      <a:endParaRPr lang="ko-KR" altLang="en-US" dirty="0"/>
-                    </a:p>
-                  </a:txBody>
-                  <a:tcPr anchor="ctr"/>
-                </a:tc>
-                <a:tc>
-                  <a:txBody>
-                    <a:bodyPr/>
-                    <a:lstStyle/>
-                    <a:p>
-                      <a:pPr algn="ctr" latinLnBrk="1"/>
-                      <a:r>
-                        <a:rPr lang="ko-KR" altLang="en-US" dirty="0"/>
-                        <a:t>발표 준비</a:t>
-                      </a:r>
-                    </a:p>
-                  </a:txBody>
-                  <a:tcPr anchor="ctr"/>
-                </a:tc>
-                <a:tc>
-                  <a:txBody>
-                    <a:bodyPr/>
-                    <a:lstStyle/>
-                    <a:p>
-                      <a:pPr algn="l" latinLnBrk="1"/>
-                      <a:r>
-                        <a:rPr lang="ko-KR" altLang="en-US" dirty="0"/>
-                        <a:t>발표용 자료 제작</a:t>
-                      </a:r>
-                    </a:p>
-                  </a:txBody>
-                  <a:tcPr anchor="ctr"/>
-                </a:tc>
-                <a:extLst>
-                  <a:ext uri="{0D108BD9-81ED-4DB2-BD59-A6C34878D82A}">
-                    <a16:rowId xmlns:a16="http://schemas.microsoft.com/office/drawing/2014/main" val="482923343"/>
                   </a:ext>
                 </a:extLst>
               </a:tr>
